--- a/Documentazione/Presentazione.pptx
+++ b/Documentazione/Presentazione.pptx
@@ -6,6 +6,11 @@
   </p:sldMasterIdLst>
   <p:sldIdLst>
     <p:sldId id="256" r:id="rId2"/>
+    <p:sldId id="257" r:id="rId3"/>
+    <p:sldId id="260" r:id="rId4"/>
+    <p:sldId id="258" r:id="rId5"/>
+    <p:sldId id="261" r:id="rId6"/>
+    <p:sldId id="259" r:id="rId7"/>
   </p:sldIdLst>
   <p:sldSz cx="12192000" cy="6858000"/>
   <p:notesSz cx="6858000" cy="9144000"/>
@@ -104,6 +109,11 @@
       </a:defRPr>
     </a:lvl9pPr>
   </p:defaultTextStyle>
+  <p:extLst>
+    <p:ext uri="{EFAFB233-063F-42B5-8137-9DF3F51BA10A}">
+      <p15:sldGuideLst xmlns:p15="http://schemas.microsoft.com/office/powerpoint/2012/main"/>
+    </p:ext>
+  </p:extLst>
 </p:presentation>
 </file>
 
@@ -3943,6 +3953,485 @@
 </p:sld>
 </file>
 
+<file path=ppt/slides/slide2.xml><?xml version="1.0" encoding="utf-8"?>
+<p:sld xmlns:a="http://schemas.openxmlformats.org/drawingml/2006/main" xmlns:r="http://schemas.openxmlformats.org/officeDocument/2006/relationships" xmlns:p="http://schemas.openxmlformats.org/presentationml/2006/main">
+  <p:cSld>
+    <p:spTree>
+      <p:nvGrpSpPr>
+        <p:cNvPr id="1" name=""/>
+        <p:cNvGrpSpPr/>
+        <p:nvPr/>
+      </p:nvGrpSpPr>
+      <p:grpSpPr>
+        <a:xfrm>
+          <a:off x="0" y="0"/>
+          <a:ext cx="0" cy="0"/>
+          <a:chOff x="0" y="0"/>
+          <a:chExt cx="0" cy="0"/>
+        </a:xfrm>
+      </p:grpSpPr>
+      <p:sp>
+        <p:nvSpPr>
+          <p:cNvPr id="2" name="Titolo 1">
+            <a:extLst>
+              <a:ext uri="{FF2B5EF4-FFF2-40B4-BE49-F238E27FC236}">
+                <a16:creationId xmlns:a16="http://schemas.microsoft.com/office/drawing/2014/main" id="{D8B717E1-03E7-82F9-F042-6465C2595E96}"/>
+              </a:ext>
+            </a:extLst>
+          </p:cNvPr>
+          <p:cNvSpPr>
+            <a:spLocks noGrp="1"/>
+          </p:cNvSpPr>
+          <p:nvPr>
+            <p:ph type="title"/>
+          </p:nvPr>
+        </p:nvSpPr>
+        <p:spPr/>
+        <p:txBody>
+          <a:bodyPr/>
+          <a:lstStyle/>
+          <a:p>
+            <a:r>
+              <a:rPr lang="it-IT" dirty="0"/>
+              <a:t>Il problema</a:t>
+            </a:r>
+          </a:p>
+        </p:txBody>
+      </p:sp>
+    </p:spTree>
+    <p:extLst>
+      <p:ext uri="{BB962C8B-B14F-4D97-AF65-F5344CB8AC3E}">
+        <p14:creationId xmlns:p14="http://schemas.microsoft.com/office/powerpoint/2010/main" val="1145023623"/>
+      </p:ext>
+    </p:extLst>
+  </p:cSld>
+  <p:clrMapOvr>
+    <a:masterClrMapping/>
+  </p:clrMapOvr>
+</p:sld>
+</file>
+
+<file path=ppt/slides/slide3.xml><?xml version="1.0" encoding="utf-8"?>
+<p:sld xmlns:a="http://schemas.openxmlformats.org/drawingml/2006/main" xmlns:r="http://schemas.openxmlformats.org/officeDocument/2006/relationships" xmlns:p="http://schemas.openxmlformats.org/presentationml/2006/main">
+  <p:cSld>
+    <p:spTree>
+      <p:nvGrpSpPr>
+        <p:cNvPr id="1" name=""/>
+        <p:cNvGrpSpPr/>
+        <p:nvPr/>
+      </p:nvGrpSpPr>
+      <p:grpSpPr>
+        <a:xfrm>
+          <a:off x="0" y="0"/>
+          <a:ext cx="0" cy="0"/>
+          <a:chOff x="0" y="0"/>
+          <a:chExt cx="0" cy="0"/>
+        </a:xfrm>
+      </p:grpSpPr>
+      <p:sp>
+        <p:nvSpPr>
+          <p:cNvPr id="2" name="Titolo 1">
+            <a:extLst>
+              <a:ext uri="{FF2B5EF4-FFF2-40B4-BE49-F238E27FC236}">
+                <a16:creationId xmlns:a16="http://schemas.microsoft.com/office/drawing/2014/main" id="{32DB8DDB-A4B0-B69C-ACDB-50D5CF69CA41}"/>
+              </a:ext>
+            </a:extLst>
+          </p:cNvPr>
+          <p:cNvSpPr>
+            <a:spLocks noGrp="1"/>
+          </p:cNvSpPr>
+          <p:nvPr>
+            <p:ph type="title"/>
+          </p:nvPr>
+        </p:nvSpPr>
+        <p:spPr/>
+        <p:txBody>
+          <a:bodyPr/>
+          <a:lstStyle/>
+          <a:p>
+            <a:r>
+              <a:rPr lang="it-IT" dirty="0"/>
+              <a:t>Un lavoro noioso e ripetitivo</a:t>
+            </a:r>
+          </a:p>
+        </p:txBody>
+      </p:sp>
+      <p:sp>
+        <p:nvSpPr>
+          <p:cNvPr id="3" name="Segnaposto contenuto 2">
+            <a:extLst>
+              <a:ext uri="{FF2B5EF4-FFF2-40B4-BE49-F238E27FC236}">
+                <a16:creationId xmlns:a16="http://schemas.microsoft.com/office/drawing/2014/main" id="{D02D2E6E-1D65-F233-DC2D-A0CF7611707B}"/>
+              </a:ext>
+            </a:extLst>
+          </p:cNvPr>
+          <p:cNvSpPr>
+            <a:spLocks noGrp="1"/>
+          </p:cNvSpPr>
+          <p:nvPr>
+            <p:ph idx="1"/>
+          </p:nvPr>
+        </p:nvSpPr>
+        <p:spPr/>
+        <p:txBody>
+          <a:bodyPr/>
+          <a:lstStyle/>
+          <a:p>
+            <a:endParaRPr lang="it-IT" dirty="0"/>
+          </a:p>
+        </p:txBody>
+      </p:sp>
+    </p:spTree>
+    <p:extLst>
+      <p:ext uri="{BB962C8B-B14F-4D97-AF65-F5344CB8AC3E}">
+        <p14:creationId xmlns:p14="http://schemas.microsoft.com/office/powerpoint/2010/main" val="4108516189"/>
+      </p:ext>
+    </p:extLst>
+  </p:cSld>
+  <p:clrMapOvr>
+    <a:masterClrMapping/>
+  </p:clrMapOvr>
+</p:sld>
+</file>
+
+<file path=ppt/slides/slide4.xml><?xml version="1.0" encoding="utf-8"?>
+<p:sld xmlns:a="http://schemas.openxmlformats.org/drawingml/2006/main" xmlns:r="http://schemas.openxmlformats.org/officeDocument/2006/relationships" xmlns:p="http://schemas.openxmlformats.org/presentationml/2006/main">
+  <p:cSld>
+    <p:spTree>
+      <p:nvGrpSpPr>
+        <p:cNvPr id="1" name=""/>
+        <p:cNvGrpSpPr/>
+        <p:nvPr/>
+      </p:nvGrpSpPr>
+      <p:grpSpPr>
+        <a:xfrm>
+          <a:off x="0" y="0"/>
+          <a:ext cx="0" cy="0"/>
+          <a:chOff x="0" y="0"/>
+          <a:chExt cx="0" cy="0"/>
+        </a:xfrm>
+      </p:grpSpPr>
+      <p:sp>
+        <p:nvSpPr>
+          <p:cNvPr id="2" name="Titolo 1">
+            <a:extLst>
+              <a:ext uri="{FF2B5EF4-FFF2-40B4-BE49-F238E27FC236}">
+                <a16:creationId xmlns:a16="http://schemas.microsoft.com/office/drawing/2014/main" id="{D8B717E1-03E7-82F9-F042-6465C2595E96}"/>
+              </a:ext>
+            </a:extLst>
+          </p:cNvPr>
+          <p:cNvSpPr>
+            <a:spLocks noGrp="1"/>
+          </p:cNvSpPr>
+          <p:nvPr>
+            <p:ph type="title"/>
+          </p:nvPr>
+        </p:nvSpPr>
+        <p:spPr/>
+        <p:txBody>
+          <a:bodyPr/>
+          <a:lstStyle/>
+          <a:p>
+            <a:r>
+              <a:rPr lang="it-IT" dirty="0"/>
+              <a:t>La soluzione</a:t>
+            </a:r>
+          </a:p>
+        </p:txBody>
+      </p:sp>
+    </p:spTree>
+    <p:extLst>
+      <p:ext uri="{BB962C8B-B14F-4D97-AF65-F5344CB8AC3E}">
+        <p14:creationId xmlns:p14="http://schemas.microsoft.com/office/powerpoint/2010/main" val="2092744467"/>
+      </p:ext>
+    </p:extLst>
+  </p:cSld>
+  <p:clrMapOvr>
+    <a:masterClrMapping/>
+  </p:clrMapOvr>
+</p:sld>
+</file>
+
+<file path=ppt/slides/slide5.xml><?xml version="1.0" encoding="utf-8"?>
+<p:sld xmlns:a="http://schemas.openxmlformats.org/drawingml/2006/main" xmlns:r="http://schemas.openxmlformats.org/officeDocument/2006/relationships" xmlns:p="http://schemas.openxmlformats.org/presentationml/2006/main">
+  <p:cSld>
+    <p:spTree>
+      <p:nvGrpSpPr>
+        <p:cNvPr id="1" name=""/>
+        <p:cNvGrpSpPr/>
+        <p:nvPr/>
+      </p:nvGrpSpPr>
+      <p:grpSpPr>
+        <a:xfrm>
+          <a:off x="0" y="0"/>
+          <a:ext cx="0" cy="0"/>
+          <a:chOff x="0" y="0"/>
+          <a:chExt cx="0" cy="0"/>
+        </a:xfrm>
+      </p:grpSpPr>
+      <p:sp>
+        <p:nvSpPr>
+          <p:cNvPr id="2" name="Titolo 1">
+            <a:extLst>
+              <a:ext uri="{FF2B5EF4-FFF2-40B4-BE49-F238E27FC236}">
+                <a16:creationId xmlns:a16="http://schemas.microsoft.com/office/drawing/2014/main" id="{50891183-67C1-FBB3-BCAD-6B305EC6E36F}"/>
+              </a:ext>
+            </a:extLst>
+          </p:cNvPr>
+          <p:cNvSpPr>
+            <a:spLocks noGrp="1"/>
+          </p:cNvSpPr>
+          <p:nvPr>
+            <p:ph type="title"/>
+          </p:nvPr>
+        </p:nvSpPr>
+        <p:spPr/>
+        <p:txBody>
+          <a:bodyPr/>
+          <a:lstStyle/>
+          <a:p>
+            <a:r>
+              <a:rPr lang="it-IT" dirty="0"/>
+              <a:t>Un tool ad-hoc: Http2Java</a:t>
+            </a:r>
+          </a:p>
+        </p:txBody>
+      </p:sp>
+      <p:sp>
+        <p:nvSpPr>
+          <p:cNvPr id="3" name="Segnaposto contenuto 2">
+            <a:extLst>
+              <a:ext uri="{FF2B5EF4-FFF2-40B4-BE49-F238E27FC236}">
+                <a16:creationId xmlns:a16="http://schemas.microsoft.com/office/drawing/2014/main" id="{D335A028-7BFA-F0F8-31B9-A4F2D5738373}"/>
+              </a:ext>
+            </a:extLst>
+          </p:cNvPr>
+          <p:cNvSpPr>
+            <a:spLocks noGrp="1"/>
+          </p:cNvSpPr>
+          <p:nvPr>
+            <p:ph idx="1"/>
+          </p:nvPr>
+        </p:nvSpPr>
+        <p:spPr/>
+        <p:txBody>
+          <a:bodyPr/>
+          <a:lstStyle/>
+          <a:p>
+            <a:endParaRPr lang="it-IT"/>
+          </a:p>
+        </p:txBody>
+      </p:sp>
+    </p:spTree>
+    <p:extLst>
+      <p:ext uri="{BB962C8B-B14F-4D97-AF65-F5344CB8AC3E}">
+        <p14:creationId xmlns:p14="http://schemas.microsoft.com/office/powerpoint/2010/main" val="3698962761"/>
+      </p:ext>
+    </p:extLst>
+  </p:cSld>
+  <p:clrMapOvr>
+    <a:masterClrMapping/>
+  </p:clrMapOvr>
+</p:sld>
+</file>
+
+<file path=ppt/slides/slide6.xml><?xml version="1.0" encoding="utf-8"?>
+<p:sld xmlns:a="http://schemas.openxmlformats.org/drawingml/2006/main" xmlns:r="http://schemas.openxmlformats.org/officeDocument/2006/relationships" xmlns:p="http://schemas.openxmlformats.org/presentationml/2006/main">
+  <p:cSld>
+    <p:spTree>
+      <p:nvGrpSpPr>
+        <p:cNvPr id="1" name=""/>
+        <p:cNvGrpSpPr/>
+        <p:nvPr/>
+      </p:nvGrpSpPr>
+      <p:grpSpPr>
+        <a:xfrm>
+          <a:off x="0" y="0"/>
+          <a:ext cx="0" cy="0"/>
+          <a:chOff x="0" y="0"/>
+          <a:chExt cx="0" cy="0"/>
+        </a:xfrm>
+      </p:grpSpPr>
+      <p:sp>
+        <p:nvSpPr>
+          <p:cNvPr id="2" name="Titolo 1">
+            <a:extLst>
+              <a:ext uri="{FF2B5EF4-FFF2-40B4-BE49-F238E27FC236}">
+                <a16:creationId xmlns:a16="http://schemas.microsoft.com/office/drawing/2014/main" id="{0DE00A8C-8B71-C337-C5DB-93868AD6CD5E}"/>
+              </a:ext>
+            </a:extLst>
+          </p:cNvPr>
+          <p:cNvSpPr>
+            <a:spLocks noGrp="1"/>
+          </p:cNvSpPr>
+          <p:nvPr>
+            <p:ph type="title"/>
+          </p:nvPr>
+        </p:nvSpPr>
+        <p:spPr/>
+        <p:txBody>
+          <a:bodyPr/>
+          <a:lstStyle/>
+          <a:p>
+            <a:pPr algn="ctr"/>
+            <a:r>
+              <a:rPr lang="it-IT" dirty="0"/>
+              <a:t>In conclusione</a:t>
+            </a:r>
+          </a:p>
+        </p:txBody>
+      </p:sp>
+      <p:sp>
+        <p:nvSpPr>
+          <p:cNvPr id="3" name="Segnaposto testo 2">
+            <a:extLst>
+              <a:ext uri="{FF2B5EF4-FFF2-40B4-BE49-F238E27FC236}">
+                <a16:creationId xmlns:a16="http://schemas.microsoft.com/office/drawing/2014/main" id="{8D635DF6-2893-A983-38D5-CBA7726A3E94}"/>
+              </a:ext>
+            </a:extLst>
+          </p:cNvPr>
+          <p:cNvSpPr>
+            <a:spLocks noGrp="1"/>
+          </p:cNvSpPr>
+          <p:nvPr>
+            <p:ph type="body" idx="1"/>
+          </p:nvPr>
+        </p:nvSpPr>
+        <p:spPr/>
+        <p:txBody>
+          <a:bodyPr/>
+          <a:lstStyle/>
+          <a:p>
+            <a:pPr algn="ctr"/>
+            <a:r>
+              <a:rPr lang="it-IT" dirty="0"/>
+              <a:t>PRO</a:t>
+            </a:r>
+          </a:p>
+        </p:txBody>
+      </p:sp>
+      <p:sp>
+        <p:nvSpPr>
+          <p:cNvPr id="4" name="Segnaposto contenuto 3">
+            <a:extLst>
+              <a:ext uri="{FF2B5EF4-FFF2-40B4-BE49-F238E27FC236}">
+                <a16:creationId xmlns:a16="http://schemas.microsoft.com/office/drawing/2014/main" id="{D680CDA3-870E-5080-BC4B-87B8A072C518}"/>
+              </a:ext>
+            </a:extLst>
+          </p:cNvPr>
+          <p:cNvSpPr>
+            <a:spLocks noGrp="1"/>
+          </p:cNvSpPr>
+          <p:nvPr>
+            <p:ph sz="half" idx="2"/>
+          </p:nvPr>
+        </p:nvSpPr>
+        <p:spPr/>
+        <p:txBody>
+          <a:bodyPr/>
+          <a:lstStyle/>
+          <a:p>
+            <a:r>
+              <a:rPr lang="it-IT" dirty="0"/>
+              <a:t>A</a:t>
+            </a:r>
+          </a:p>
+          <a:p>
+            <a:r>
+              <a:rPr lang="it-IT" dirty="0"/>
+              <a:t>B</a:t>
+            </a:r>
+          </a:p>
+          <a:p>
+            <a:r>
+              <a:rPr lang="it-IT" dirty="0"/>
+              <a:t>C</a:t>
+            </a:r>
+          </a:p>
+        </p:txBody>
+      </p:sp>
+      <p:sp>
+        <p:nvSpPr>
+          <p:cNvPr id="5" name="Segnaposto testo 4">
+            <a:extLst>
+              <a:ext uri="{FF2B5EF4-FFF2-40B4-BE49-F238E27FC236}">
+                <a16:creationId xmlns:a16="http://schemas.microsoft.com/office/drawing/2014/main" id="{8109BC33-AC46-FE2A-D372-590709CE509B}"/>
+              </a:ext>
+            </a:extLst>
+          </p:cNvPr>
+          <p:cNvSpPr>
+            <a:spLocks noGrp="1"/>
+          </p:cNvSpPr>
+          <p:nvPr>
+            <p:ph type="body" sz="quarter" idx="3"/>
+          </p:nvPr>
+        </p:nvSpPr>
+        <p:spPr/>
+        <p:txBody>
+          <a:bodyPr/>
+          <a:lstStyle/>
+          <a:p>
+            <a:pPr algn="ctr"/>
+            <a:r>
+              <a:rPr lang="it-IT" dirty="0"/>
+              <a:t>CONTRO</a:t>
+            </a:r>
+          </a:p>
+        </p:txBody>
+      </p:sp>
+      <p:sp>
+        <p:nvSpPr>
+          <p:cNvPr id="6" name="Segnaposto contenuto 5">
+            <a:extLst>
+              <a:ext uri="{FF2B5EF4-FFF2-40B4-BE49-F238E27FC236}">
+                <a16:creationId xmlns:a16="http://schemas.microsoft.com/office/drawing/2014/main" id="{51D42AD6-2069-1CD3-288F-B9DA875498E3}"/>
+              </a:ext>
+            </a:extLst>
+          </p:cNvPr>
+          <p:cNvSpPr>
+            <a:spLocks noGrp="1"/>
+          </p:cNvSpPr>
+          <p:nvPr>
+            <p:ph sz="quarter" idx="4"/>
+          </p:nvPr>
+        </p:nvSpPr>
+        <p:spPr/>
+        <p:txBody>
+          <a:bodyPr/>
+          <a:lstStyle/>
+          <a:p>
+            <a:r>
+              <a:rPr lang="it-IT" dirty="0"/>
+              <a:t>1</a:t>
+            </a:r>
+          </a:p>
+          <a:p>
+            <a:r>
+              <a:rPr lang="it-IT" dirty="0"/>
+              <a:t>2</a:t>
+            </a:r>
+          </a:p>
+          <a:p>
+            <a:r>
+              <a:rPr lang="it-IT" dirty="0"/>
+              <a:t>3</a:t>
+            </a:r>
+          </a:p>
+        </p:txBody>
+      </p:sp>
+    </p:spTree>
+    <p:extLst>
+      <p:ext uri="{BB962C8B-B14F-4D97-AF65-F5344CB8AC3E}">
+        <p14:creationId xmlns:p14="http://schemas.microsoft.com/office/powerpoint/2010/main" val="1500940750"/>
+      </p:ext>
+    </p:extLst>
+  </p:cSld>
+  <p:clrMapOvr>
+    <a:masterClrMapping/>
+  </p:clrMapOvr>
+</p:sld>
+</file>
+
 <file path=ppt/theme/theme1.xml><?xml version="1.0" encoding="utf-8"?>
 <a:theme xmlns:a="http://schemas.openxmlformats.org/drawingml/2006/main" name="Ritaglio">
   <a:themeElements>

--- a/Documentazione/Presentazione.pptx
+++ b/Documentazione/Presentazione.pptx
@@ -4,13 +4,24 @@
   <p:sldMasterIdLst>
     <p:sldMasterId id="2147483660" r:id="rId1"/>
   </p:sldMasterIdLst>
+  <p:notesMasterIdLst>
+    <p:notesMasterId r:id="rId16"/>
+  </p:notesMasterIdLst>
   <p:sldIdLst>
     <p:sldId id="256" r:id="rId2"/>
     <p:sldId id="257" r:id="rId3"/>
     <p:sldId id="260" r:id="rId4"/>
-    <p:sldId id="258" r:id="rId5"/>
-    <p:sldId id="261" r:id="rId6"/>
-    <p:sldId id="259" r:id="rId7"/>
+    <p:sldId id="262" r:id="rId5"/>
+    <p:sldId id="258" r:id="rId6"/>
+    <p:sldId id="261" r:id="rId7"/>
+    <p:sldId id="265" r:id="rId8"/>
+    <p:sldId id="263" r:id="rId9"/>
+    <p:sldId id="269" r:id="rId10"/>
+    <p:sldId id="270" r:id="rId11"/>
+    <p:sldId id="266" r:id="rId12"/>
+    <p:sldId id="267" r:id="rId13"/>
+    <p:sldId id="264" r:id="rId14"/>
+    <p:sldId id="259" r:id="rId15"/>
   </p:sldIdLst>
   <p:sldSz cx="12192000" cy="6858000"/>
   <p:notesSz cx="6858000" cy="9144000"/>
@@ -115,6 +126,943 @@
     </p:ext>
   </p:extLst>
 </p:presentation>
+</file>
+
+<file path=ppt/notesMasters/notesMaster1.xml><?xml version="1.0" encoding="utf-8"?>
+<p:notesMaster xmlns:a="http://schemas.openxmlformats.org/drawingml/2006/main" xmlns:r="http://schemas.openxmlformats.org/officeDocument/2006/relationships" xmlns:p="http://schemas.openxmlformats.org/presentationml/2006/main">
+  <p:cSld>
+    <p:bg>
+      <p:bgRef idx="1001">
+        <a:schemeClr val="bg1"/>
+      </p:bgRef>
+    </p:bg>
+    <p:spTree>
+      <p:nvGrpSpPr>
+        <p:cNvPr id="1" name=""/>
+        <p:cNvGrpSpPr/>
+        <p:nvPr/>
+      </p:nvGrpSpPr>
+      <p:grpSpPr>
+        <a:xfrm>
+          <a:off x="0" y="0"/>
+          <a:ext cx="0" cy="0"/>
+          <a:chOff x="0" y="0"/>
+          <a:chExt cx="0" cy="0"/>
+        </a:xfrm>
+      </p:grpSpPr>
+      <p:sp>
+        <p:nvSpPr>
+          <p:cNvPr id="2" name="Segnaposto intestazione 1"/>
+          <p:cNvSpPr>
+            <a:spLocks noGrp="1"/>
+          </p:cNvSpPr>
+          <p:nvPr>
+            <p:ph type="hdr" sz="quarter"/>
+          </p:nvPr>
+        </p:nvSpPr>
+        <p:spPr>
+          <a:xfrm>
+            <a:off x="0" y="0"/>
+            <a:ext cx="2971800" cy="458788"/>
+          </a:xfrm>
+          <a:prstGeom prst="rect">
+            <a:avLst/>
+          </a:prstGeom>
+        </p:spPr>
+        <p:txBody>
+          <a:bodyPr vert="horz" lIns="91440" tIns="45720" rIns="91440" bIns="45720" rtlCol="0"/>
+          <a:lstStyle>
+            <a:lvl1pPr algn="l">
+              <a:defRPr sz="1200"/>
+            </a:lvl1pPr>
+          </a:lstStyle>
+          <a:p>
+            <a:endParaRPr lang="it-IT"/>
+          </a:p>
+        </p:txBody>
+      </p:sp>
+      <p:sp>
+        <p:nvSpPr>
+          <p:cNvPr id="3" name="Segnaposto data 2"/>
+          <p:cNvSpPr>
+            <a:spLocks noGrp="1"/>
+          </p:cNvSpPr>
+          <p:nvPr>
+            <p:ph type="dt" idx="1"/>
+          </p:nvPr>
+        </p:nvSpPr>
+        <p:spPr>
+          <a:xfrm>
+            <a:off x="3884613" y="0"/>
+            <a:ext cx="2971800" cy="458788"/>
+          </a:xfrm>
+          <a:prstGeom prst="rect">
+            <a:avLst/>
+          </a:prstGeom>
+        </p:spPr>
+        <p:txBody>
+          <a:bodyPr vert="horz" lIns="91440" tIns="45720" rIns="91440" bIns="45720" rtlCol="0"/>
+          <a:lstStyle>
+            <a:lvl1pPr algn="r">
+              <a:defRPr sz="1200"/>
+            </a:lvl1pPr>
+          </a:lstStyle>
+          <a:p>
+            <a:fld id="{BE0F7DE1-FC91-4113-A85F-1F7208607959}" type="datetimeFigureOut">
+              <a:rPr lang="it-IT" smtClean="0"/>
+              <a:t>26/01/2024</a:t>
+            </a:fld>
+            <a:endParaRPr lang="it-IT"/>
+          </a:p>
+        </p:txBody>
+      </p:sp>
+      <p:sp>
+        <p:nvSpPr>
+          <p:cNvPr id="4" name="Segnaposto immagine diapositiva 3"/>
+          <p:cNvSpPr>
+            <a:spLocks noGrp="1" noRot="1" noChangeAspect="1"/>
+          </p:cNvSpPr>
+          <p:nvPr>
+            <p:ph type="sldImg" idx="2"/>
+          </p:nvPr>
+        </p:nvSpPr>
+        <p:spPr>
+          <a:xfrm>
+            <a:off x="685800" y="1143000"/>
+            <a:ext cx="5486400" cy="3086100"/>
+          </a:xfrm>
+          <a:prstGeom prst="rect">
+            <a:avLst/>
+          </a:prstGeom>
+          <a:noFill/>
+          <a:ln w="12700">
+            <a:solidFill>
+              <a:prstClr val="black"/>
+            </a:solidFill>
+          </a:ln>
+        </p:spPr>
+        <p:txBody>
+          <a:bodyPr vert="horz" lIns="91440" tIns="45720" rIns="91440" bIns="45720" rtlCol="0" anchor="ctr"/>
+          <a:lstStyle/>
+          <a:p>
+            <a:endParaRPr lang="it-IT"/>
+          </a:p>
+        </p:txBody>
+      </p:sp>
+      <p:sp>
+        <p:nvSpPr>
+          <p:cNvPr id="5" name="Segnaposto note 4"/>
+          <p:cNvSpPr>
+            <a:spLocks noGrp="1"/>
+          </p:cNvSpPr>
+          <p:nvPr>
+            <p:ph type="body" sz="quarter" idx="3"/>
+          </p:nvPr>
+        </p:nvSpPr>
+        <p:spPr>
+          <a:xfrm>
+            <a:off x="685800" y="4400550"/>
+            <a:ext cx="5486400" cy="3600450"/>
+          </a:xfrm>
+          <a:prstGeom prst="rect">
+            <a:avLst/>
+          </a:prstGeom>
+        </p:spPr>
+        <p:txBody>
+          <a:bodyPr vert="horz" lIns="91440" tIns="45720" rIns="91440" bIns="45720" rtlCol="0"/>
+          <a:lstStyle/>
+          <a:p>
+            <a:pPr lvl="0"/>
+            <a:r>
+              <a:rPr lang="it-IT"/>
+              <a:t>Fare clic per modificare gli stili del testo dello schema</a:t>
+            </a:r>
+          </a:p>
+          <a:p>
+            <a:pPr lvl="1"/>
+            <a:r>
+              <a:rPr lang="it-IT"/>
+              <a:t>Secondo livello</a:t>
+            </a:r>
+          </a:p>
+          <a:p>
+            <a:pPr lvl="2"/>
+            <a:r>
+              <a:rPr lang="it-IT"/>
+              <a:t>Terzo livello</a:t>
+            </a:r>
+          </a:p>
+          <a:p>
+            <a:pPr lvl="3"/>
+            <a:r>
+              <a:rPr lang="it-IT"/>
+              <a:t>Quarto livello</a:t>
+            </a:r>
+          </a:p>
+          <a:p>
+            <a:pPr lvl="4"/>
+            <a:r>
+              <a:rPr lang="it-IT"/>
+              <a:t>Quinto livello</a:t>
+            </a:r>
+          </a:p>
+        </p:txBody>
+      </p:sp>
+      <p:sp>
+        <p:nvSpPr>
+          <p:cNvPr id="6" name="Segnaposto piè di pagina 5"/>
+          <p:cNvSpPr>
+            <a:spLocks noGrp="1"/>
+          </p:cNvSpPr>
+          <p:nvPr>
+            <p:ph type="ftr" sz="quarter" idx="4"/>
+          </p:nvPr>
+        </p:nvSpPr>
+        <p:spPr>
+          <a:xfrm>
+            <a:off x="0" y="8685213"/>
+            <a:ext cx="2971800" cy="458787"/>
+          </a:xfrm>
+          <a:prstGeom prst="rect">
+            <a:avLst/>
+          </a:prstGeom>
+        </p:spPr>
+        <p:txBody>
+          <a:bodyPr vert="horz" lIns="91440" tIns="45720" rIns="91440" bIns="45720" rtlCol="0" anchor="b"/>
+          <a:lstStyle>
+            <a:lvl1pPr algn="l">
+              <a:defRPr sz="1200"/>
+            </a:lvl1pPr>
+          </a:lstStyle>
+          <a:p>
+            <a:endParaRPr lang="it-IT"/>
+          </a:p>
+        </p:txBody>
+      </p:sp>
+      <p:sp>
+        <p:nvSpPr>
+          <p:cNvPr id="7" name="Segnaposto numero diapositiva 6"/>
+          <p:cNvSpPr>
+            <a:spLocks noGrp="1"/>
+          </p:cNvSpPr>
+          <p:nvPr>
+            <p:ph type="sldNum" sz="quarter" idx="5"/>
+          </p:nvPr>
+        </p:nvSpPr>
+        <p:spPr>
+          <a:xfrm>
+            <a:off x="3884613" y="8685213"/>
+            <a:ext cx="2971800" cy="458787"/>
+          </a:xfrm>
+          <a:prstGeom prst="rect">
+            <a:avLst/>
+          </a:prstGeom>
+        </p:spPr>
+        <p:txBody>
+          <a:bodyPr vert="horz" lIns="91440" tIns="45720" rIns="91440" bIns="45720" rtlCol="0" anchor="b"/>
+          <a:lstStyle>
+            <a:lvl1pPr algn="r">
+              <a:defRPr sz="1200"/>
+            </a:lvl1pPr>
+          </a:lstStyle>
+          <a:p>
+            <a:fld id="{4EDE4728-EADB-4BC2-A703-3B98A43764E6}" type="slidenum">
+              <a:rPr lang="it-IT" smtClean="0"/>
+              <a:t>‹N›</a:t>
+            </a:fld>
+            <a:endParaRPr lang="it-IT"/>
+          </a:p>
+        </p:txBody>
+      </p:sp>
+    </p:spTree>
+    <p:extLst>
+      <p:ext uri="{BB962C8B-B14F-4D97-AF65-F5344CB8AC3E}">
+        <p14:creationId xmlns:p14="http://schemas.microsoft.com/office/powerpoint/2010/main" val="2774011834"/>
+      </p:ext>
+    </p:extLst>
+  </p:cSld>
+  <p:clrMap bg1="lt1" tx1="dk1" bg2="lt2" tx2="dk2" accent1="accent1" accent2="accent2" accent3="accent3" accent4="accent4" accent5="accent5" accent6="accent6" hlink="hlink" folHlink="folHlink"/>
+  <p:notesStyle>
+    <a:lvl1pPr marL="0" algn="l" defTabSz="914400" rtl="0" eaLnBrk="1" latinLnBrk="0" hangingPunct="1">
+      <a:defRPr sz="1200" kern="1200">
+        <a:solidFill>
+          <a:schemeClr val="tx1"/>
+        </a:solidFill>
+        <a:latin typeface="+mn-lt"/>
+        <a:ea typeface="+mn-ea"/>
+        <a:cs typeface="+mn-cs"/>
+      </a:defRPr>
+    </a:lvl1pPr>
+    <a:lvl2pPr marL="457200" algn="l" defTabSz="914400" rtl="0" eaLnBrk="1" latinLnBrk="0" hangingPunct="1">
+      <a:defRPr sz="1200" kern="1200">
+        <a:solidFill>
+          <a:schemeClr val="tx1"/>
+        </a:solidFill>
+        <a:latin typeface="+mn-lt"/>
+        <a:ea typeface="+mn-ea"/>
+        <a:cs typeface="+mn-cs"/>
+      </a:defRPr>
+    </a:lvl2pPr>
+    <a:lvl3pPr marL="914400" algn="l" defTabSz="914400" rtl="0" eaLnBrk="1" latinLnBrk="0" hangingPunct="1">
+      <a:defRPr sz="1200" kern="1200">
+        <a:solidFill>
+          <a:schemeClr val="tx1"/>
+        </a:solidFill>
+        <a:latin typeface="+mn-lt"/>
+        <a:ea typeface="+mn-ea"/>
+        <a:cs typeface="+mn-cs"/>
+      </a:defRPr>
+    </a:lvl3pPr>
+    <a:lvl4pPr marL="1371600" algn="l" defTabSz="914400" rtl="0" eaLnBrk="1" latinLnBrk="0" hangingPunct="1">
+      <a:defRPr sz="1200" kern="1200">
+        <a:solidFill>
+          <a:schemeClr val="tx1"/>
+        </a:solidFill>
+        <a:latin typeface="+mn-lt"/>
+        <a:ea typeface="+mn-ea"/>
+        <a:cs typeface="+mn-cs"/>
+      </a:defRPr>
+    </a:lvl4pPr>
+    <a:lvl5pPr marL="1828800" algn="l" defTabSz="914400" rtl="0" eaLnBrk="1" latinLnBrk="0" hangingPunct="1">
+      <a:defRPr sz="1200" kern="1200">
+        <a:solidFill>
+          <a:schemeClr val="tx1"/>
+        </a:solidFill>
+        <a:latin typeface="+mn-lt"/>
+        <a:ea typeface="+mn-ea"/>
+        <a:cs typeface="+mn-cs"/>
+      </a:defRPr>
+    </a:lvl5pPr>
+    <a:lvl6pPr marL="2286000" algn="l" defTabSz="914400" rtl="0" eaLnBrk="1" latinLnBrk="0" hangingPunct="1">
+      <a:defRPr sz="1200" kern="1200">
+        <a:solidFill>
+          <a:schemeClr val="tx1"/>
+        </a:solidFill>
+        <a:latin typeface="+mn-lt"/>
+        <a:ea typeface="+mn-ea"/>
+        <a:cs typeface="+mn-cs"/>
+      </a:defRPr>
+    </a:lvl6pPr>
+    <a:lvl7pPr marL="2743200" algn="l" defTabSz="914400" rtl="0" eaLnBrk="1" latinLnBrk="0" hangingPunct="1">
+      <a:defRPr sz="1200" kern="1200">
+        <a:solidFill>
+          <a:schemeClr val="tx1"/>
+        </a:solidFill>
+        <a:latin typeface="+mn-lt"/>
+        <a:ea typeface="+mn-ea"/>
+        <a:cs typeface="+mn-cs"/>
+      </a:defRPr>
+    </a:lvl7pPr>
+    <a:lvl8pPr marL="3200400" algn="l" defTabSz="914400" rtl="0" eaLnBrk="1" latinLnBrk="0" hangingPunct="1">
+      <a:defRPr sz="1200" kern="1200">
+        <a:solidFill>
+          <a:schemeClr val="tx1"/>
+        </a:solidFill>
+        <a:latin typeface="+mn-lt"/>
+        <a:ea typeface="+mn-ea"/>
+        <a:cs typeface="+mn-cs"/>
+      </a:defRPr>
+    </a:lvl8pPr>
+    <a:lvl9pPr marL="3657600" algn="l" defTabSz="914400" rtl="0" eaLnBrk="1" latinLnBrk="0" hangingPunct="1">
+      <a:defRPr sz="1200" kern="1200">
+        <a:solidFill>
+          <a:schemeClr val="tx1"/>
+        </a:solidFill>
+        <a:latin typeface="+mn-lt"/>
+        <a:ea typeface="+mn-ea"/>
+        <a:cs typeface="+mn-cs"/>
+      </a:defRPr>
+    </a:lvl9pPr>
+  </p:notesStyle>
+</p:notesMaster>
+</file>
+
+<file path=ppt/notesSlides/notesSlide1.xml><?xml version="1.0" encoding="utf-8"?>
+<p:notes xmlns:a="http://schemas.openxmlformats.org/drawingml/2006/main" xmlns:r="http://schemas.openxmlformats.org/officeDocument/2006/relationships" xmlns:p="http://schemas.openxmlformats.org/presentationml/2006/main">
+  <p:cSld>
+    <p:spTree>
+      <p:nvGrpSpPr>
+        <p:cNvPr id="1" name=""/>
+        <p:cNvGrpSpPr/>
+        <p:nvPr/>
+      </p:nvGrpSpPr>
+      <p:grpSpPr>
+        <a:xfrm>
+          <a:off x="0" y="0"/>
+          <a:ext cx="0" cy="0"/>
+          <a:chOff x="0" y="0"/>
+          <a:chExt cx="0" cy="0"/>
+        </a:xfrm>
+      </p:grpSpPr>
+      <p:sp>
+        <p:nvSpPr>
+          <p:cNvPr id="2" name="Segnaposto immagine diapositiva 1"/>
+          <p:cNvSpPr>
+            <a:spLocks noGrp="1" noRot="1" noChangeAspect="1"/>
+          </p:cNvSpPr>
+          <p:nvPr>
+            <p:ph type="sldImg"/>
+          </p:nvPr>
+        </p:nvSpPr>
+        <p:spPr/>
+      </p:sp>
+      <p:sp>
+        <p:nvSpPr>
+          <p:cNvPr id="3" name="Segnaposto note 2"/>
+          <p:cNvSpPr>
+            <a:spLocks noGrp="1"/>
+          </p:cNvSpPr>
+          <p:nvPr>
+            <p:ph type="body" idx="1"/>
+          </p:nvPr>
+        </p:nvSpPr>
+        <p:spPr/>
+        <p:txBody>
+          <a:bodyPr/>
+          <a:lstStyle/>
+          <a:p>
+            <a:endParaRPr lang="it-IT" dirty="0"/>
+          </a:p>
+        </p:txBody>
+      </p:sp>
+      <p:sp>
+        <p:nvSpPr>
+          <p:cNvPr id="4" name="Segnaposto numero diapositiva 3"/>
+          <p:cNvSpPr>
+            <a:spLocks noGrp="1"/>
+          </p:cNvSpPr>
+          <p:nvPr>
+            <p:ph type="sldNum" sz="quarter" idx="5"/>
+          </p:nvPr>
+        </p:nvSpPr>
+        <p:spPr/>
+        <p:txBody>
+          <a:bodyPr/>
+          <a:lstStyle/>
+          <a:p>
+            <a:fld id="{4EDE4728-EADB-4BC2-A703-3B98A43764E6}" type="slidenum">
+              <a:rPr lang="it-IT" smtClean="0"/>
+              <a:t>4</a:t>
+            </a:fld>
+            <a:endParaRPr lang="it-IT"/>
+          </a:p>
+        </p:txBody>
+      </p:sp>
+    </p:spTree>
+    <p:extLst>
+      <p:ext uri="{BB962C8B-B14F-4D97-AF65-F5344CB8AC3E}">
+        <p14:creationId xmlns:p14="http://schemas.microsoft.com/office/powerpoint/2010/main" val="2246421752"/>
+      </p:ext>
+    </p:extLst>
+  </p:cSld>
+  <p:clrMapOvr>
+    <a:masterClrMapping/>
+  </p:clrMapOvr>
+</p:notes>
+</file>
+
+<file path=ppt/notesSlides/notesSlide2.xml><?xml version="1.0" encoding="utf-8"?>
+<p:notes xmlns:a="http://schemas.openxmlformats.org/drawingml/2006/main" xmlns:r="http://schemas.openxmlformats.org/officeDocument/2006/relationships" xmlns:p="http://schemas.openxmlformats.org/presentationml/2006/main">
+  <p:cSld>
+    <p:spTree>
+      <p:nvGrpSpPr>
+        <p:cNvPr id="1" name=""/>
+        <p:cNvGrpSpPr/>
+        <p:nvPr/>
+      </p:nvGrpSpPr>
+      <p:grpSpPr>
+        <a:xfrm>
+          <a:off x="0" y="0"/>
+          <a:ext cx="0" cy="0"/>
+          <a:chOff x="0" y="0"/>
+          <a:chExt cx="0" cy="0"/>
+        </a:xfrm>
+      </p:grpSpPr>
+      <p:sp>
+        <p:nvSpPr>
+          <p:cNvPr id="2" name="Segnaposto immagine diapositiva 1"/>
+          <p:cNvSpPr>
+            <a:spLocks noGrp="1" noRot="1" noChangeAspect="1"/>
+          </p:cNvSpPr>
+          <p:nvPr>
+            <p:ph type="sldImg"/>
+          </p:nvPr>
+        </p:nvSpPr>
+        <p:spPr/>
+      </p:sp>
+      <p:sp>
+        <p:nvSpPr>
+          <p:cNvPr id="3" name="Segnaposto note 2"/>
+          <p:cNvSpPr>
+            <a:spLocks noGrp="1"/>
+          </p:cNvSpPr>
+          <p:nvPr>
+            <p:ph type="body" idx="1"/>
+          </p:nvPr>
+        </p:nvSpPr>
+        <p:spPr/>
+        <p:txBody>
+          <a:bodyPr/>
+          <a:lstStyle/>
+          <a:p>
+            <a:endParaRPr lang="it-IT" dirty="0"/>
+          </a:p>
+        </p:txBody>
+      </p:sp>
+      <p:sp>
+        <p:nvSpPr>
+          <p:cNvPr id="4" name="Segnaposto numero diapositiva 3"/>
+          <p:cNvSpPr>
+            <a:spLocks noGrp="1"/>
+          </p:cNvSpPr>
+          <p:nvPr>
+            <p:ph type="sldNum" sz="quarter" idx="5"/>
+          </p:nvPr>
+        </p:nvSpPr>
+        <p:spPr/>
+        <p:txBody>
+          <a:bodyPr/>
+          <a:lstStyle/>
+          <a:p>
+            <a:fld id="{4EDE4728-EADB-4BC2-A703-3B98A43764E6}" type="slidenum">
+              <a:rPr lang="it-IT" smtClean="0"/>
+              <a:t>6</a:t>
+            </a:fld>
+            <a:endParaRPr lang="it-IT"/>
+          </a:p>
+        </p:txBody>
+      </p:sp>
+    </p:spTree>
+    <p:extLst>
+      <p:ext uri="{BB962C8B-B14F-4D97-AF65-F5344CB8AC3E}">
+        <p14:creationId xmlns:p14="http://schemas.microsoft.com/office/powerpoint/2010/main" val="3175925195"/>
+      </p:ext>
+    </p:extLst>
+  </p:cSld>
+  <p:clrMapOvr>
+    <a:masterClrMapping/>
+  </p:clrMapOvr>
+</p:notes>
+</file>
+
+<file path=ppt/notesSlides/notesSlide3.xml><?xml version="1.0" encoding="utf-8"?>
+<p:notes xmlns:a="http://schemas.openxmlformats.org/drawingml/2006/main" xmlns:r="http://schemas.openxmlformats.org/officeDocument/2006/relationships" xmlns:p="http://schemas.openxmlformats.org/presentationml/2006/main">
+  <p:cSld>
+    <p:spTree>
+      <p:nvGrpSpPr>
+        <p:cNvPr id="1" name=""/>
+        <p:cNvGrpSpPr/>
+        <p:nvPr/>
+      </p:nvGrpSpPr>
+      <p:grpSpPr>
+        <a:xfrm>
+          <a:off x="0" y="0"/>
+          <a:ext cx="0" cy="0"/>
+          <a:chOff x="0" y="0"/>
+          <a:chExt cx="0" cy="0"/>
+        </a:xfrm>
+      </p:grpSpPr>
+      <p:sp>
+        <p:nvSpPr>
+          <p:cNvPr id="2" name="Segnaposto immagine diapositiva 1"/>
+          <p:cNvSpPr>
+            <a:spLocks noGrp="1" noRot="1" noChangeAspect="1"/>
+          </p:cNvSpPr>
+          <p:nvPr>
+            <p:ph type="sldImg"/>
+          </p:nvPr>
+        </p:nvSpPr>
+        <p:spPr/>
+      </p:sp>
+      <p:sp>
+        <p:nvSpPr>
+          <p:cNvPr id="3" name="Segnaposto note 2"/>
+          <p:cNvSpPr>
+            <a:spLocks noGrp="1"/>
+          </p:cNvSpPr>
+          <p:nvPr>
+            <p:ph type="body" idx="1"/>
+          </p:nvPr>
+        </p:nvSpPr>
+        <p:spPr/>
+        <p:txBody>
+          <a:bodyPr/>
+          <a:lstStyle/>
+          <a:p>
+            <a:endParaRPr lang="it-IT" dirty="0"/>
+          </a:p>
+        </p:txBody>
+      </p:sp>
+      <p:sp>
+        <p:nvSpPr>
+          <p:cNvPr id="4" name="Segnaposto numero diapositiva 3"/>
+          <p:cNvSpPr>
+            <a:spLocks noGrp="1"/>
+          </p:cNvSpPr>
+          <p:nvPr>
+            <p:ph type="sldNum" sz="quarter" idx="5"/>
+          </p:nvPr>
+        </p:nvSpPr>
+        <p:spPr/>
+        <p:txBody>
+          <a:bodyPr/>
+          <a:lstStyle/>
+          <a:p>
+            <a:fld id="{4EDE4728-EADB-4BC2-A703-3B98A43764E6}" type="slidenum">
+              <a:rPr lang="it-IT" smtClean="0"/>
+              <a:t>7</a:t>
+            </a:fld>
+            <a:endParaRPr lang="it-IT"/>
+          </a:p>
+        </p:txBody>
+      </p:sp>
+    </p:spTree>
+    <p:extLst>
+      <p:ext uri="{BB962C8B-B14F-4D97-AF65-F5344CB8AC3E}">
+        <p14:creationId xmlns:p14="http://schemas.microsoft.com/office/powerpoint/2010/main" val="800337670"/>
+      </p:ext>
+    </p:extLst>
+  </p:cSld>
+  <p:clrMapOvr>
+    <a:masterClrMapping/>
+  </p:clrMapOvr>
+</p:notes>
+</file>
+
+<file path=ppt/notesSlides/notesSlide4.xml><?xml version="1.0" encoding="utf-8"?>
+<p:notes xmlns:a="http://schemas.openxmlformats.org/drawingml/2006/main" xmlns:r="http://schemas.openxmlformats.org/officeDocument/2006/relationships" xmlns:p="http://schemas.openxmlformats.org/presentationml/2006/main">
+  <p:cSld>
+    <p:spTree>
+      <p:nvGrpSpPr>
+        <p:cNvPr id="1" name=""/>
+        <p:cNvGrpSpPr/>
+        <p:nvPr/>
+      </p:nvGrpSpPr>
+      <p:grpSpPr>
+        <a:xfrm>
+          <a:off x="0" y="0"/>
+          <a:ext cx="0" cy="0"/>
+          <a:chOff x="0" y="0"/>
+          <a:chExt cx="0" cy="0"/>
+        </a:xfrm>
+      </p:grpSpPr>
+      <p:sp>
+        <p:nvSpPr>
+          <p:cNvPr id="2" name="Segnaposto immagine diapositiva 1"/>
+          <p:cNvSpPr>
+            <a:spLocks noGrp="1" noRot="1" noChangeAspect="1"/>
+          </p:cNvSpPr>
+          <p:nvPr>
+            <p:ph type="sldImg"/>
+          </p:nvPr>
+        </p:nvSpPr>
+        <p:spPr/>
+      </p:sp>
+      <p:sp>
+        <p:nvSpPr>
+          <p:cNvPr id="3" name="Segnaposto note 2"/>
+          <p:cNvSpPr>
+            <a:spLocks noGrp="1"/>
+          </p:cNvSpPr>
+          <p:nvPr>
+            <p:ph type="body" idx="1"/>
+          </p:nvPr>
+        </p:nvSpPr>
+        <p:spPr/>
+        <p:txBody>
+          <a:bodyPr/>
+          <a:lstStyle/>
+          <a:p>
+            <a:endParaRPr lang="it-IT" dirty="0"/>
+          </a:p>
+        </p:txBody>
+      </p:sp>
+      <p:sp>
+        <p:nvSpPr>
+          <p:cNvPr id="4" name="Segnaposto numero diapositiva 3"/>
+          <p:cNvSpPr>
+            <a:spLocks noGrp="1"/>
+          </p:cNvSpPr>
+          <p:nvPr>
+            <p:ph type="sldNum" sz="quarter" idx="5"/>
+          </p:nvPr>
+        </p:nvSpPr>
+        <p:spPr/>
+        <p:txBody>
+          <a:bodyPr/>
+          <a:lstStyle/>
+          <a:p>
+            <a:fld id="{4EDE4728-EADB-4BC2-A703-3B98A43764E6}" type="slidenum">
+              <a:rPr lang="it-IT" smtClean="0"/>
+              <a:t>8</a:t>
+            </a:fld>
+            <a:endParaRPr lang="it-IT"/>
+          </a:p>
+        </p:txBody>
+      </p:sp>
+    </p:spTree>
+    <p:extLst>
+      <p:ext uri="{BB962C8B-B14F-4D97-AF65-F5344CB8AC3E}">
+        <p14:creationId xmlns:p14="http://schemas.microsoft.com/office/powerpoint/2010/main" val="2252842247"/>
+      </p:ext>
+    </p:extLst>
+  </p:cSld>
+  <p:clrMapOvr>
+    <a:masterClrMapping/>
+  </p:clrMapOvr>
+</p:notes>
+</file>
+
+<file path=ppt/notesSlides/notesSlide5.xml><?xml version="1.0" encoding="utf-8"?>
+<p:notes xmlns:a="http://schemas.openxmlformats.org/drawingml/2006/main" xmlns:r="http://schemas.openxmlformats.org/officeDocument/2006/relationships" xmlns:p="http://schemas.openxmlformats.org/presentationml/2006/main">
+  <p:cSld>
+    <p:spTree>
+      <p:nvGrpSpPr>
+        <p:cNvPr id="1" name=""/>
+        <p:cNvGrpSpPr/>
+        <p:nvPr/>
+      </p:nvGrpSpPr>
+      <p:grpSpPr>
+        <a:xfrm>
+          <a:off x="0" y="0"/>
+          <a:ext cx="0" cy="0"/>
+          <a:chOff x="0" y="0"/>
+          <a:chExt cx="0" cy="0"/>
+        </a:xfrm>
+      </p:grpSpPr>
+      <p:sp>
+        <p:nvSpPr>
+          <p:cNvPr id="2" name="Segnaposto immagine diapositiva 1"/>
+          <p:cNvSpPr>
+            <a:spLocks noGrp="1" noRot="1" noChangeAspect="1"/>
+          </p:cNvSpPr>
+          <p:nvPr>
+            <p:ph type="sldImg"/>
+          </p:nvPr>
+        </p:nvSpPr>
+        <p:spPr/>
+      </p:sp>
+      <p:sp>
+        <p:nvSpPr>
+          <p:cNvPr id="3" name="Segnaposto note 2"/>
+          <p:cNvSpPr>
+            <a:spLocks noGrp="1"/>
+          </p:cNvSpPr>
+          <p:nvPr>
+            <p:ph type="body" idx="1"/>
+          </p:nvPr>
+        </p:nvSpPr>
+        <p:spPr/>
+        <p:txBody>
+          <a:bodyPr/>
+          <a:lstStyle/>
+          <a:p>
+            <a:endParaRPr lang="it-IT" dirty="0"/>
+          </a:p>
+        </p:txBody>
+      </p:sp>
+      <p:sp>
+        <p:nvSpPr>
+          <p:cNvPr id="4" name="Segnaposto numero diapositiva 3"/>
+          <p:cNvSpPr>
+            <a:spLocks noGrp="1"/>
+          </p:cNvSpPr>
+          <p:nvPr>
+            <p:ph type="sldNum" sz="quarter" idx="5"/>
+          </p:nvPr>
+        </p:nvSpPr>
+        <p:spPr/>
+        <p:txBody>
+          <a:bodyPr/>
+          <a:lstStyle/>
+          <a:p>
+            <a:fld id="{4EDE4728-EADB-4BC2-A703-3B98A43764E6}" type="slidenum">
+              <a:rPr lang="it-IT" smtClean="0"/>
+              <a:t>9</a:t>
+            </a:fld>
+            <a:endParaRPr lang="it-IT"/>
+          </a:p>
+        </p:txBody>
+      </p:sp>
+    </p:spTree>
+    <p:extLst>
+      <p:ext uri="{BB962C8B-B14F-4D97-AF65-F5344CB8AC3E}">
+        <p14:creationId xmlns:p14="http://schemas.microsoft.com/office/powerpoint/2010/main" val="2736444623"/>
+      </p:ext>
+    </p:extLst>
+  </p:cSld>
+  <p:clrMapOvr>
+    <a:masterClrMapping/>
+  </p:clrMapOvr>
+</p:notes>
+</file>
+
+<file path=ppt/notesSlides/notesSlide6.xml><?xml version="1.0" encoding="utf-8"?>
+<p:notes xmlns:a="http://schemas.openxmlformats.org/drawingml/2006/main" xmlns:r="http://schemas.openxmlformats.org/officeDocument/2006/relationships" xmlns:p="http://schemas.openxmlformats.org/presentationml/2006/main">
+  <p:cSld>
+    <p:spTree>
+      <p:nvGrpSpPr>
+        <p:cNvPr id="1" name=""/>
+        <p:cNvGrpSpPr/>
+        <p:nvPr/>
+      </p:nvGrpSpPr>
+      <p:grpSpPr>
+        <a:xfrm>
+          <a:off x="0" y="0"/>
+          <a:ext cx="0" cy="0"/>
+          <a:chOff x="0" y="0"/>
+          <a:chExt cx="0" cy="0"/>
+        </a:xfrm>
+      </p:grpSpPr>
+      <p:sp>
+        <p:nvSpPr>
+          <p:cNvPr id="2" name="Segnaposto immagine diapositiva 1"/>
+          <p:cNvSpPr>
+            <a:spLocks noGrp="1" noRot="1" noChangeAspect="1"/>
+          </p:cNvSpPr>
+          <p:nvPr>
+            <p:ph type="sldImg"/>
+          </p:nvPr>
+        </p:nvSpPr>
+        <p:spPr/>
+      </p:sp>
+      <p:sp>
+        <p:nvSpPr>
+          <p:cNvPr id="3" name="Segnaposto note 2"/>
+          <p:cNvSpPr>
+            <a:spLocks noGrp="1"/>
+          </p:cNvSpPr>
+          <p:nvPr>
+            <p:ph type="body" idx="1"/>
+          </p:nvPr>
+        </p:nvSpPr>
+        <p:spPr/>
+        <p:txBody>
+          <a:bodyPr/>
+          <a:lstStyle/>
+          <a:p>
+            <a:endParaRPr lang="it-IT" dirty="0"/>
+          </a:p>
+        </p:txBody>
+      </p:sp>
+      <p:sp>
+        <p:nvSpPr>
+          <p:cNvPr id="4" name="Segnaposto numero diapositiva 3"/>
+          <p:cNvSpPr>
+            <a:spLocks noGrp="1"/>
+          </p:cNvSpPr>
+          <p:nvPr>
+            <p:ph type="sldNum" sz="quarter" idx="5"/>
+          </p:nvPr>
+        </p:nvSpPr>
+        <p:spPr/>
+        <p:txBody>
+          <a:bodyPr/>
+          <a:lstStyle/>
+          <a:p>
+            <a:fld id="{4EDE4728-EADB-4BC2-A703-3B98A43764E6}" type="slidenum">
+              <a:rPr lang="it-IT" smtClean="0"/>
+              <a:t>10</a:t>
+            </a:fld>
+            <a:endParaRPr lang="it-IT"/>
+          </a:p>
+        </p:txBody>
+      </p:sp>
+    </p:spTree>
+    <p:extLst>
+      <p:ext uri="{BB962C8B-B14F-4D97-AF65-F5344CB8AC3E}">
+        <p14:creationId xmlns:p14="http://schemas.microsoft.com/office/powerpoint/2010/main" val="71370027"/>
+      </p:ext>
+    </p:extLst>
+  </p:cSld>
+  <p:clrMapOvr>
+    <a:masterClrMapping/>
+  </p:clrMapOvr>
+</p:notes>
+</file>
+
+<file path=ppt/notesSlides/notesSlide7.xml><?xml version="1.0" encoding="utf-8"?>
+<p:notes xmlns:a="http://schemas.openxmlformats.org/drawingml/2006/main" xmlns:r="http://schemas.openxmlformats.org/officeDocument/2006/relationships" xmlns:p="http://schemas.openxmlformats.org/presentationml/2006/main">
+  <p:cSld>
+    <p:spTree>
+      <p:nvGrpSpPr>
+        <p:cNvPr id="1" name=""/>
+        <p:cNvGrpSpPr/>
+        <p:nvPr/>
+      </p:nvGrpSpPr>
+      <p:grpSpPr>
+        <a:xfrm>
+          <a:off x="0" y="0"/>
+          <a:ext cx="0" cy="0"/>
+          <a:chOff x="0" y="0"/>
+          <a:chExt cx="0" cy="0"/>
+        </a:xfrm>
+      </p:grpSpPr>
+      <p:sp>
+        <p:nvSpPr>
+          <p:cNvPr id="2" name="Segnaposto immagine diapositiva 1"/>
+          <p:cNvSpPr>
+            <a:spLocks noGrp="1" noRot="1" noChangeAspect="1"/>
+          </p:cNvSpPr>
+          <p:nvPr>
+            <p:ph type="sldImg"/>
+          </p:nvPr>
+        </p:nvSpPr>
+        <p:spPr/>
+      </p:sp>
+      <p:sp>
+        <p:nvSpPr>
+          <p:cNvPr id="3" name="Segnaposto note 2"/>
+          <p:cNvSpPr>
+            <a:spLocks noGrp="1"/>
+          </p:cNvSpPr>
+          <p:nvPr>
+            <p:ph type="body" idx="1"/>
+          </p:nvPr>
+        </p:nvSpPr>
+        <p:spPr/>
+        <p:txBody>
+          <a:bodyPr/>
+          <a:lstStyle/>
+          <a:p>
+            <a:endParaRPr lang="it-IT" dirty="0"/>
+          </a:p>
+        </p:txBody>
+      </p:sp>
+      <p:sp>
+        <p:nvSpPr>
+          <p:cNvPr id="4" name="Segnaposto numero diapositiva 3"/>
+          <p:cNvSpPr>
+            <a:spLocks noGrp="1"/>
+          </p:cNvSpPr>
+          <p:nvPr>
+            <p:ph type="sldNum" sz="quarter" idx="5"/>
+          </p:nvPr>
+        </p:nvSpPr>
+        <p:spPr/>
+        <p:txBody>
+          <a:bodyPr/>
+          <a:lstStyle/>
+          <a:p>
+            <a:fld id="{4EDE4728-EADB-4BC2-A703-3B98A43764E6}" type="slidenum">
+              <a:rPr lang="it-IT" smtClean="0"/>
+              <a:t>14</a:t>
+            </a:fld>
+            <a:endParaRPr lang="it-IT"/>
+          </a:p>
+        </p:txBody>
+      </p:sp>
+    </p:spTree>
+    <p:extLst>
+      <p:ext uri="{BB962C8B-B14F-4D97-AF65-F5344CB8AC3E}">
+        <p14:creationId xmlns:p14="http://schemas.microsoft.com/office/powerpoint/2010/main" val="4003365418"/>
+      </p:ext>
+    </p:extLst>
+  </p:cSld>
+  <p:clrMapOvr>
+    <a:masterClrMapping/>
+  </p:clrMapOvr>
+</p:notes>
 </file>
 
 <file path=ppt/slideLayouts/slideLayout1.xml><?xml version="1.0" encoding="utf-8"?>
@@ -3953,6 +4901,1066 @@
 </p:sld>
 </file>
 
+<file path=ppt/slides/slide10.xml><?xml version="1.0" encoding="utf-8"?>
+<p:sld xmlns:a="http://schemas.openxmlformats.org/drawingml/2006/main" xmlns:r="http://schemas.openxmlformats.org/officeDocument/2006/relationships" xmlns:p="http://schemas.openxmlformats.org/presentationml/2006/main">
+  <p:cSld>
+    <p:spTree>
+      <p:nvGrpSpPr>
+        <p:cNvPr id="1" name=""/>
+        <p:cNvGrpSpPr/>
+        <p:nvPr/>
+      </p:nvGrpSpPr>
+      <p:grpSpPr>
+        <a:xfrm>
+          <a:off x="0" y="0"/>
+          <a:ext cx="0" cy="0"/>
+          <a:chOff x="0" y="0"/>
+          <a:chExt cx="0" cy="0"/>
+        </a:xfrm>
+      </p:grpSpPr>
+      <p:pic>
+        <p:nvPicPr>
+          <p:cNvPr id="6" name="Immagine 5">
+            <a:extLst>
+              <a:ext uri="{FF2B5EF4-FFF2-40B4-BE49-F238E27FC236}">
+                <a16:creationId xmlns:a16="http://schemas.microsoft.com/office/drawing/2014/main" id="{9DE36EA8-04AE-1FE7-8B00-45C8D6ED849A}"/>
+              </a:ext>
+            </a:extLst>
+          </p:cNvPr>
+          <p:cNvPicPr>
+            <a:picLocks noChangeAspect="1"/>
+          </p:cNvPicPr>
+          <p:nvPr/>
+        </p:nvPicPr>
+        <p:blipFill>
+          <a:blip r:embed="rId3"/>
+          <a:stretch>
+            <a:fillRect/>
+          </a:stretch>
+        </p:blipFill>
+        <p:spPr>
+          <a:xfrm>
+            <a:off x="1510907" y="164678"/>
+            <a:ext cx="9650579" cy="6528643"/>
+          </a:xfrm>
+          <a:prstGeom prst="rect">
+            <a:avLst/>
+          </a:prstGeom>
+        </p:spPr>
+      </p:pic>
+    </p:spTree>
+    <p:extLst>
+      <p:ext uri="{BB962C8B-B14F-4D97-AF65-F5344CB8AC3E}">
+        <p14:creationId xmlns:p14="http://schemas.microsoft.com/office/powerpoint/2010/main" val="2663909750"/>
+      </p:ext>
+    </p:extLst>
+  </p:cSld>
+  <p:clrMapOvr>
+    <a:masterClrMapping/>
+  </p:clrMapOvr>
+</p:sld>
+</file>
+
+<file path=ppt/slides/slide11.xml><?xml version="1.0" encoding="utf-8"?>
+<p:sld xmlns:a="http://schemas.openxmlformats.org/drawingml/2006/main" xmlns:r="http://schemas.openxmlformats.org/officeDocument/2006/relationships" xmlns:p="http://schemas.openxmlformats.org/presentationml/2006/main">
+  <p:cSld>
+    <p:spTree>
+      <p:nvGrpSpPr>
+        <p:cNvPr id="1" name=""/>
+        <p:cNvGrpSpPr/>
+        <p:nvPr/>
+      </p:nvGrpSpPr>
+      <p:grpSpPr>
+        <a:xfrm>
+          <a:off x="0" y="0"/>
+          <a:ext cx="0" cy="0"/>
+          <a:chOff x="0" y="0"/>
+          <a:chExt cx="0" cy="0"/>
+        </a:xfrm>
+      </p:grpSpPr>
+      <p:pic>
+        <p:nvPicPr>
+          <p:cNvPr id="3" name="Immagine 2">
+            <a:extLst>
+              <a:ext uri="{FF2B5EF4-FFF2-40B4-BE49-F238E27FC236}">
+                <a16:creationId xmlns:a16="http://schemas.microsoft.com/office/drawing/2014/main" id="{F3CB2F4E-13B4-7C3D-992B-5F6FAF1BBFA8}"/>
+              </a:ext>
+            </a:extLst>
+          </p:cNvPr>
+          <p:cNvPicPr>
+            <a:picLocks noChangeAspect="1"/>
+          </p:cNvPicPr>
+          <p:nvPr/>
+        </p:nvPicPr>
+        <p:blipFill>
+          <a:blip r:embed="rId2"/>
+          <a:stretch>
+            <a:fillRect/>
+          </a:stretch>
+        </p:blipFill>
+        <p:spPr>
+          <a:xfrm>
+            <a:off x="1423986" y="156238"/>
+            <a:ext cx="9720000" cy="6545523"/>
+          </a:xfrm>
+          <a:prstGeom prst="rect">
+            <a:avLst/>
+          </a:prstGeom>
+        </p:spPr>
+      </p:pic>
+    </p:spTree>
+    <p:extLst>
+      <p:ext uri="{BB962C8B-B14F-4D97-AF65-F5344CB8AC3E}">
+        <p14:creationId xmlns:p14="http://schemas.microsoft.com/office/powerpoint/2010/main" val="1385519848"/>
+      </p:ext>
+    </p:extLst>
+  </p:cSld>
+  <p:clrMapOvr>
+    <a:masterClrMapping/>
+  </p:clrMapOvr>
+</p:sld>
+</file>
+
+<file path=ppt/slides/slide12.xml><?xml version="1.0" encoding="utf-8"?>
+<p:sld xmlns:a="http://schemas.openxmlformats.org/drawingml/2006/main" xmlns:r="http://schemas.openxmlformats.org/officeDocument/2006/relationships" xmlns:p="http://schemas.openxmlformats.org/presentationml/2006/main">
+  <p:cSld>
+    <p:spTree>
+      <p:nvGrpSpPr>
+        <p:cNvPr id="1" name=""/>
+        <p:cNvGrpSpPr/>
+        <p:nvPr/>
+      </p:nvGrpSpPr>
+      <p:grpSpPr>
+        <a:xfrm>
+          <a:off x="0" y="0"/>
+          <a:ext cx="0" cy="0"/>
+          <a:chOff x="0" y="0"/>
+          <a:chExt cx="0" cy="0"/>
+        </a:xfrm>
+      </p:grpSpPr>
+      <p:pic>
+        <p:nvPicPr>
+          <p:cNvPr id="7" name="Immagine 6" descr="Immagine che contiene testo, schermata, software, schermo&#10;&#10;Descrizione generata automaticamente">
+            <a:extLst>
+              <a:ext uri="{FF2B5EF4-FFF2-40B4-BE49-F238E27FC236}">
+                <a16:creationId xmlns:a16="http://schemas.microsoft.com/office/drawing/2014/main" id="{B7F18CBD-C94A-5795-7C2B-8248E5E4529A}"/>
+              </a:ext>
+            </a:extLst>
+          </p:cNvPr>
+          <p:cNvPicPr>
+            <a:picLocks noChangeAspect="1"/>
+          </p:cNvPicPr>
+          <p:nvPr/>
+        </p:nvPicPr>
+        <p:blipFill>
+          <a:blip r:embed="rId2">
+            <a:extLst>
+              <a:ext uri="{28A0092B-C50C-407E-A947-70E740481C1C}">
+                <a14:useLocalDpi xmlns:a14="http://schemas.microsoft.com/office/drawing/2010/main" val="0"/>
+              </a:ext>
+            </a:extLst>
+          </a:blip>
+          <a:stretch>
+            <a:fillRect/>
+          </a:stretch>
+        </p:blipFill>
+        <p:spPr>
+          <a:xfrm>
+            <a:off x="1407380" y="322340"/>
+            <a:ext cx="10175020" cy="6213320"/>
+          </a:xfrm>
+          <a:prstGeom prst="rect">
+            <a:avLst/>
+          </a:prstGeom>
+        </p:spPr>
+      </p:pic>
+    </p:spTree>
+    <p:extLst>
+      <p:ext uri="{BB962C8B-B14F-4D97-AF65-F5344CB8AC3E}">
+        <p14:creationId xmlns:p14="http://schemas.microsoft.com/office/powerpoint/2010/main" val="3193299051"/>
+      </p:ext>
+    </p:extLst>
+  </p:cSld>
+  <p:clrMapOvr>
+    <a:masterClrMapping/>
+  </p:clrMapOvr>
+</p:sld>
+</file>
+
+<file path=ppt/slides/slide13.xml><?xml version="1.0" encoding="utf-8"?>
+<p:sld xmlns:a="http://schemas.openxmlformats.org/drawingml/2006/main" xmlns:r="http://schemas.openxmlformats.org/officeDocument/2006/relationships" xmlns:p="http://schemas.openxmlformats.org/presentationml/2006/main">
+  <p:cSld>
+    <p:spTree>
+      <p:nvGrpSpPr>
+        <p:cNvPr id="1" name=""/>
+        <p:cNvGrpSpPr/>
+        <p:nvPr/>
+      </p:nvGrpSpPr>
+      <p:grpSpPr>
+        <a:xfrm>
+          <a:off x="0" y="0"/>
+          <a:ext cx="0" cy="0"/>
+          <a:chOff x="0" y="0"/>
+          <a:chExt cx="0" cy="0"/>
+        </a:xfrm>
+      </p:grpSpPr>
+      <p:sp>
+        <p:nvSpPr>
+          <p:cNvPr id="2" name="Titolo 1">
+            <a:extLst>
+              <a:ext uri="{FF2B5EF4-FFF2-40B4-BE49-F238E27FC236}">
+                <a16:creationId xmlns:a16="http://schemas.microsoft.com/office/drawing/2014/main" id="{D8B717E1-03E7-82F9-F042-6465C2595E96}"/>
+              </a:ext>
+            </a:extLst>
+          </p:cNvPr>
+          <p:cNvSpPr>
+            <a:spLocks noGrp="1"/>
+          </p:cNvSpPr>
+          <p:nvPr>
+            <p:ph type="title"/>
+          </p:nvPr>
+        </p:nvSpPr>
+        <p:spPr/>
+        <p:txBody>
+          <a:bodyPr/>
+          <a:lstStyle/>
+          <a:p>
+            <a:r>
+              <a:rPr lang="it-IT" dirty="0"/>
+              <a:t>In conclusione</a:t>
+            </a:r>
+          </a:p>
+        </p:txBody>
+      </p:sp>
+    </p:spTree>
+    <p:extLst>
+      <p:ext uri="{BB962C8B-B14F-4D97-AF65-F5344CB8AC3E}">
+        <p14:creationId xmlns:p14="http://schemas.microsoft.com/office/powerpoint/2010/main" val="1123591146"/>
+      </p:ext>
+    </p:extLst>
+  </p:cSld>
+  <p:clrMapOvr>
+    <a:masterClrMapping/>
+  </p:clrMapOvr>
+</p:sld>
+</file>
+
+<file path=ppt/slides/slide14.xml><?xml version="1.0" encoding="utf-8"?>
+<p:sld xmlns:a="http://schemas.openxmlformats.org/drawingml/2006/main" xmlns:r="http://schemas.openxmlformats.org/officeDocument/2006/relationships" xmlns:p="http://schemas.openxmlformats.org/presentationml/2006/main">
+  <p:cSld>
+    <p:spTree>
+      <p:nvGrpSpPr>
+        <p:cNvPr id="1" name=""/>
+        <p:cNvGrpSpPr/>
+        <p:nvPr/>
+      </p:nvGrpSpPr>
+      <p:grpSpPr>
+        <a:xfrm>
+          <a:off x="0" y="0"/>
+          <a:ext cx="0" cy="0"/>
+          <a:chOff x="0" y="0"/>
+          <a:chExt cx="0" cy="0"/>
+        </a:xfrm>
+      </p:grpSpPr>
+      <p:sp>
+        <p:nvSpPr>
+          <p:cNvPr id="2" name="Titolo 1">
+            <a:extLst>
+              <a:ext uri="{FF2B5EF4-FFF2-40B4-BE49-F238E27FC236}">
+                <a16:creationId xmlns:a16="http://schemas.microsoft.com/office/drawing/2014/main" id="{0DE00A8C-8B71-C337-C5DB-93868AD6CD5E}"/>
+              </a:ext>
+            </a:extLst>
+          </p:cNvPr>
+          <p:cNvSpPr>
+            <a:spLocks noGrp="1"/>
+          </p:cNvSpPr>
+          <p:nvPr>
+            <p:ph type="title"/>
+          </p:nvPr>
+        </p:nvSpPr>
+        <p:spPr>
+          <a:xfrm>
+            <a:off x="4279478" y="615924"/>
+            <a:ext cx="3633043" cy="720882"/>
+          </a:xfrm>
+        </p:spPr>
+        <p:txBody>
+          <a:bodyPr/>
+          <a:lstStyle/>
+          <a:p>
+            <a:pPr algn="ctr"/>
+            <a:r>
+              <a:rPr lang="it-IT" dirty="0"/>
+              <a:t>In conclusione</a:t>
+            </a:r>
+          </a:p>
+        </p:txBody>
+      </p:sp>
+      <p:sp>
+        <p:nvSpPr>
+          <p:cNvPr id="4" name="Segnaposto contenuto 3">
+            <a:extLst>
+              <a:ext uri="{FF2B5EF4-FFF2-40B4-BE49-F238E27FC236}">
+                <a16:creationId xmlns:a16="http://schemas.microsoft.com/office/drawing/2014/main" id="{D680CDA3-870E-5080-BC4B-87B8A072C518}"/>
+              </a:ext>
+            </a:extLst>
+          </p:cNvPr>
+          <p:cNvSpPr>
+            <a:spLocks noGrp="1"/>
+          </p:cNvSpPr>
+          <p:nvPr>
+            <p:ph sz="half" idx="2"/>
+          </p:nvPr>
+        </p:nvSpPr>
+        <p:spPr>
+          <a:xfrm>
+            <a:off x="1483085" y="2521571"/>
+            <a:ext cx="4443984" cy="3832945"/>
+          </a:xfrm>
+        </p:spPr>
+        <p:txBody>
+          <a:bodyPr>
+            <a:normAutofit/>
+          </a:bodyPr>
+          <a:lstStyle/>
+          <a:p>
+            <a:r>
+              <a:rPr lang="it-IT" dirty="0"/>
+              <a:t>Possibilità di scrivere e tradurre (praticamente) ogni possibile richiesta http.</a:t>
+            </a:r>
+          </a:p>
+          <a:p>
+            <a:r>
+              <a:rPr lang="it-IT" dirty="0"/>
+              <a:t>Rilevazione e segnalazione degli errori più comuni.</a:t>
+            </a:r>
+          </a:p>
+          <a:p>
+            <a:r>
+              <a:rPr lang="it-IT" dirty="0"/>
+              <a:t>Semplice ed intuitiva interfaccia utente.</a:t>
+            </a:r>
+          </a:p>
+          <a:p>
+            <a:r>
+              <a:rPr lang="it-IT" dirty="0"/>
+              <a:t>Possibilità di importare richieste http da file esterni.</a:t>
+            </a:r>
+          </a:p>
+        </p:txBody>
+      </p:sp>
+      <p:sp>
+        <p:nvSpPr>
+          <p:cNvPr id="6" name="Segnaposto contenuto 5">
+            <a:extLst>
+              <a:ext uri="{FF2B5EF4-FFF2-40B4-BE49-F238E27FC236}">
+                <a16:creationId xmlns:a16="http://schemas.microsoft.com/office/drawing/2014/main" id="{51D42AD6-2069-1CD3-288F-B9DA875498E3}"/>
+              </a:ext>
+            </a:extLst>
+          </p:cNvPr>
+          <p:cNvSpPr>
+            <a:spLocks noGrp="1"/>
+          </p:cNvSpPr>
+          <p:nvPr>
+            <p:ph sz="quarter" idx="4"/>
+          </p:nvPr>
+        </p:nvSpPr>
+        <p:spPr>
+          <a:xfrm>
+            <a:off x="6394800" y="2521572"/>
+            <a:ext cx="4443984" cy="3980828"/>
+          </a:xfrm>
+        </p:spPr>
+        <p:txBody>
+          <a:bodyPr>
+            <a:normAutofit/>
+          </a:bodyPr>
+          <a:lstStyle/>
+          <a:p>
+            <a:r>
+              <a:rPr lang="it-IT" dirty="0"/>
+              <a:t>Bisogna imparare un nuovo (seppur semplice) linguaggio.</a:t>
+            </a:r>
+          </a:p>
+          <a:p>
+            <a:r>
+              <a:rPr lang="it-IT" dirty="0"/>
+              <a:t>Alcuni elementi della grammatica sono oscuri all’utente (ad esempio il corpo del body va racchiuso tra ‘#’).</a:t>
+            </a:r>
+          </a:p>
+          <a:p>
+            <a:r>
+              <a:rPr lang="it-IT" dirty="0"/>
+              <a:t>Non tutti gli errori vengono rilevati.</a:t>
+            </a:r>
+          </a:p>
+          <a:p>
+            <a:r>
+              <a:rPr lang="it-IT" dirty="0"/>
+              <a:t>Attualmente solo i metodi GET e POST sono supportati.</a:t>
+            </a:r>
+          </a:p>
+          <a:p>
+            <a:r>
+              <a:rPr lang="it-IT" dirty="0"/>
+              <a:t>Il codice generato è un’istruzione singola (non contenuta in un metodo o classe).</a:t>
+            </a:r>
+          </a:p>
+        </p:txBody>
+      </p:sp>
+      <p:grpSp>
+        <p:nvGrpSpPr>
+          <p:cNvPr id="11" name="Gruppo 10">
+            <a:extLst>
+              <a:ext uri="{FF2B5EF4-FFF2-40B4-BE49-F238E27FC236}">
+                <a16:creationId xmlns:a16="http://schemas.microsoft.com/office/drawing/2014/main" id="{8EB3677E-16D5-06E2-2B74-94C25F11FB5B}"/>
+              </a:ext>
+            </a:extLst>
+          </p:cNvPr>
+          <p:cNvGrpSpPr/>
+          <p:nvPr/>
+        </p:nvGrpSpPr>
+        <p:grpSpPr>
+          <a:xfrm>
+            <a:off x="2770111" y="1662957"/>
+            <a:ext cx="1646961" cy="720882"/>
+            <a:chOff x="2174674" y="1725852"/>
+            <a:chExt cx="1646961" cy="720882"/>
+          </a:xfrm>
+        </p:grpSpPr>
+        <p:pic>
+          <p:nvPicPr>
+            <p:cNvPr id="1026" name="Picture 2" descr="Green Thumb Images – Browse 93,754 Stock Photos, Vectors, and Video | Adobe  Stock">
+              <a:extLst>
+                <a:ext uri="{FF2B5EF4-FFF2-40B4-BE49-F238E27FC236}">
+                  <a16:creationId xmlns:a16="http://schemas.microsoft.com/office/drawing/2014/main" id="{6D32BD19-29EE-F471-471B-690B69010142}"/>
+                </a:ext>
+              </a:extLst>
+            </p:cNvPr>
+            <p:cNvPicPr>
+              <a:picLocks noChangeAspect="1" noChangeArrowheads="1"/>
+            </p:cNvPicPr>
+            <p:nvPr/>
+          </p:nvPicPr>
+          <p:blipFill rotWithShape="1">
+            <a:blip r:embed="rId3">
+              <a:extLst>
+                <a:ext uri="{BEBA8EAE-BF5A-486C-A8C5-ECC9F3942E4B}">
+                  <a14:imgProps xmlns:a14="http://schemas.microsoft.com/office/drawing/2010/main">
+                    <a14:imgLayer r:embed="rId4">
+                      <a14:imgEffect>
+                        <a14:backgroundRemoval t="10000" b="90000" l="7556" r="93037">
+                          <a14:foregroundMark x1="18074" y1="48611" x2="17481" y2="64722"/>
+                          <a14:foregroundMark x1="17481" y1="64722" x2="19852" y2="49722"/>
+                          <a14:foregroundMark x1="7556" y1="58611" x2="10667" y2="70833"/>
+                          <a14:foregroundMark x1="63852" y1="50000" x2="68296" y2="35000"/>
+                          <a14:foregroundMark x1="68296" y1="35000" x2="69926" y2="48611"/>
+                          <a14:foregroundMark x1="69926" y1="48611" x2="67259" y2="63611"/>
+                          <a14:foregroundMark x1="67259" y1="63611" x2="67852" y2="68056"/>
+                          <a14:foregroundMark x1="83852" y1="35278" x2="79111" y2="51944"/>
+                          <a14:foregroundMark x1="79111" y1="51944" x2="84148" y2="39722"/>
+                          <a14:foregroundMark x1="55111" y1="45278" x2="54815" y2="51111"/>
+                          <a14:foregroundMark x1="92148" y1="43611" x2="93037" y2="51667"/>
+                          <a14:backgroundMark x1="23259" y1="47500" x2="23111" y2="50556"/>
+                          <a14:backgroundMark x1="76889" y1="50556" x2="77333" y2="42778"/>
+                        </a14:backgroundRemoval>
+                      </a14:imgEffect>
+                    </a14:imgLayer>
+                  </a14:imgProps>
+                </a:ext>
+                <a:ext uri="{28A0092B-C50C-407E-A947-70E740481C1C}">
+                  <a14:useLocalDpi xmlns:a14="http://schemas.microsoft.com/office/drawing/2010/main" val="0"/>
+                </a:ext>
+              </a:extLst>
+            </a:blip>
+            <a:srcRect l="5613" t="11173" r="53447" b="11108"/>
+            <a:stretch/>
+          </p:blipFill>
+          <p:spPr bwMode="auto">
+            <a:xfrm>
+              <a:off x="3109640" y="1725852"/>
+              <a:ext cx="711995" cy="720882"/>
+            </a:xfrm>
+            <a:prstGeom prst="rect">
+              <a:avLst/>
+            </a:prstGeom>
+            <a:noFill/>
+            <a:extLst>
+              <a:ext uri="{909E8E84-426E-40DD-AFC4-6F175D3DCCD1}">
+                <a14:hiddenFill xmlns:a14="http://schemas.microsoft.com/office/drawing/2010/main">
+                  <a:solidFill>
+                    <a:srgbClr val="FFFFFF"/>
+                  </a:solidFill>
+                </a14:hiddenFill>
+              </a:ext>
+            </a:extLst>
+          </p:spPr>
+        </p:pic>
+        <p:sp>
+          <p:nvSpPr>
+            <p:cNvPr id="8" name="Segnaposto testo 4">
+              <a:extLst>
+                <a:ext uri="{FF2B5EF4-FFF2-40B4-BE49-F238E27FC236}">
+                  <a16:creationId xmlns:a16="http://schemas.microsoft.com/office/drawing/2014/main" id="{89EA8FF7-00D5-E133-7B6F-795CC9CD9C2C}"/>
+                </a:ext>
+              </a:extLst>
+            </p:cNvPr>
+            <p:cNvSpPr txBox="1">
+              <a:spLocks/>
+            </p:cNvSpPr>
+            <p:nvPr/>
+          </p:nvSpPr>
+          <p:spPr>
+            <a:xfrm>
+              <a:off x="2174674" y="1829681"/>
+              <a:ext cx="934966" cy="513224"/>
+            </a:xfrm>
+            <a:prstGeom prst="rect">
+              <a:avLst/>
+            </a:prstGeom>
+          </p:spPr>
+          <p:txBody>
+            <a:bodyPr vert="horz" lIns="91440" tIns="45720" rIns="91440" bIns="45720" rtlCol="0" anchor="b">
+              <a:noAutofit/>
+            </a:bodyPr>
+            <a:lstStyle>
+              <a:lvl1pPr marL="0" indent="0" algn="l" defTabSz="914400" rtl="0" eaLnBrk="1" latinLnBrk="0" hangingPunct="1">
+                <a:lnSpc>
+                  <a:spcPct val="84000"/>
+                </a:lnSpc>
+                <a:spcBef>
+                  <a:spcPts val="0"/>
+                </a:spcBef>
+                <a:spcAft>
+                  <a:spcPts val="0"/>
+                </a:spcAft>
+                <a:buFont typeface="Franklin Gothic Book" panose="020B0503020102020204" pitchFamily="34" charset="0"/>
+                <a:buNone/>
+                <a:defRPr sz="3000" b="0" kern="1200" baseline="0">
+                  <a:solidFill>
+                    <a:schemeClr val="tx2"/>
+                  </a:solidFill>
+                  <a:latin typeface="+mn-lt"/>
+                  <a:ea typeface="+mn-ea"/>
+                  <a:cs typeface="+mn-cs"/>
+                </a:defRPr>
+              </a:lvl1pPr>
+              <a:lvl2pPr marL="457200" indent="0" algn="l" defTabSz="914400" rtl="0" eaLnBrk="1" latinLnBrk="0" hangingPunct="1">
+                <a:lnSpc>
+                  <a:spcPct val="94000"/>
+                </a:lnSpc>
+                <a:spcBef>
+                  <a:spcPts val="500"/>
+                </a:spcBef>
+                <a:spcAft>
+                  <a:spcPts val="200"/>
+                </a:spcAft>
+                <a:buFont typeface="Franklin Gothic Book" panose="020B0503020102020204" pitchFamily="34" charset="0"/>
+                <a:buNone/>
+                <a:defRPr sz="2000" b="1" i="1" kern="1200" baseline="0">
+                  <a:solidFill>
+                    <a:schemeClr val="tx2"/>
+                  </a:solidFill>
+                  <a:latin typeface="+mn-lt"/>
+                  <a:ea typeface="+mn-ea"/>
+                  <a:cs typeface="+mn-cs"/>
+                </a:defRPr>
+              </a:lvl2pPr>
+              <a:lvl3pPr marL="914400" indent="0" algn="l" defTabSz="914400" rtl="0" eaLnBrk="1" latinLnBrk="0" hangingPunct="1">
+                <a:lnSpc>
+                  <a:spcPct val="94000"/>
+                </a:lnSpc>
+                <a:spcBef>
+                  <a:spcPts val="500"/>
+                </a:spcBef>
+                <a:spcAft>
+                  <a:spcPts val="200"/>
+                </a:spcAft>
+                <a:buFont typeface="Franklin Gothic Book" panose="020B0503020102020204" pitchFamily="34" charset="0"/>
+                <a:buNone/>
+                <a:defRPr sz="1800" b="1" kern="1200" baseline="0">
+                  <a:solidFill>
+                    <a:schemeClr val="tx2"/>
+                  </a:solidFill>
+                  <a:latin typeface="+mn-lt"/>
+                  <a:ea typeface="+mn-ea"/>
+                  <a:cs typeface="+mn-cs"/>
+                </a:defRPr>
+              </a:lvl3pPr>
+              <a:lvl4pPr marL="1371600" indent="0" algn="l" defTabSz="914400" rtl="0" eaLnBrk="1" latinLnBrk="0" hangingPunct="1">
+                <a:lnSpc>
+                  <a:spcPct val="94000"/>
+                </a:lnSpc>
+                <a:spcBef>
+                  <a:spcPts val="500"/>
+                </a:spcBef>
+                <a:spcAft>
+                  <a:spcPts val="200"/>
+                </a:spcAft>
+                <a:buFont typeface="Franklin Gothic Book" panose="020B0503020102020204" pitchFamily="34" charset="0"/>
+                <a:buNone/>
+                <a:defRPr sz="1600" b="1" i="1" kern="1200" baseline="0">
+                  <a:solidFill>
+                    <a:schemeClr val="tx2"/>
+                  </a:solidFill>
+                  <a:latin typeface="+mn-lt"/>
+                  <a:ea typeface="+mn-ea"/>
+                  <a:cs typeface="+mn-cs"/>
+                </a:defRPr>
+              </a:lvl4pPr>
+              <a:lvl5pPr marL="1828800" indent="0" algn="l" defTabSz="914400" rtl="0" eaLnBrk="1" latinLnBrk="0" hangingPunct="1">
+                <a:lnSpc>
+                  <a:spcPct val="94000"/>
+                </a:lnSpc>
+                <a:spcBef>
+                  <a:spcPts val="500"/>
+                </a:spcBef>
+                <a:spcAft>
+                  <a:spcPts val="200"/>
+                </a:spcAft>
+                <a:buFont typeface="Franklin Gothic Book" panose="020B0503020102020204" pitchFamily="34" charset="0"/>
+                <a:buNone/>
+                <a:defRPr sz="1600" b="1" kern="1200" baseline="0">
+                  <a:solidFill>
+                    <a:schemeClr val="tx2"/>
+                  </a:solidFill>
+                  <a:latin typeface="+mn-lt"/>
+                  <a:ea typeface="+mn-ea"/>
+                  <a:cs typeface="+mn-cs"/>
+                </a:defRPr>
+              </a:lvl5pPr>
+              <a:lvl6pPr marL="2286000" indent="0" algn="l" defTabSz="914400" rtl="0" eaLnBrk="1" latinLnBrk="0" hangingPunct="1">
+                <a:lnSpc>
+                  <a:spcPct val="94000"/>
+                </a:lnSpc>
+                <a:spcBef>
+                  <a:spcPts val="500"/>
+                </a:spcBef>
+                <a:spcAft>
+                  <a:spcPts val="200"/>
+                </a:spcAft>
+                <a:buFont typeface="Franklin Gothic Book" panose="020B0503020102020204" pitchFamily="34" charset="0"/>
+                <a:buNone/>
+                <a:defRPr sz="1600" b="1" i="1" kern="1200" baseline="0">
+                  <a:solidFill>
+                    <a:schemeClr val="tx2"/>
+                  </a:solidFill>
+                  <a:latin typeface="+mn-lt"/>
+                  <a:ea typeface="+mn-ea"/>
+                  <a:cs typeface="+mn-cs"/>
+                </a:defRPr>
+              </a:lvl6pPr>
+              <a:lvl7pPr marL="2743200" indent="0" algn="l" defTabSz="914400" rtl="0" eaLnBrk="1" latinLnBrk="0" hangingPunct="1">
+                <a:lnSpc>
+                  <a:spcPct val="94000"/>
+                </a:lnSpc>
+                <a:spcBef>
+                  <a:spcPts val="500"/>
+                </a:spcBef>
+                <a:spcAft>
+                  <a:spcPts val="200"/>
+                </a:spcAft>
+                <a:buFont typeface="Franklin Gothic Book" panose="020B0503020102020204" pitchFamily="34" charset="0"/>
+                <a:buNone/>
+                <a:defRPr sz="1600" b="1" kern="1200" baseline="0">
+                  <a:solidFill>
+                    <a:schemeClr val="tx2"/>
+                  </a:solidFill>
+                  <a:latin typeface="+mn-lt"/>
+                  <a:ea typeface="+mn-ea"/>
+                  <a:cs typeface="+mn-cs"/>
+                </a:defRPr>
+              </a:lvl7pPr>
+              <a:lvl8pPr marL="3200400" indent="0" algn="l" defTabSz="914400" rtl="0" eaLnBrk="1" latinLnBrk="0" hangingPunct="1">
+                <a:lnSpc>
+                  <a:spcPct val="94000"/>
+                </a:lnSpc>
+                <a:spcBef>
+                  <a:spcPts val="500"/>
+                </a:spcBef>
+                <a:spcAft>
+                  <a:spcPts val="200"/>
+                </a:spcAft>
+                <a:buFont typeface="Franklin Gothic Book" panose="020B0503020102020204" pitchFamily="34" charset="0"/>
+                <a:buNone/>
+                <a:defRPr sz="1600" b="1" i="1" kern="1200" baseline="0">
+                  <a:solidFill>
+                    <a:schemeClr val="tx2"/>
+                  </a:solidFill>
+                  <a:latin typeface="+mn-lt"/>
+                  <a:ea typeface="+mn-ea"/>
+                  <a:cs typeface="+mn-cs"/>
+                </a:defRPr>
+              </a:lvl8pPr>
+              <a:lvl9pPr marL="3657600" indent="0" algn="l" defTabSz="914400" rtl="0" eaLnBrk="1" latinLnBrk="0" hangingPunct="1">
+                <a:lnSpc>
+                  <a:spcPct val="94000"/>
+                </a:lnSpc>
+                <a:spcBef>
+                  <a:spcPts val="500"/>
+                </a:spcBef>
+                <a:spcAft>
+                  <a:spcPts val="200"/>
+                </a:spcAft>
+                <a:buFont typeface="Franklin Gothic Book" panose="020B0503020102020204" pitchFamily="34" charset="0"/>
+                <a:buNone/>
+                <a:defRPr sz="1600" b="1" kern="1200" baseline="0">
+                  <a:solidFill>
+                    <a:schemeClr val="tx2"/>
+                  </a:solidFill>
+                  <a:latin typeface="+mn-lt"/>
+                  <a:ea typeface="+mn-ea"/>
+                  <a:cs typeface="+mn-cs"/>
+                </a:defRPr>
+              </a:lvl9pPr>
+            </a:lstStyle>
+            <a:p>
+              <a:pPr algn="ctr"/>
+              <a:r>
+                <a:rPr lang="it-IT" b="1" dirty="0">
+                  <a:solidFill>
+                    <a:srgbClr val="197508"/>
+                  </a:solidFill>
+                </a:rPr>
+                <a:t>PRO</a:t>
+              </a:r>
+            </a:p>
+          </p:txBody>
+        </p:sp>
+      </p:grpSp>
+      <p:grpSp>
+        <p:nvGrpSpPr>
+          <p:cNvPr id="13" name="Gruppo 12">
+            <a:extLst>
+              <a:ext uri="{FF2B5EF4-FFF2-40B4-BE49-F238E27FC236}">
+                <a16:creationId xmlns:a16="http://schemas.microsoft.com/office/drawing/2014/main" id="{D36001C0-EFD8-D260-E6CB-A857B1B6CD5A}"/>
+              </a:ext>
+            </a:extLst>
+          </p:cNvPr>
+          <p:cNvGrpSpPr/>
+          <p:nvPr/>
+        </p:nvGrpSpPr>
+        <p:grpSpPr>
+          <a:xfrm>
+            <a:off x="7774930" y="1662957"/>
+            <a:ext cx="2284297" cy="720882"/>
+            <a:chOff x="6938672" y="1725852"/>
+            <a:chExt cx="2284297" cy="720882"/>
+          </a:xfrm>
+        </p:grpSpPr>
+        <p:pic>
+          <p:nvPicPr>
+            <p:cNvPr id="7" name="Picture 2" descr="Green Thumb Images – Browse 93,754 Stock Photos, Vectors, and Video | Adobe  Stock">
+              <a:extLst>
+                <a:ext uri="{FF2B5EF4-FFF2-40B4-BE49-F238E27FC236}">
+                  <a16:creationId xmlns:a16="http://schemas.microsoft.com/office/drawing/2014/main" id="{4ECEE9D4-53EB-2988-6B45-D5E7B1C19C71}"/>
+                </a:ext>
+              </a:extLst>
+            </p:cNvPr>
+            <p:cNvPicPr>
+              <a:picLocks noChangeAspect="1" noChangeArrowheads="1"/>
+            </p:cNvPicPr>
+            <p:nvPr/>
+          </p:nvPicPr>
+          <p:blipFill rotWithShape="1">
+            <a:blip r:embed="rId3">
+              <a:extLst>
+                <a:ext uri="{BEBA8EAE-BF5A-486C-A8C5-ECC9F3942E4B}">
+                  <a14:imgProps xmlns:a14="http://schemas.microsoft.com/office/drawing/2010/main">
+                    <a14:imgLayer r:embed="rId4">
+                      <a14:imgEffect>
+                        <a14:backgroundRemoval t="10000" b="90000" l="7556" r="93037">
+                          <a14:foregroundMark x1="18074" y1="48611" x2="17481" y2="64722"/>
+                          <a14:foregroundMark x1="17481" y1="64722" x2="19852" y2="49722"/>
+                          <a14:foregroundMark x1="7556" y1="58611" x2="10667" y2="70833"/>
+                          <a14:foregroundMark x1="63852" y1="50000" x2="68296" y2="35000"/>
+                          <a14:foregroundMark x1="68296" y1="35000" x2="69926" y2="48611"/>
+                          <a14:foregroundMark x1="69926" y1="48611" x2="67259" y2="63611"/>
+                          <a14:foregroundMark x1="67259" y1="63611" x2="67852" y2="68056"/>
+                          <a14:foregroundMark x1="83852" y1="35278" x2="79111" y2="51944"/>
+                          <a14:foregroundMark x1="79111" y1="51944" x2="84148" y2="39722"/>
+                          <a14:foregroundMark x1="55111" y1="45278" x2="54815" y2="51111"/>
+                          <a14:foregroundMark x1="92148" y1="43611" x2="93037" y2="51667"/>
+                          <a14:backgroundMark x1="23259" y1="47500" x2="23111" y2="50556"/>
+                          <a14:backgroundMark x1="76889" y1="50556" x2="77333" y2="42778"/>
+                        </a14:backgroundRemoval>
+                      </a14:imgEffect>
+                    </a14:imgLayer>
+                  </a14:imgProps>
+                </a:ext>
+                <a:ext uri="{28A0092B-C50C-407E-A947-70E740481C1C}">
+                  <a14:useLocalDpi xmlns:a14="http://schemas.microsoft.com/office/drawing/2010/main" val="0"/>
+                </a:ext>
+              </a:extLst>
+            </a:blip>
+            <a:srcRect l="53130" t="11173" r="5931" b="11108"/>
+            <a:stretch/>
+          </p:blipFill>
+          <p:spPr bwMode="auto">
+            <a:xfrm>
+              <a:off x="8510974" y="1725852"/>
+              <a:ext cx="711995" cy="720882"/>
+            </a:xfrm>
+            <a:prstGeom prst="rect">
+              <a:avLst/>
+            </a:prstGeom>
+            <a:noFill/>
+            <a:extLst>
+              <a:ext uri="{909E8E84-426E-40DD-AFC4-6F175D3DCCD1}">
+                <a14:hiddenFill xmlns:a14="http://schemas.microsoft.com/office/drawing/2010/main">
+                  <a:solidFill>
+                    <a:srgbClr val="FFFFFF"/>
+                  </a:solidFill>
+                </a14:hiddenFill>
+              </a:ext>
+            </a:extLst>
+          </p:spPr>
+        </p:pic>
+        <p:sp>
+          <p:nvSpPr>
+            <p:cNvPr id="12" name="Segnaposto testo 4">
+              <a:extLst>
+                <a:ext uri="{FF2B5EF4-FFF2-40B4-BE49-F238E27FC236}">
+                  <a16:creationId xmlns:a16="http://schemas.microsoft.com/office/drawing/2014/main" id="{CF161ACF-38AA-E275-CF00-9257815FFF5B}"/>
+                </a:ext>
+              </a:extLst>
+            </p:cNvPr>
+            <p:cNvSpPr txBox="1">
+              <a:spLocks/>
+            </p:cNvSpPr>
+            <p:nvPr/>
+          </p:nvSpPr>
+          <p:spPr>
+            <a:xfrm>
+              <a:off x="6938672" y="1822425"/>
+              <a:ext cx="1683725" cy="513224"/>
+            </a:xfrm>
+            <a:prstGeom prst="rect">
+              <a:avLst/>
+            </a:prstGeom>
+          </p:spPr>
+          <p:txBody>
+            <a:bodyPr vert="horz" lIns="91440" tIns="45720" rIns="91440" bIns="45720" rtlCol="0" anchor="b">
+              <a:noAutofit/>
+            </a:bodyPr>
+            <a:lstStyle>
+              <a:lvl1pPr marL="0" indent="0" algn="l" defTabSz="914400" rtl="0" eaLnBrk="1" latinLnBrk="0" hangingPunct="1">
+                <a:lnSpc>
+                  <a:spcPct val="84000"/>
+                </a:lnSpc>
+                <a:spcBef>
+                  <a:spcPts val="0"/>
+                </a:spcBef>
+                <a:spcAft>
+                  <a:spcPts val="0"/>
+                </a:spcAft>
+                <a:buFont typeface="Franklin Gothic Book" panose="020B0503020102020204" pitchFamily="34" charset="0"/>
+                <a:buNone/>
+                <a:defRPr sz="3000" b="0" kern="1200" baseline="0">
+                  <a:solidFill>
+                    <a:schemeClr val="tx2"/>
+                  </a:solidFill>
+                  <a:latin typeface="+mn-lt"/>
+                  <a:ea typeface="+mn-ea"/>
+                  <a:cs typeface="+mn-cs"/>
+                </a:defRPr>
+              </a:lvl1pPr>
+              <a:lvl2pPr marL="457200" indent="0" algn="l" defTabSz="914400" rtl="0" eaLnBrk="1" latinLnBrk="0" hangingPunct="1">
+                <a:lnSpc>
+                  <a:spcPct val="94000"/>
+                </a:lnSpc>
+                <a:spcBef>
+                  <a:spcPts val="500"/>
+                </a:spcBef>
+                <a:spcAft>
+                  <a:spcPts val="200"/>
+                </a:spcAft>
+                <a:buFont typeface="Franklin Gothic Book" panose="020B0503020102020204" pitchFamily="34" charset="0"/>
+                <a:buNone/>
+                <a:defRPr sz="2000" b="1" i="1" kern="1200" baseline="0">
+                  <a:solidFill>
+                    <a:schemeClr val="tx2"/>
+                  </a:solidFill>
+                  <a:latin typeface="+mn-lt"/>
+                  <a:ea typeface="+mn-ea"/>
+                  <a:cs typeface="+mn-cs"/>
+                </a:defRPr>
+              </a:lvl2pPr>
+              <a:lvl3pPr marL="914400" indent="0" algn="l" defTabSz="914400" rtl="0" eaLnBrk="1" latinLnBrk="0" hangingPunct="1">
+                <a:lnSpc>
+                  <a:spcPct val="94000"/>
+                </a:lnSpc>
+                <a:spcBef>
+                  <a:spcPts val="500"/>
+                </a:spcBef>
+                <a:spcAft>
+                  <a:spcPts val="200"/>
+                </a:spcAft>
+                <a:buFont typeface="Franklin Gothic Book" panose="020B0503020102020204" pitchFamily="34" charset="0"/>
+                <a:buNone/>
+                <a:defRPr sz="1800" b="1" kern="1200" baseline="0">
+                  <a:solidFill>
+                    <a:schemeClr val="tx2"/>
+                  </a:solidFill>
+                  <a:latin typeface="+mn-lt"/>
+                  <a:ea typeface="+mn-ea"/>
+                  <a:cs typeface="+mn-cs"/>
+                </a:defRPr>
+              </a:lvl3pPr>
+              <a:lvl4pPr marL="1371600" indent="0" algn="l" defTabSz="914400" rtl="0" eaLnBrk="1" latinLnBrk="0" hangingPunct="1">
+                <a:lnSpc>
+                  <a:spcPct val="94000"/>
+                </a:lnSpc>
+                <a:spcBef>
+                  <a:spcPts val="500"/>
+                </a:spcBef>
+                <a:spcAft>
+                  <a:spcPts val="200"/>
+                </a:spcAft>
+                <a:buFont typeface="Franklin Gothic Book" panose="020B0503020102020204" pitchFamily="34" charset="0"/>
+                <a:buNone/>
+                <a:defRPr sz="1600" b="1" i="1" kern="1200" baseline="0">
+                  <a:solidFill>
+                    <a:schemeClr val="tx2"/>
+                  </a:solidFill>
+                  <a:latin typeface="+mn-lt"/>
+                  <a:ea typeface="+mn-ea"/>
+                  <a:cs typeface="+mn-cs"/>
+                </a:defRPr>
+              </a:lvl4pPr>
+              <a:lvl5pPr marL="1828800" indent="0" algn="l" defTabSz="914400" rtl="0" eaLnBrk="1" latinLnBrk="0" hangingPunct="1">
+                <a:lnSpc>
+                  <a:spcPct val="94000"/>
+                </a:lnSpc>
+                <a:spcBef>
+                  <a:spcPts val="500"/>
+                </a:spcBef>
+                <a:spcAft>
+                  <a:spcPts val="200"/>
+                </a:spcAft>
+                <a:buFont typeface="Franklin Gothic Book" panose="020B0503020102020204" pitchFamily="34" charset="0"/>
+                <a:buNone/>
+                <a:defRPr sz="1600" b="1" kern="1200" baseline="0">
+                  <a:solidFill>
+                    <a:schemeClr val="tx2"/>
+                  </a:solidFill>
+                  <a:latin typeface="+mn-lt"/>
+                  <a:ea typeface="+mn-ea"/>
+                  <a:cs typeface="+mn-cs"/>
+                </a:defRPr>
+              </a:lvl5pPr>
+              <a:lvl6pPr marL="2286000" indent="0" algn="l" defTabSz="914400" rtl="0" eaLnBrk="1" latinLnBrk="0" hangingPunct="1">
+                <a:lnSpc>
+                  <a:spcPct val="94000"/>
+                </a:lnSpc>
+                <a:spcBef>
+                  <a:spcPts val="500"/>
+                </a:spcBef>
+                <a:spcAft>
+                  <a:spcPts val="200"/>
+                </a:spcAft>
+                <a:buFont typeface="Franklin Gothic Book" panose="020B0503020102020204" pitchFamily="34" charset="0"/>
+                <a:buNone/>
+                <a:defRPr sz="1600" b="1" i="1" kern="1200" baseline="0">
+                  <a:solidFill>
+                    <a:schemeClr val="tx2"/>
+                  </a:solidFill>
+                  <a:latin typeface="+mn-lt"/>
+                  <a:ea typeface="+mn-ea"/>
+                  <a:cs typeface="+mn-cs"/>
+                </a:defRPr>
+              </a:lvl6pPr>
+              <a:lvl7pPr marL="2743200" indent="0" algn="l" defTabSz="914400" rtl="0" eaLnBrk="1" latinLnBrk="0" hangingPunct="1">
+                <a:lnSpc>
+                  <a:spcPct val="94000"/>
+                </a:lnSpc>
+                <a:spcBef>
+                  <a:spcPts val="500"/>
+                </a:spcBef>
+                <a:spcAft>
+                  <a:spcPts val="200"/>
+                </a:spcAft>
+                <a:buFont typeface="Franklin Gothic Book" panose="020B0503020102020204" pitchFamily="34" charset="0"/>
+                <a:buNone/>
+                <a:defRPr sz="1600" b="1" kern="1200" baseline="0">
+                  <a:solidFill>
+                    <a:schemeClr val="tx2"/>
+                  </a:solidFill>
+                  <a:latin typeface="+mn-lt"/>
+                  <a:ea typeface="+mn-ea"/>
+                  <a:cs typeface="+mn-cs"/>
+                </a:defRPr>
+              </a:lvl7pPr>
+              <a:lvl8pPr marL="3200400" indent="0" algn="l" defTabSz="914400" rtl="0" eaLnBrk="1" latinLnBrk="0" hangingPunct="1">
+                <a:lnSpc>
+                  <a:spcPct val="94000"/>
+                </a:lnSpc>
+                <a:spcBef>
+                  <a:spcPts val="500"/>
+                </a:spcBef>
+                <a:spcAft>
+                  <a:spcPts val="200"/>
+                </a:spcAft>
+                <a:buFont typeface="Franklin Gothic Book" panose="020B0503020102020204" pitchFamily="34" charset="0"/>
+                <a:buNone/>
+                <a:defRPr sz="1600" b="1" i="1" kern="1200" baseline="0">
+                  <a:solidFill>
+                    <a:schemeClr val="tx2"/>
+                  </a:solidFill>
+                  <a:latin typeface="+mn-lt"/>
+                  <a:ea typeface="+mn-ea"/>
+                  <a:cs typeface="+mn-cs"/>
+                </a:defRPr>
+              </a:lvl8pPr>
+              <a:lvl9pPr marL="3657600" indent="0" algn="l" defTabSz="914400" rtl="0" eaLnBrk="1" latinLnBrk="0" hangingPunct="1">
+                <a:lnSpc>
+                  <a:spcPct val="94000"/>
+                </a:lnSpc>
+                <a:spcBef>
+                  <a:spcPts val="500"/>
+                </a:spcBef>
+                <a:spcAft>
+                  <a:spcPts val="200"/>
+                </a:spcAft>
+                <a:buFont typeface="Franklin Gothic Book" panose="020B0503020102020204" pitchFamily="34" charset="0"/>
+                <a:buNone/>
+                <a:defRPr sz="1600" b="1" kern="1200" baseline="0">
+                  <a:solidFill>
+                    <a:schemeClr val="tx2"/>
+                  </a:solidFill>
+                  <a:latin typeface="+mn-lt"/>
+                  <a:ea typeface="+mn-ea"/>
+                  <a:cs typeface="+mn-cs"/>
+                </a:defRPr>
+              </a:lvl9pPr>
+            </a:lstStyle>
+            <a:p>
+              <a:pPr algn="ctr"/>
+              <a:r>
+                <a:rPr lang="it-IT" b="1" dirty="0">
+                  <a:solidFill>
+                    <a:srgbClr val="CC0809"/>
+                  </a:solidFill>
+                </a:rPr>
+                <a:t>CONTRO</a:t>
+              </a:r>
+            </a:p>
+          </p:txBody>
+        </p:sp>
+      </p:grpSp>
+    </p:spTree>
+    <p:extLst>
+      <p:ext uri="{BB962C8B-B14F-4D97-AF65-F5344CB8AC3E}">
+        <p14:creationId xmlns:p14="http://schemas.microsoft.com/office/powerpoint/2010/main" val="1500940750"/>
+      </p:ext>
+    </p:extLst>
+  </p:cSld>
+  <p:clrMapOvr>
+    <a:masterClrMapping/>
+  </p:clrMapOvr>
+</p:sld>
+</file>
+
 <file path=ppt/slides/slide2.xml><?xml version="1.0" encoding="utf-8"?>
 <p:sld xmlns:a="http://schemas.openxmlformats.org/drawingml/2006/main" xmlns:r="http://schemas.openxmlformats.org/officeDocument/2006/relationships" xmlns:p="http://schemas.openxmlformats.org/presentationml/2006/main">
   <p:cSld>
@@ -4014,6 +6022,14 @@
 <file path=ppt/slides/slide3.xml><?xml version="1.0" encoding="utf-8"?>
 <p:sld xmlns:a="http://schemas.openxmlformats.org/drawingml/2006/main" xmlns:r="http://schemas.openxmlformats.org/officeDocument/2006/relationships" xmlns:p="http://schemas.openxmlformats.org/presentationml/2006/main">
   <p:cSld>
+    <p:bg>
+      <p:bgPr>
+        <a:solidFill>
+          <a:schemeClr val="bg2"/>
+        </a:solidFill>
+        <a:effectLst/>
+      </p:bgPr>
+    </p:bg>
     <p:spTree>
       <p:nvGrpSpPr>
         <p:cNvPr id="1" name=""/>
@@ -4028,6 +6044,66 @@
           <a:chExt cx="0" cy="0"/>
         </a:xfrm>
       </p:grpSpPr>
+      <p:sp useBgFill="1">
+        <p:nvSpPr>
+          <p:cNvPr id="21" name="Rectangle 20">
+            <a:extLst>
+              <a:ext uri="{FF2B5EF4-FFF2-40B4-BE49-F238E27FC236}">
+                <a16:creationId xmlns:a16="http://schemas.microsoft.com/office/drawing/2014/main" id="{1D868099-6145-4BC0-A5EA-74BEF1776BA9}"/>
+              </a:ext>
+              <a:ext uri="{C183D7F6-B498-43B3-948B-1728B52AA6E4}">
+                <adec:decorative xmlns:adec="http://schemas.microsoft.com/office/drawing/2017/decorative" val="1"/>
+              </a:ext>
+            </a:extLst>
+          </p:cNvPr>
+          <p:cNvSpPr>
+            <a:spLocks noGrp="1" noRot="1" noChangeAspect="1" noMove="1" noResize="1" noEditPoints="1" noAdjustHandles="1" noChangeArrowheads="1" noChangeShapeType="1" noTextEdit="1"/>
+          </p:cNvSpPr>
+          <p:nvPr>
+            <p:extLst>
+              <p:ext uri="{386F3935-93C4-4BCD-93E2-E3B085C9AB24}">
+                <p16:designElem xmlns:p16="http://schemas.microsoft.com/office/powerpoint/2015/main" val="1"/>
+              </p:ext>
+            </p:extLst>
+          </p:nvPr>
+        </p:nvSpPr>
+        <p:spPr>
+          <a:xfrm>
+            <a:off x="0" y="0"/>
+            <a:ext cx="12192000" cy="6858000"/>
+          </a:xfrm>
+          <a:prstGeom prst="rect">
+            <a:avLst/>
+          </a:prstGeom>
+          <a:ln>
+            <a:noFill/>
+          </a:ln>
+        </p:spPr>
+        <p:style>
+          <a:lnRef idx="2">
+            <a:schemeClr val="accent1">
+              <a:shade val="50000"/>
+            </a:schemeClr>
+          </a:lnRef>
+          <a:fillRef idx="1">
+            <a:schemeClr val="accent1"/>
+          </a:fillRef>
+          <a:effectRef idx="0">
+            <a:schemeClr val="accent1"/>
+          </a:effectRef>
+          <a:fontRef idx="minor">
+            <a:schemeClr val="lt1"/>
+          </a:fontRef>
+        </p:style>
+        <p:txBody>
+          <a:bodyPr rtlCol="0" anchor="ctr"/>
+          <a:lstStyle/>
+          <a:p>
+            <a:pPr algn="ctr"/>
+            <a:endParaRPr lang="en-US"/>
+          </a:p>
+        </p:txBody>
+      </p:sp>
       <p:sp>
         <p:nvSpPr>
           <p:cNvPr id="2" name="Titolo 1">
@@ -4044,18 +6120,61 @@
             <p:ph type="title"/>
           </p:nvPr>
         </p:nvSpPr>
-        <p:spPr/>
-        <p:txBody>
-          <a:bodyPr/>
+        <p:spPr>
+          <a:xfrm>
+            <a:off x="8471424" y="1110882"/>
+            <a:ext cx="3053039" cy="1060817"/>
+          </a:xfrm>
+        </p:spPr>
+        <p:txBody>
+          <a:bodyPr anchor="b">
+            <a:normAutofit/>
+          </a:bodyPr>
           <a:lstStyle/>
           <a:p>
             <a:r>
-              <a:rPr lang="it-IT" dirty="0"/>
+              <a:rPr lang="it-IT" sz="2800"/>
               <a:t>Un lavoro noioso e ripetitivo</a:t>
             </a:r>
           </a:p>
         </p:txBody>
       </p:sp>
+      <p:pic>
+        <p:nvPicPr>
+          <p:cNvPr id="16" name="Immagine 15" descr="Immagine che contiene persona, vestiti, interno, Viso umano&#10;&#10;Descrizione generata automaticamente">
+            <a:extLst>
+              <a:ext uri="{FF2B5EF4-FFF2-40B4-BE49-F238E27FC236}">
+                <a16:creationId xmlns:a16="http://schemas.microsoft.com/office/drawing/2014/main" id="{FFF56CE2-9B8E-67B6-3440-77A776C97E2D}"/>
+              </a:ext>
+            </a:extLst>
+          </p:cNvPr>
+          <p:cNvPicPr>
+            <a:picLocks noChangeAspect="1"/>
+          </p:cNvPicPr>
+          <p:nvPr/>
+        </p:nvPicPr>
+        <p:blipFill>
+          <a:blip r:embed="rId2">
+            <a:extLst>
+              <a:ext uri="{28A0092B-C50C-407E-A947-70E740481C1C}">
+                <a14:useLocalDpi xmlns:a14="http://schemas.microsoft.com/office/drawing/2010/main" val="0"/>
+              </a:ext>
+            </a:extLst>
+          </a:blip>
+          <a:stretch>
+            <a:fillRect/>
+          </a:stretch>
+        </p:blipFill>
+        <p:spPr>
+          <a:xfrm>
+            <a:off x="828926" y="1303999"/>
+            <a:ext cx="6413639" cy="4250001"/>
+          </a:xfrm>
+          <a:prstGeom prst="rect">
+            <a:avLst/>
+          </a:prstGeom>
+        </p:spPr>
+      </p:pic>
       <p:sp>
         <p:nvSpPr>
           <p:cNvPr id="3" name="Segnaposto contenuto 2">
@@ -4072,12 +6191,162 @@
             <p:ph idx="1"/>
           </p:nvPr>
         </p:nvSpPr>
-        <p:spPr/>
+        <p:spPr>
+          <a:xfrm>
+            <a:off x="8358879" y="2229728"/>
+            <a:ext cx="3612725" cy="4185138"/>
+          </a:xfrm>
+        </p:spPr>
+        <p:txBody>
+          <a:bodyPr>
+            <a:noAutofit/>
+          </a:bodyPr>
+          <a:lstStyle/>
+          <a:p>
+            <a:r>
+              <a:rPr lang="it-IT" dirty="0"/>
+              <a:t>Nel nostro team spesso dobbiamo </a:t>
+            </a:r>
+            <a:r>
+              <a:rPr lang="it-IT" b="1" dirty="0"/>
+              <a:t>scrivere codice Java</a:t>
+            </a:r>
+            <a:r>
+              <a:rPr lang="it-IT" dirty="0"/>
+              <a:t> che implementa </a:t>
+            </a:r>
+            <a:r>
+              <a:rPr lang="it-IT" b="1" dirty="0"/>
+              <a:t>richieste http</a:t>
+            </a:r>
+            <a:r>
+              <a:rPr lang="it-IT" dirty="0"/>
+              <a:t>… </a:t>
+            </a:r>
+          </a:p>
+          <a:p>
+            <a:r>
+              <a:rPr lang="it-IT" dirty="0"/>
+              <a:t>…è un lavoro molto </a:t>
+            </a:r>
+            <a:r>
+              <a:rPr lang="it-IT" b="1" dirty="0"/>
+              <a:t>noioso e ripetitivo</a:t>
+            </a:r>
+            <a:r>
+              <a:rPr lang="it-IT" dirty="0"/>
+              <a:t>…</a:t>
+            </a:r>
+          </a:p>
+          <a:p>
+            <a:r>
+              <a:rPr lang="it-IT" dirty="0"/>
+              <a:t>…e quindi suscettibile ad </a:t>
+            </a:r>
+            <a:r>
+              <a:rPr lang="it-IT" b="1" dirty="0"/>
+              <a:t>errori di distrazione</a:t>
+            </a:r>
+            <a:r>
+              <a:rPr lang="it-IT" dirty="0"/>
+              <a:t> difficili da identificare in quanto non segnalati…</a:t>
+            </a:r>
+          </a:p>
+          <a:p>
+            <a:r>
+              <a:rPr lang="it-IT" dirty="0"/>
+              <a:t>…</a:t>
+            </a:r>
+            <a:r>
+              <a:rPr lang="it-IT" b="1" dirty="0"/>
+              <a:t>UNA GRAN PERDITA DI TEMPO</a:t>
+            </a:r>
+            <a:r>
+              <a:rPr lang="it-IT" dirty="0"/>
+              <a:t>!</a:t>
+            </a:r>
+          </a:p>
+        </p:txBody>
+      </p:sp>
+      <p:sp>
+        <p:nvSpPr>
+          <p:cNvPr id="23" name="Freeform 6">
+            <a:extLst>
+              <a:ext uri="{FF2B5EF4-FFF2-40B4-BE49-F238E27FC236}">
+                <a16:creationId xmlns:a16="http://schemas.microsoft.com/office/drawing/2014/main" id="{CC1026F7-DECB-49B4-A565-518BBA445471}"/>
+              </a:ext>
+              <a:ext uri="{C183D7F6-B498-43B3-948B-1728B52AA6E4}">
+                <adec:decorative xmlns:adec="http://schemas.microsoft.com/office/drawing/2017/decorative" val="1"/>
+              </a:ext>
+            </a:extLst>
+          </p:cNvPr>
+          <p:cNvSpPr>
+            <a:spLocks noGrp="1" noRot="1" noChangeAspect="1" noMove="1" noResize="1" noEditPoints="1" noAdjustHandles="1" noChangeArrowheads="1" noChangeShapeType="1" noTextEdit="1"/>
+          </p:cNvSpPr>
+          <p:nvPr>
+            <p:extLst>
+              <p:ext uri="{386F3935-93C4-4BCD-93E2-E3B085C9AB24}">
+                <p16:designElem xmlns:p16="http://schemas.microsoft.com/office/powerpoint/2015/main" val="1"/>
+              </p:ext>
+            </p:extLst>
+          </p:nvPr>
+        </p:nvSpPr>
+        <p:spPr bwMode="auto">
+          <a:xfrm flipH="1" flipV="1">
+            <a:off x="7983434" y="640080"/>
+            <a:ext cx="2296028" cy="3674981"/>
+          </a:xfrm>
+          <a:custGeom>
+            <a:avLst/>
+            <a:gdLst/>
+            <a:ahLst/>
+            <a:cxnLst/>
+            <a:rect l="l" t="t" r="r" b="b"/>
+            <a:pathLst>
+              <a:path w="10002" h="10000">
+                <a:moveTo>
+                  <a:pt x="8763" y="0"/>
+                </a:moveTo>
+                <a:lnTo>
+                  <a:pt x="10002" y="0"/>
+                </a:lnTo>
+                <a:lnTo>
+                  <a:pt x="10002" y="10000"/>
+                </a:lnTo>
+                <a:lnTo>
+                  <a:pt x="2" y="10000"/>
+                </a:lnTo>
+                <a:cubicBezTo>
+                  <a:pt x="-2" y="9698"/>
+                  <a:pt x="4" y="9427"/>
+                  <a:pt x="0" y="9125"/>
+                </a:cubicBezTo>
+                <a:lnTo>
+                  <a:pt x="8763" y="9128"/>
+                </a:lnTo>
+                <a:lnTo>
+                  <a:pt x="8763" y="0"/>
+                </a:lnTo>
+                <a:close/>
+              </a:path>
+            </a:pathLst>
+          </a:custGeom>
+          <a:solidFill>
+            <a:schemeClr val="tx2"/>
+          </a:solidFill>
+          <a:ln w="0">
+            <a:noFill/>
+            <a:prstDash val="solid"/>
+            <a:round/>
+            <a:headEnd/>
+            <a:tailEnd/>
+          </a:ln>
+        </p:spPr>
         <p:txBody>
           <a:bodyPr/>
           <a:lstStyle/>
           <a:p>
-            <a:endParaRPr lang="it-IT" dirty="0"/>
+            <a:endParaRPr lang="it-IT"/>
           </a:p>
         </p:txBody>
       </p:sp>
@@ -4113,10 +6382,10 @@
       </p:grpSpPr>
       <p:sp>
         <p:nvSpPr>
-          <p:cNvPr id="2" name="Titolo 1">
+          <p:cNvPr id="53" name="Titolo 1">
             <a:extLst>
               <a:ext uri="{FF2B5EF4-FFF2-40B4-BE49-F238E27FC236}">
-                <a16:creationId xmlns:a16="http://schemas.microsoft.com/office/drawing/2014/main" id="{D8B717E1-03E7-82F9-F042-6465C2595E96}"/>
+                <a16:creationId xmlns:a16="http://schemas.microsoft.com/office/drawing/2014/main" id="{21726FFC-40D0-8C5F-D475-E2F98F629DB2}"/>
               </a:ext>
             </a:extLst>
           </p:cNvPr>
@@ -4127,22 +6396,763 @@
             <p:ph type="title"/>
           </p:nvPr>
         </p:nvSpPr>
-        <p:spPr/>
+        <p:spPr>
+          <a:xfrm>
+            <a:off x="1371600" y="685800"/>
+            <a:ext cx="9601200" cy="1485900"/>
+          </a:xfrm>
+        </p:spPr>
         <p:txBody>
           <a:bodyPr/>
           <a:lstStyle/>
           <a:p>
             <a:r>
-              <a:rPr lang="it-IT" dirty="0"/>
-              <a:t>La soluzione</a:t>
-            </a:r>
-          </a:p>
-        </p:txBody>
-      </p:sp>
+              <a:rPr lang="it-IT"/>
+              <a:t>Una richiesta http «corretta»</a:t>
+            </a:r>
+            <a:endParaRPr lang="it-IT" dirty="0"/>
+          </a:p>
+        </p:txBody>
+      </p:sp>
+      <p:grpSp>
+        <p:nvGrpSpPr>
+          <p:cNvPr id="71" name="Gruppo 70">
+            <a:extLst>
+              <a:ext uri="{FF2B5EF4-FFF2-40B4-BE49-F238E27FC236}">
+                <a16:creationId xmlns:a16="http://schemas.microsoft.com/office/drawing/2014/main" id="{876F47DD-0A44-2E24-637D-14E888687633}"/>
+              </a:ext>
+            </a:extLst>
+          </p:cNvPr>
+          <p:cNvGrpSpPr/>
+          <p:nvPr/>
+        </p:nvGrpSpPr>
+        <p:grpSpPr>
+          <a:xfrm>
+            <a:off x="1010018" y="1462528"/>
+            <a:ext cx="10171964" cy="4709672"/>
+            <a:chOff x="1010018" y="1462528"/>
+            <a:chExt cx="10171964" cy="4709672"/>
+          </a:xfrm>
+        </p:grpSpPr>
+        <p:grpSp>
+          <p:nvGrpSpPr>
+            <p:cNvPr id="59" name="Gruppo 58">
+              <a:extLst>
+                <a:ext uri="{FF2B5EF4-FFF2-40B4-BE49-F238E27FC236}">
+                  <a16:creationId xmlns:a16="http://schemas.microsoft.com/office/drawing/2014/main" id="{79494729-D5FD-EDE6-0E54-9C8D23F87543}"/>
+                </a:ext>
+              </a:extLst>
+            </p:cNvPr>
+            <p:cNvGrpSpPr/>
+            <p:nvPr/>
+          </p:nvGrpSpPr>
+          <p:grpSpPr>
+            <a:xfrm>
+              <a:off x="1010018" y="1462528"/>
+              <a:ext cx="10171964" cy="4709672"/>
+              <a:chOff x="1352379" y="1688841"/>
+              <a:chExt cx="10171964" cy="4709672"/>
+            </a:xfrm>
+          </p:grpSpPr>
+          <p:grpSp>
+            <p:nvGrpSpPr>
+              <p:cNvPr id="54" name="Gruppo 53">
+                <a:extLst>
+                  <a:ext uri="{FF2B5EF4-FFF2-40B4-BE49-F238E27FC236}">
+                    <a16:creationId xmlns:a16="http://schemas.microsoft.com/office/drawing/2014/main" id="{9D9477F1-F53B-1065-5AB9-98B69207A7C1}"/>
+                  </a:ext>
+                </a:extLst>
+              </p:cNvPr>
+              <p:cNvGrpSpPr/>
+              <p:nvPr/>
+            </p:nvGrpSpPr>
+            <p:grpSpPr>
+              <a:xfrm>
+                <a:off x="1352379" y="2160814"/>
+                <a:ext cx="9487241" cy="3796159"/>
+                <a:chOff x="745556" y="1182241"/>
+                <a:chExt cx="9487241" cy="3796159"/>
+              </a:xfrm>
+            </p:grpSpPr>
+            <p:pic>
+              <p:nvPicPr>
+                <p:cNvPr id="46" name="Immagine 45" descr="Immagine che contiene testo, schermata, Carattere&#10;&#10;Descrizione generata automaticamente">
+                  <a:extLst>
+                    <a:ext uri="{FF2B5EF4-FFF2-40B4-BE49-F238E27FC236}">
+                      <a16:creationId xmlns:a16="http://schemas.microsoft.com/office/drawing/2014/main" id="{DE1668F6-60E9-413B-B69B-EF24394F7900}"/>
+                    </a:ext>
+                  </a:extLst>
+                </p:cNvPr>
+                <p:cNvPicPr>
+                  <a:picLocks noChangeAspect="1"/>
+                </p:cNvPicPr>
+                <p:nvPr/>
+              </p:nvPicPr>
+              <p:blipFill>
+                <a:blip r:embed="rId3">
+                  <a:extLst>
+                    <a:ext uri="{BEBA8EAE-BF5A-486C-A8C5-ECC9F3942E4B}">
+                      <a14:imgProps xmlns:a14="http://schemas.microsoft.com/office/drawing/2010/main">
+                        <a14:imgLayer r:embed="rId4">
+                          <a14:imgEffect>
+                            <a14:sharpenSoften amount="25000"/>
+                          </a14:imgEffect>
+                          <a14:imgEffect>
+                            <a14:brightnessContrast contrast="40000"/>
+                          </a14:imgEffect>
+                        </a14:imgLayer>
+                      </a14:imgProps>
+                    </a:ext>
+                    <a:ext uri="{28A0092B-C50C-407E-A947-70E740481C1C}">
+                      <a14:useLocalDpi xmlns:a14="http://schemas.microsoft.com/office/drawing/2010/main" val="0"/>
+                    </a:ext>
+                  </a:extLst>
+                </a:blip>
+                <a:stretch>
+                  <a:fillRect/>
+                </a:stretch>
+              </p:blipFill>
+              <p:spPr>
+                <a:xfrm>
+                  <a:off x="745556" y="1745812"/>
+                  <a:ext cx="9487241" cy="2920292"/>
+                </a:xfrm>
+                <a:prstGeom prst="rect">
+                  <a:avLst/>
+                </a:prstGeom>
+              </p:spPr>
+            </p:pic>
+            <p:cxnSp>
+              <p:nvCxnSpPr>
+                <p:cNvPr id="8" name="Connettore a gomito 7">
+                  <a:extLst>
+                    <a:ext uri="{FF2B5EF4-FFF2-40B4-BE49-F238E27FC236}">
+                      <a16:creationId xmlns:a16="http://schemas.microsoft.com/office/drawing/2014/main" id="{F5D0A5CF-3965-CBA2-98A9-B03448CECD94}"/>
+                    </a:ext>
+                  </a:extLst>
+                </p:cNvPr>
+                <p:cNvCxnSpPr>
+                  <a:cxnSpLocks/>
+                </p:cNvCxnSpPr>
+                <p:nvPr/>
+              </p:nvCxnSpPr>
+              <p:spPr>
+                <a:xfrm flipV="1">
+                  <a:off x="6304646" y="1182241"/>
+                  <a:ext cx="1794325" cy="1466981"/>
+                </a:xfrm>
+                <a:prstGeom prst="bentConnector3">
+                  <a:avLst>
+                    <a:gd name="adj1" fmla="val 76694"/>
+                  </a:avLst>
+                </a:prstGeom>
+                <a:ln>
+                  <a:solidFill>
+                    <a:srgbClr val="FF0000"/>
+                  </a:solidFill>
+                  <a:tailEnd type="triangle"/>
+                </a:ln>
+              </p:spPr>
+              <p:style>
+                <a:lnRef idx="2">
+                  <a:schemeClr val="accent6"/>
+                </a:lnRef>
+                <a:fillRef idx="0">
+                  <a:schemeClr val="accent6"/>
+                </a:fillRef>
+                <a:effectRef idx="1">
+                  <a:schemeClr val="accent6"/>
+                </a:effectRef>
+                <a:fontRef idx="minor">
+                  <a:schemeClr val="tx1"/>
+                </a:fontRef>
+              </p:style>
+            </p:cxnSp>
+            <p:grpSp>
+              <p:nvGrpSpPr>
+                <p:cNvPr id="34" name="Gruppo 33">
+                  <a:extLst>
+                    <a:ext uri="{FF2B5EF4-FFF2-40B4-BE49-F238E27FC236}">
+                      <a16:creationId xmlns:a16="http://schemas.microsoft.com/office/drawing/2014/main" id="{F9769597-C8F7-41FC-C379-E43A8C721D50}"/>
+                    </a:ext>
+                  </a:extLst>
+                </p:cNvPr>
+                <p:cNvGrpSpPr/>
+                <p:nvPr/>
+              </p:nvGrpSpPr>
+              <p:grpSpPr>
+                <a:xfrm>
+                  <a:off x="6451033" y="3178629"/>
+                  <a:ext cx="1393171" cy="486115"/>
+                  <a:chOff x="5826919" y="3267075"/>
+                  <a:chExt cx="1393171" cy="397669"/>
+                </a:xfrm>
+              </p:grpSpPr>
+              <p:sp>
+                <p:nvSpPr>
+                  <p:cNvPr id="18" name="Parentesi quadra chiusa 17">
+                    <a:extLst>
+                      <a:ext uri="{FF2B5EF4-FFF2-40B4-BE49-F238E27FC236}">
+                        <a16:creationId xmlns:a16="http://schemas.microsoft.com/office/drawing/2014/main" id="{2F895913-F751-05DB-9958-576576C74FC1}"/>
+                      </a:ext>
+                    </a:extLst>
+                  </p:cNvPr>
+                  <p:cNvSpPr/>
+                  <p:nvPr/>
+                </p:nvSpPr>
+                <p:spPr>
+                  <a:xfrm>
+                    <a:off x="5826919" y="3267075"/>
+                    <a:ext cx="100012" cy="397669"/>
+                  </a:xfrm>
+                  <a:prstGeom prst="rightBracket">
+                    <a:avLst/>
+                  </a:prstGeom>
+                  <a:ln>
+                    <a:solidFill>
+                      <a:srgbClr val="FF0000"/>
+                    </a:solidFill>
+                  </a:ln>
+                </p:spPr>
+                <p:style>
+                  <a:lnRef idx="2">
+                    <a:schemeClr val="accent6"/>
+                  </a:lnRef>
+                  <a:fillRef idx="0">
+                    <a:schemeClr val="accent6"/>
+                  </a:fillRef>
+                  <a:effectRef idx="1">
+                    <a:schemeClr val="accent6"/>
+                  </a:effectRef>
+                  <a:fontRef idx="minor">
+                    <a:schemeClr val="tx1"/>
+                  </a:fontRef>
+                </p:style>
+                <p:txBody>
+                  <a:bodyPr rtlCol="0" anchor="ctr"/>
+                  <a:lstStyle/>
+                  <a:p>
+                    <a:pPr algn="ctr"/>
+                    <a:endParaRPr lang="it-IT"/>
+                  </a:p>
+                </p:txBody>
+              </p:sp>
+              <p:cxnSp>
+                <p:nvCxnSpPr>
+                  <p:cNvPr id="32" name="Connettore 2 31">
+                    <a:extLst>
+                      <a:ext uri="{FF2B5EF4-FFF2-40B4-BE49-F238E27FC236}">
+                        <a16:creationId xmlns:a16="http://schemas.microsoft.com/office/drawing/2014/main" id="{527E444B-0C40-4ABB-87C0-D3DBD37E8F6A}"/>
+                      </a:ext>
+                    </a:extLst>
+                  </p:cNvPr>
+                  <p:cNvCxnSpPr>
+                    <a:cxnSpLocks/>
+                  </p:cNvCxnSpPr>
+                  <p:nvPr/>
+                </p:nvCxnSpPr>
+                <p:spPr>
+                  <a:xfrm>
+                    <a:off x="5919311" y="3450670"/>
+                    <a:ext cx="1300779" cy="0"/>
+                  </a:xfrm>
+                  <a:prstGeom prst="straightConnector1">
+                    <a:avLst/>
+                  </a:prstGeom>
+                  <a:ln>
+                    <a:solidFill>
+                      <a:srgbClr val="FF0000"/>
+                    </a:solidFill>
+                    <a:tailEnd type="triangle"/>
+                  </a:ln>
+                </p:spPr>
+                <p:style>
+                  <a:lnRef idx="2">
+                    <a:schemeClr val="accent6"/>
+                  </a:lnRef>
+                  <a:fillRef idx="0">
+                    <a:schemeClr val="accent6"/>
+                  </a:fillRef>
+                  <a:effectRef idx="1">
+                    <a:schemeClr val="accent6"/>
+                  </a:effectRef>
+                  <a:fontRef idx="minor">
+                    <a:schemeClr val="tx1"/>
+                  </a:fontRef>
+                </p:style>
+              </p:cxnSp>
+            </p:grpSp>
+            <p:sp>
+              <p:nvSpPr>
+                <p:cNvPr id="33" name="Ovale 32">
+                  <a:extLst>
+                    <a:ext uri="{FF2B5EF4-FFF2-40B4-BE49-F238E27FC236}">
+                      <a16:creationId xmlns:a16="http://schemas.microsoft.com/office/drawing/2014/main" id="{3435919B-256B-133C-D9E7-A9E73B2C78BC}"/>
+                    </a:ext>
+                  </a:extLst>
+                </p:cNvPr>
+                <p:cNvSpPr/>
+                <p:nvPr/>
+              </p:nvSpPr>
+              <p:spPr>
+                <a:xfrm>
+                  <a:off x="2554287" y="3652044"/>
+                  <a:ext cx="1117600" cy="272256"/>
+                </a:xfrm>
+                <a:prstGeom prst="ellipse">
+                  <a:avLst/>
+                </a:prstGeom>
+                <a:noFill/>
+                <a:ln>
+                  <a:solidFill>
+                    <a:srgbClr val="FF0000"/>
+                  </a:solidFill>
+                </a:ln>
+              </p:spPr>
+              <p:style>
+                <a:lnRef idx="2">
+                  <a:schemeClr val="accent1">
+                    <a:shade val="15000"/>
+                  </a:schemeClr>
+                </a:lnRef>
+                <a:fillRef idx="1">
+                  <a:schemeClr val="accent1"/>
+                </a:fillRef>
+                <a:effectRef idx="0">
+                  <a:schemeClr val="accent1"/>
+                </a:effectRef>
+                <a:fontRef idx="minor">
+                  <a:schemeClr val="lt1"/>
+                </a:fontRef>
+              </p:style>
+              <p:txBody>
+                <a:bodyPr rtlCol="0" anchor="ctr"/>
+                <a:lstStyle/>
+                <a:p>
+                  <a:pPr algn="ctr"/>
+                  <a:endParaRPr lang="it-IT"/>
+                </a:p>
+              </p:txBody>
+            </p:sp>
+            <p:grpSp>
+              <p:nvGrpSpPr>
+                <p:cNvPr id="42" name="Gruppo 41">
+                  <a:extLst>
+                    <a:ext uri="{FF2B5EF4-FFF2-40B4-BE49-F238E27FC236}">
+                      <a16:creationId xmlns:a16="http://schemas.microsoft.com/office/drawing/2014/main" id="{35D36144-FC4F-4D7A-A68E-8842FE072232}"/>
+                    </a:ext>
+                  </a:extLst>
+                </p:cNvPr>
+                <p:cNvGrpSpPr/>
+                <p:nvPr/>
+              </p:nvGrpSpPr>
+              <p:grpSpPr>
+                <a:xfrm>
+                  <a:off x="4381499" y="4114800"/>
+                  <a:ext cx="2053431" cy="863600"/>
+                  <a:chOff x="3873500" y="4114800"/>
+                  <a:chExt cx="2053431" cy="863600"/>
+                </a:xfrm>
+              </p:grpSpPr>
+              <p:cxnSp>
+                <p:nvCxnSpPr>
+                  <p:cNvPr id="36" name="Connettore diritto 35">
+                    <a:extLst>
+                      <a:ext uri="{FF2B5EF4-FFF2-40B4-BE49-F238E27FC236}">
+                        <a16:creationId xmlns:a16="http://schemas.microsoft.com/office/drawing/2014/main" id="{8A5D39A9-0BEF-BDC4-73ED-AB0D8A7283A6}"/>
+                      </a:ext>
+                    </a:extLst>
+                  </p:cNvPr>
+                  <p:cNvCxnSpPr/>
+                  <p:nvPr/>
+                </p:nvCxnSpPr>
+                <p:spPr>
+                  <a:xfrm>
+                    <a:off x="3873500" y="4114800"/>
+                    <a:ext cx="596900" cy="0"/>
+                  </a:xfrm>
+                  <a:prstGeom prst="line">
+                    <a:avLst/>
+                  </a:prstGeom>
+                  <a:ln>
+                    <a:solidFill>
+                      <a:srgbClr val="FF0000"/>
+                    </a:solidFill>
+                  </a:ln>
+                </p:spPr>
+                <p:style>
+                  <a:lnRef idx="2">
+                    <a:schemeClr val="accent6"/>
+                  </a:lnRef>
+                  <a:fillRef idx="0">
+                    <a:schemeClr val="accent6"/>
+                  </a:fillRef>
+                  <a:effectRef idx="1">
+                    <a:schemeClr val="accent6"/>
+                  </a:effectRef>
+                  <a:fontRef idx="minor">
+                    <a:schemeClr val="tx1"/>
+                  </a:fontRef>
+                </p:style>
+              </p:cxnSp>
+              <p:cxnSp>
+                <p:nvCxnSpPr>
+                  <p:cNvPr id="38" name="Connettore a gomito 37">
+                    <a:extLst>
+                      <a:ext uri="{FF2B5EF4-FFF2-40B4-BE49-F238E27FC236}">
+                        <a16:creationId xmlns:a16="http://schemas.microsoft.com/office/drawing/2014/main" id="{2D60C25C-CEEA-3953-3F1F-EDC5766774F1}"/>
+                      </a:ext>
+                    </a:extLst>
+                  </p:cNvPr>
+                  <p:cNvCxnSpPr/>
+                  <p:nvPr/>
+                </p:nvCxnSpPr>
+                <p:spPr>
+                  <a:xfrm>
+                    <a:off x="4171950" y="4114800"/>
+                    <a:ext cx="1754981" cy="863600"/>
+                  </a:xfrm>
+                  <a:prstGeom prst="bentConnector3">
+                    <a:avLst>
+                      <a:gd name="adj1" fmla="val 204"/>
+                    </a:avLst>
+                  </a:prstGeom>
+                  <a:ln>
+                    <a:solidFill>
+                      <a:srgbClr val="FF0000"/>
+                    </a:solidFill>
+                    <a:tailEnd type="triangle"/>
+                  </a:ln>
+                </p:spPr>
+                <p:style>
+                  <a:lnRef idx="2">
+                    <a:schemeClr val="accent6"/>
+                  </a:lnRef>
+                  <a:fillRef idx="0">
+                    <a:schemeClr val="accent6"/>
+                  </a:fillRef>
+                  <a:effectRef idx="1">
+                    <a:schemeClr val="accent6"/>
+                  </a:effectRef>
+                  <a:fontRef idx="minor">
+                    <a:schemeClr val="tx1"/>
+                  </a:fontRef>
+                </p:style>
+              </p:cxnSp>
+            </p:grpSp>
+          </p:grpSp>
+          <p:sp>
+            <p:nvSpPr>
+              <p:cNvPr id="55" name="CasellaDiTesto 54">
+                <a:extLst>
+                  <a:ext uri="{FF2B5EF4-FFF2-40B4-BE49-F238E27FC236}">
+                    <a16:creationId xmlns:a16="http://schemas.microsoft.com/office/drawing/2014/main" id="{91A77428-5952-D635-02BF-4862FFEDFD26}"/>
+                  </a:ext>
+                </a:extLst>
+              </p:cNvPr>
+              <p:cNvSpPr txBox="1"/>
+              <p:nvPr/>
+            </p:nvSpPr>
+            <p:spPr>
+              <a:xfrm>
+                <a:off x="8705794" y="1688841"/>
+                <a:ext cx="2818549" cy="923330"/>
+              </a:xfrm>
+              <a:prstGeom prst="rect">
+                <a:avLst/>
+              </a:prstGeom>
+              <a:noFill/>
+              <a:ln w="38100">
+                <a:solidFill>
+                  <a:srgbClr val="FF0000"/>
+                </a:solidFill>
+              </a:ln>
+            </p:spPr>
+            <p:txBody>
+              <a:bodyPr wrap="square" rtlCol="0">
+                <a:spAutoFit/>
+              </a:bodyPr>
+              <a:lstStyle/>
+              <a:p>
+                <a:pPr algn="ctr"/>
+                <a:r>
+                  <a:rPr lang="it-IT" b="1" dirty="0">
+                    <a:solidFill>
+                      <a:schemeClr val="tx2"/>
+                    </a:solidFill>
+                  </a:rPr>
+                  <a:t>Settiamo il Content-</a:t>
+                </a:r>
+                <a:r>
+                  <a:rPr lang="it-IT" b="1" dirty="0" err="1">
+                    <a:solidFill>
+                      <a:schemeClr val="tx2"/>
+                    </a:solidFill>
+                  </a:rPr>
+                  <a:t>Type</a:t>
+                </a:r>
+                <a:r>
+                  <a:rPr lang="it-IT" b="1" dirty="0">
+                    <a:solidFill>
+                      <a:schemeClr val="tx2"/>
+                    </a:solidFill>
+                  </a:rPr>
+                  <a:t> per una richiesta GET (senza body)!</a:t>
+                </a:r>
+              </a:p>
+            </p:txBody>
+          </p:sp>
+          <p:sp>
+            <p:nvSpPr>
+              <p:cNvPr id="56" name="CasellaDiTesto 55">
+                <a:extLst>
+                  <a:ext uri="{FF2B5EF4-FFF2-40B4-BE49-F238E27FC236}">
+                    <a16:creationId xmlns:a16="http://schemas.microsoft.com/office/drawing/2014/main" id="{5074015B-C7AE-8F9D-E905-C36D6FC2499A}"/>
+                  </a:ext>
+                </a:extLst>
+              </p:cNvPr>
+              <p:cNvSpPr txBox="1"/>
+              <p:nvPr/>
+            </p:nvSpPr>
+            <p:spPr>
+              <a:xfrm>
+                <a:off x="7041753" y="5475183"/>
+                <a:ext cx="2818549" cy="923330"/>
+              </a:xfrm>
+              <a:prstGeom prst="rect">
+                <a:avLst/>
+              </a:prstGeom>
+              <a:noFill/>
+              <a:ln w="38100">
+                <a:solidFill>
+                  <a:srgbClr val="FF0000"/>
+                </a:solidFill>
+              </a:ln>
+            </p:spPr>
+            <p:txBody>
+              <a:bodyPr wrap="square" rtlCol="0">
+                <a:spAutoFit/>
+              </a:bodyPr>
+              <a:lstStyle/>
+              <a:p>
+                <a:pPr algn="ctr"/>
+                <a:r>
+                  <a:rPr lang="it-IT" b="1" dirty="0">
+                    <a:solidFill>
+                      <a:schemeClr val="tx2"/>
+                    </a:solidFill>
+                  </a:rPr>
+                  <a:t>Il valore di Max-</a:t>
+                </a:r>
+                <a:r>
+                  <a:rPr lang="it-IT" b="1" dirty="0" err="1">
+                    <a:solidFill>
+                      <a:schemeClr val="tx2"/>
+                    </a:solidFill>
+                  </a:rPr>
+                  <a:t>Forwards</a:t>
+                </a:r>
+                <a:r>
+                  <a:rPr lang="it-IT" b="1" dirty="0">
+                    <a:solidFill>
+                      <a:schemeClr val="tx2"/>
+                    </a:solidFill>
+                  </a:rPr>
+                  <a:t> dovrebbe essere un intero in cifre!</a:t>
+                </a:r>
+              </a:p>
+            </p:txBody>
+          </p:sp>
+          <p:sp>
+            <p:nvSpPr>
+              <p:cNvPr id="58" name="CasellaDiTesto 57">
+                <a:extLst>
+                  <a:ext uri="{FF2B5EF4-FFF2-40B4-BE49-F238E27FC236}">
+                    <a16:creationId xmlns:a16="http://schemas.microsoft.com/office/drawing/2014/main" id="{C0405872-E803-57A5-C5A6-82838D7E5964}"/>
+                  </a:ext>
+                </a:extLst>
+              </p:cNvPr>
+              <p:cNvSpPr txBox="1"/>
+              <p:nvPr/>
+            </p:nvSpPr>
+            <p:spPr>
+              <a:xfrm>
+                <a:off x="8451027" y="4157202"/>
+                <a:ext cx="2818549" cy="923330"/>
+              </a:xfrm>
+              <a:prstGeom prst="rect">
+                <a:avLst/>
+              </a:prstGeom>
+              <a:noFill/>
+              <a:ln w="38100">
+                <a:solidFill>
+                  <a:srgbClr val="FF0000"/>
+                </a:solidFill>
+              </a:ln>
+            </p:spPr>
+            <p:txBody>
+              <a:bodyPr wrap="square" rtlCol="0">
+                <a:spAutoFit/>
+              </a:bodyPr>
+              <a:lstStyle/>
+              <a:p>
+                <a:pPr algn="ctr"/>
+                <a:r>
+                  <a:rPr lang="it-IT" b="1" dirty="0">
+                    <a:solidFill>
+                      <a:schemeClr val="tx2"/>
+                    </a:solidFill>
+                  </a:rPr>
+                  <a:t>Settiamo due </a:t>
+                </a:r>
+                <a:r>
+                  <a:rPr lang="it-IT" b="1" dirty="0" err="1">
+                    <a:solidFill>
+                      <a:schemeClr val="tx2"/>
+                    </a:solidFill>
+                  </a:rPr>
+                  <a:t>voltre</a:t>
+                </a:r>
+                <a:r>
+                  <a:rPr lang="it-IT" b="1" dirty="0">
+                    <a:solidFill>
+                      <a:schemeClr val="tx2"/>
+                    </a:solidFill>
+                  </a:rPr>
+                  <a:t> </a:t>
+                </a:r>
+                <a:r>
+                  <a:rPr lang="it-IT" b="1" dirty="0" err="1">
+                    <a:solidFill>
+                      <a:schemeClr val="tx2"/>
+                    </a:solidFill>
+                  </a:rPr>
+                  <a:t>Accept</a:t>
+                </a:r>
+                <a:r>
+                  <a:rPr lang="it-IT" b="1" dirty="0">
+                    <a:solidFill>
+                      <a:schemeClr val="tx2"/>
+                    </a:solidFill>
+                  </a:rPr>
+                  <a:t>-Language, quale verrà inviato?</a:t>
+                </a:r>
+              </a:p>
+            </p:txBody>
+          </p:sp>
+        </p:grpSp>
+        <p:sp>
+          <p:nvSpPr>
+            <p:cNvPr id="60" name="CasellaDiTesto 59">
+              <a:extLst>
+                <a:ext uri="{FF2B5EF4-FFF2-40B4-BE49-F238E27FC236}">
+                  <a16:creationId xmlns:a16="http://schemas.microsoft.com/office/drawing/2014/main" id="{CD9A3AA8-56CA-862C-D77A-102A2EB75C4A}"/>
+                </a:ext>
+              </a:extLst>
+            </p:cNvPr>
+            <p:cNvSpPr txBox="1"/>
+            <p:nvPr/>
+          </p:nvSpPr>
+          <p:spPr>
+            <a:xfrm>
+              <a:off x="1146544" y="5530578"/>
+              <a:ext cx="3499417" cy="369332"/>
+            </a:xfrm>
+            <a:prstGeom prst="rect">
+              <a:avLst/>
+            </a:prstGeom>
+            <a:noFill/>
+            <a:ln w="38100">
+              <a:solidFill>
+                <a:srgbClr val="FF0000"/>
+              </a:solidFill>
+            </a:ln>
+          </p:spPr>
+          <p:txBody>
+            <a:bodyPr wrap="square" rtlCol="0">
+              <a:spAutoFit/>
+            </a:bodyPr>
+            <a:lstStyle/>
+            <a:p>
+              <a:pPr algn="ctr"/>
+              <a:r>
+                <a:rPr lang="it-IT" b="1" dirty="0">
+                  <a:solidFill>
+                    <a:schemeClr val="tx2"/>
+                  </a:solidFill>
+                </a:rPr>
+                <a:t>Questo </a:t>
+              </a:r>
+              <a:r>
+                <a:rPr lang="it-IT" b="1" dirty="0" err="1">
+                  <a:solidFill>
+                    <a:schemeClr val="tx2"/>
+                  </a:solidFill>
+                </a:rPr>
+                <a:t>header</a:t>
+              </a:r>
+              <a:r>
+                <a:rPr lang="it-IT" b="1" dirty="0">
+                  <a:solidFill>
+                    <a:schemeClr val="tx2"/>
+                  </a:solidFill>
+                </a:rPr>
+                <a:t> name è sbagliato!</a:t>
+              </a:r>
+            </a:p>
+          </p:txBody>
+        </p:sp>
+        <p:cxnSp>
+          <p:nvCxnSpPr>
+            <p:cNvPr id="61" name="Connettore a gomito 60">
+              <a:extLst>
+                <a:ext uri="{FF2B5EF4-FFF2-40B4-BE49-F238E27FC236}">
+                  <a16:creationId xmlns:a16="http://schemas.microsoft.com/office/drawing/2014/main" id="{FDB4BAA7-9333-1560-788B-E3081F8392DE}"/>
+                </a:ext>
+              </a:extLst>
+            </p:cNvPr>
+            <p:cNvCxnSpPr>
+              <a:cxnSpLocks/>
+            </p:cNvCxnSpPr>
+            <p:nvPr/>
+          </p:nvCxnSpPr>
+          <p:spPr>
+            <a:xfrm rot="10800000" flipV="1">
+              <a:off x="1480457" y="4540432"/>
+              <a:ext cx="1338292" cy="990144"/>
+            </a:xfrm>
+            <a:prstGeom prst="bentConnector3">
+              <a:avLst>
+                <a:gd name="adj1" fmla="val 100295"/>
+              </a:avLst>
+            </a:prstGeom>
+            <a:ln>
+              <a:solidFill>
+                <a:srgbClr val="FF0000"/>
+              </a:solidFill>
+              <a:tailEnd type="triangle"/>
+            </a:ln>
+          </p:spPr>
+          <p:style>
+            <a:lnRef idx="2">
+              <a:schemeClr val="accent6"/>
+            </a:lnRef>
+            <a:fillRef idx="0">
+              <a:schemeClr val="accent6"/>
+            </a:fillRef>
+            <a:effectRef idx="1">
+              <a:schemeClr val="accent6"/>
+            </a:effectRef>
+            <a:fontRef idx="minor">
+              <a:schemeClr val="tx1"/>
+            </a:fontRef>
+          </p:style>
+        </p:cxnSp>
+      </p:grpSp>
     </p:spTree>
     <p:extLst>
       <p:ext uri="{BB962C8B-B14F-4D97-AF65-F5344CB8AC3E}">
-        <p14:creationId xmlns:p14="http://schemas.microsoft.com/office/powerpoint/2010/main" val="2092744467"/>
+        <p14:creationId xmlns:p14="http://schemas.microsoft.com/office/powerpoint/2010/main" val="2113903165"/>
       </p:ext>
     </p:extLst>
   </p:cSld>
@@ -4174,7 +7184,7 @@
           <p:cNvPr id="2" name="Titolo 1">
             <a:extLst>
               <a:ext uri="{FF2B5EF4-FFF2-40B4-BE49-F238E27FC236}">
-                <a16:creationId xmlns:a16="http://schemas.microsoft.com/office/drawing/2014/main" id="{50891183-67C1-FBB3-BCAD-6B305EC6E36F}"/>
+                <a16:creationId xmlns:a16="http://schemas.microsoft.com/office/drawing/2014/main" id="{D8B717E1-03E7-82F9-F042-6465C2595E96}"/>
               </a:ext>
             </a:extLst>
           </p:cNvPr>
@@ -4192,40 +7202,15 @@
           <a:p>
             <a:r>
               <a:rPr lang="it-IT" dirty="0"/>
-              <a:t>Un tool ad-hoc: Http2Java</a:t>
-            </a:r>
-          </a:p>
-        </p:txBody>
-      </p:sp>
-      <p:sp>
-        <p:nvSpPr>
-          <p:cNvPr id="3" name="Segnaposto contenuto 2">
-            <a:extLst>
-              <a:ext uri="{FF2B5EF4-FFF2-40B4-BE49-F238E27FC236}">
-                <a16:creationId xmlns:a16="http://schemas.microsoft.com/office/drawing/2014/main" id="{D335A028-7BFA-F0F8-31B9-A4F2D5738373}"/>
-              </a:ext>
-            </a:extLst>
-          </p:cNvPr>
-          <p:cNvSpPr>
-            <a:spLocks noGrp="1"/>
-          </p:cNvSpPr>
-          <p:nvPr>
-            <p:ph idx="1"/>
-          </p:nvPr>
-        </p:nvSpPr>
-        <p:spPr/>
-        <p:txBody>
-          <a:bodyPr/>
-          <a:lstStyle/>
-          <a:p>
-            <a:endParaRPr lang="it-IT"/>
+              <a:t>La soluzione</a:t>
+            </a:r>
           </a:p>
         </p:txBody>
       </p:sp>
     </p:spTree>
     <p:extLst>
       <p:ext uri="{BB962C8B-B14F-4D97-AF65-F5344CB8AC3E}">
-        <p14:creationId xmlns:p14="http://schemas.microsoft.com/office/powerpoint/2010/main" val="3698962761"/>
+        <p14:creationId xmlns:p14="http://schemas.microsoft.com/office/powerpoint/2010/main" val="2092744467"/>
       </p:ext>
     </p:extLst>
   </p:cSld>
@@ -4257,7 +7242,7 @@
           <p:cNvPr id="2" name="Titolo 1">
             <a:extLst>
               <a:ext uri="{FF2B5EF4-FFF2-40B4-BE49-F238E27FC236}">
-                <a16:creationId xmlns:a16="http://schemas.microsoft.com/office/drawing/2014/main" id="{0DE00A8C-8B71-C337-C5DB-93868AD6CD5E}"/>
+                <a16:creationId xmlns:a16="http://schemas.microsoft.com/office/drawing/2014/main" id="{50891183-67C1-FBB3-BCAD-6B305EC6E36F}"/>
               </a:ext>
             </a:extLst>
           </p:cNvPr>
@@ -4273,20 +7258,19 @@
           <a:bodyPr/>
           <a:lstStyle/>
           <a:p>
-            <a:pPr algn="ctr"/>
             <a:r>
               <a:rPr lang="it-IT" dirty="0"/>
-              <a:t>In conclusione</a:t>
-            </a:r>
-          </a:p>
-        </p:txBody>
-      </p:sp>
-      <p:sp>
-        <p:nvSpPr>
-          <p:cNvPr id="3" name="Segnaposto testo 2">
+              <a:t>Un tool ad-hoc: Http2Java</a:t>
+            </a:r>
+          </a:p>
+        </p:txBody>
+      </p:sp>
+      <p:sp>
+        <p:nvSpPr>
+          <p:cNvPr id="3" name="Segnaposto contenuto 2">
             <a:extLst>
               <a:ext uri="{FF2B5EF4-FFF2-40B4-BE49-F238E27FC236}">
-                <a16:creationId xmlns:a16="http://schemas.microsoft.com/office/drawing/2014/main" id="{8D635DF6-2893-A983-38D5-CBA7726A3E94}"/>
+                <a16:creationId xmlns:a16="http://schemas.microsoft.com/office/drawing/2014/main" id="{D335A028-7BFA-F0F8-31B9-A4F2D5738373}"/>
               </a:ext>
             </a:extLst>
           </p:cNvPr>
@@ -4294,135 +7278,1522 @@
             <a:spLocks noGrp="1"/>
           </p:cNvSpPr>
           <p:nvPr>
-            <p:ph type="body" idx="1"/>
-          </p:nvPr>
-        </p:nvSpPr>
-        <p:spPr/>
-        <p:txBody>
-          <a:bodyPr/>
+            <p:ph idx="1"/>
+          </p:nvPr>
+        </p:nvSpPr>
+        <p:spPr>
+          <a:xfrm>
+            <a:off x="1371600" y="1428750"/>
+            <a:ext cx="9601200" cy="4743450"/>
+          </a:xfrm>
+        </p:spPr>
+        <p:txBody>
+          <a:bodyPr>
+            <a:normAutofit/>
+          </a:bodyPr>
           <a:lstStyle/>
           <a:p>
-            <a:pPr algn="ctr"/>
             <a:r>
               <a:rPr lang="it-IT" dirty="0"/>
-              <a:t>PRO</a:t>
-            </a:r>
-          </a:p>
-        </p:txBody>
-      </p:sp>
-      <p:sp>
-        <p:nvSpPr>
-          <p:cNvPr id="4" name="Segnaposto contenuto 3">
+              <a:t>Non possiamo rendere il lavoro meno noioso, ma possiamo almeno </a:t>
+            </a:r>
+            <a:r>
+              <a:rPr lang="it-IT" b="1" dirty="0"/>
+              <a:t>identificare e segnalare gli errori</a:t>
+            </a:r>
+            <a:r>
+              <a:rPr lang="it-IT" dirty="0"/>
+              <a:t>, così da aumentare l’efficienza del team!</a:t>
+            </a:r>
+          </a:p>
+          <a:p>
+            <a:r>
+              <a:rPr lang="it-IT" dirty="0"/>
+              <a:t>Per questo motivo, abbiamo implementato un tool con interfaccia grafica chiamato </a:t>
+            </a:r>
+            <a:r>
+              <a:rPr lang="it-IT" b="1" dirty="0"/>
+              <a:t>Http2Java</a:t>
+            </a:r>
+            <a:r>
+              <a:rPr lang="it-IT" dirty="0"/>
+              <a:t>. Cosa offre in concreto?</a:t>
+            </a:r>
+          </a:p>
+          <a:p>
+            <a:pPr lvl="1"/>
+            <a:r>
+              <a:rPr lang="it-IT" dirty="0"/>
+              <a:t>La possibilità di scrivere richieste http in un linguaggio che ricalca la struttura tipica della richiesta stessa (</a:t>
+            </a:r>
+            <a:r>
+              <a:rPr lang="it-IT" dirty="0" err="1"/>
+              <a:t>request</a:t>
+            </a:r>
+            <a:r>
+              <a:rPr lang="it-IT" dirty="0"/>
+              <a:t> line, sequenza di </a:t>
+            </a:r>
+            <a:r>
+              <a:rPr lang="it-IT" dirty="0" err="1"/>
+              <a:t>header</a:t>
+            </a:r>
+            <a:r>
+              <a:rPr lang="it-IT" dirty="0"/>
+              <a:t> e, opzionalmente, body) e meno «pesante» del codice Java.</a:t>
+            </a:r>
+          </a:p>
+          <a:p>
+            <a:pPr lvl="1"/>
+            <a:r>
+              <a:rPr lang="it-IT" dirty="0"/>
+              <a:t>La traduzione delle richieste da questo linguaggio direttamente in codice Java.</a:t>
+            </a:r>
+          </a:p>
+          <a:p>
+            <a:pPr lvl="1"/>
+            <a:r>
+              <a:rPr lang="it-IT" dirty="0"/>
+              <a:t>La visualizzazione degli errori più comuni, come quelli visti poco fa.</a:t>
+            </a:r>
+          </a:p>
+          <a:p>
+            <a:pPr lvl="1"/>
+            <a:r>
+              <a:rPr lang="it-IT" dirty="0"/>
+              <a:t>Una GUI essenziale ed intuitiva che permette di sfruttare al meglio le potenzialità del tool.</a:t>
+            </a:r>
+          </a:p>
+        </p:txBody>
+      </p:sp>
+      <p:pic>
+        <p:nvPicPr>
+          <p:cNvPr id="5" name="Immagine 4" descr="Immagine che contiene logo, simbolo, cerchio, Elementi grafici&#10;&#10;Descrizione generata automaticamente">
             <a:extLst>
               <a:ext uri="{FF2B5EF4-FFF2-40B4-BE49-F238E27FC236}">
-                <a16:creationId xmlns:a16="http://schemas.microsoft.com/office/drawing/2014/main" id="{D680CDA3-870E-5080-BC4B-87B8A072C518}"/>
+                <a16:creationId xmlns:a16="http://schemas.microsoft.com/office/drawing/2014/main" id="{DFA3DDE2-C2B9-0A33-554C-98DD4F9827EF}"/>
               </a:ext>
             </a:extLst>
           </p:cNvPr>
-          <p:cNvSpPr>
-            <a:spLocks noGrp="1"/>
-          </p:cNvSpPr>
-          <p:nvPr>
-            <p:ph sz="half" idx="2"/>
-          </p:nvPr>
-        </p:nvSpPr>
-        <p:spPr/>
-        <p:txBody>
-          <a:bodyPr/>
-          <a:lstStyle/>
-          <a:p>
-            <a:r>
-              <a:rPr lang="it-IT" dirty="0"/>
-              <a:t>A</a:t>
-            </a:r>
-          </a:p>
-          <a:p>
-            <a:r>
-              <a:rPr lang="it-IT" dirty="0"/>
-              <a:t>B</a:t>
-            </a:r>
-          </a:p>
-          <a:p>
-            <a:r>
-              <a:rPr lang="it-IT" dirty="0"/>
-              <a:t>C</a:t>
-            </a:r>
-          </a:p>
-        </p:txBody>
-      </p:sp>
-      <p:sp>
-        <p:nvSpPr>
-          <p:cNvPr id="5" name="Segnaposto testo 4">
+          <p:cNvPicPr>
+            <a:picLocks noChangeAspect="1"/>
+          </p:cNvPicPr>
+          <p:nvPr/>
+        </p:nvPicPr>
+        <p:blipFill>
+          <a:blip r:embed="rId3">
+            <a:extLst>
+              <a:ext uri="{BEBA8EAE-BF5A-486C-A8C5-ECC9F3942E4B}">
+                <a14:imgProps xmlns:a14="http://schemas.microsoft.com/office/drawing/2010/main">
+                  <a14:imgLayer r:embed="rId4">
+                    <a14:imgEffect>
+                      <a14:backgroundRemoval t="8039" b="92353" l="6721" r="91475">
+                        <a14:foregroundMark x1="18559" y1="55650" x2="21803" y2="40000"/>
+                        <a14:foregroundMark x1="12131" y1="86667" x2="17382" y2="61330"/>
+                        <a14:foregroundMark x1="21803" y1="40000" x2="34426" y2="22157"/>
+                        <a14:foregroundMark x1="13607" y1="86471" x2="17869" y2="62353"/>
+                        <a14:foregroundMark x1="9672" y1="63725" x2="8033" y2="73529"/>
+                        <a14:foregroundMark x1="8033" y1="73529" x2="8033" y2="73529"/>
+                        <a14:foregroundMark x1="9344" y1="92353" x2="9344" y2="92353"/>
+                        <a14:foregroundMark x1="26722" y1="23137" x2="35574" y2="16471"/>
+                        <a14:foregroundMark x1="22295" y1="26471" x2="26722" y2="23137"/>
+                        <a14:foregroundMark x1="35574" y1="16471" x2="61475" y2="10196"/>
+                        <a14:foregroundMark x1="61475" y1="10196" x2="69508" y2="16275"/>
+                        <a14:foregroundMark x1="69508" y1="16275" x2="57049" y2="20784"/>
+                        <a14:foregroundMark x1="57049" y1="20784" x2="51803" y2="10196"/>
+                        <a14:foregroundMark x1="51803" y1="10196" x2="76393" y2="23529"/>
+                        <a14:foregroundMark x1="76393" y1="23529" x2="86393" y2="39020"/>
+                        <a14:foregroundMark x1="86393" y1="39020" x2="90328" y2="51373"/>
+                        <a14:foregroundMark x1="90328" y1="51373" x2="91803" y2="40588"/>
+                        <a14:foregroundMark x1="91803" y1="40588" x2="90984" y2="38824"/>
+                        <a14:foregroundMark x1="60000" y1="64118" x2="51639" y2="68627"/>
+                        <a14:foregroundMark x1="51639" y1="68627" x2="57869" y2="75490"/>
+                        <a14:foregroundMark x1="57869" y1="75490" x2="63443" y2="69804"/>
+                        <a14:foregroundMark x1="63443" y1="69804" x2="73607" y2="38824"/>
+                        <a14:foregroundMark x1="73607" y1="38824" x2="56557" y2="74314"/>
+                        <a14:foregroundMark x1="56557" y1="74314" x2="62623" y2="64706"/>
+                        <a14:foregroundMark x1="62623" y1="64706" x2="63607" y2="55882"/>
+                        <a14:foregroundMark x1="63607" y1="55882" x2="72787" y2="37843"/>
+                        <a14:foregroundMark x1="72787" y1="37843" x2="62787" y2="66667"/>
+                        <a14:foregroundMark x1="62787" y1="66667" x2="58852" y2="65686"/>
+                        <a14:foregroundMark x1="28969" y1="20000" x2="32787" y2="17451"/>
+                        <a14:foregroundMark x1="27108" y1="21242" x2="28969" y2="20000"/>
+                        <a14:foregroundMark x1="28241" y1="20000" x2="36066" y2="14510"/>
+                        <a14:foregroundMark x1="27346" y1="20628" x2="28241" y2="20000"/>
+                        <a14:foregroundMark x1="36066" y1="14510" x2="39672" y2="13922"/>
+                        <a14:foregroundMark x1="27823" y1="19396" x2="46393" y2="9608"/>
+                        <a14:foregroundMark x1="46393" y1="9608" x2="54262" y2="8235"/>
+                        <a14:foregroundMark x1="58689" y1="20980" x2="45574" y2="20196"/>
+                        <a14:foregroundMark x1="8361" y1="90784" x2="11148" y2="57451"/>
+                        <a14:foregroundMark x1="11148" y1="57451" x2="5902" y2="84314"/>
+                        <a14:foregroundMark x1="5902" y1="84314" x2="9672" y2="91765"/>
+                        <a14:foregroundMark x1="9672" y1="91765" x2="6721" y2="82745"/>
+                        <a14:foregroundMark x1="6721" y1="82745" x2="8033" y2="56275"/>
+                        <a14:foregroundMark x1="48940" y1="32941" x2="49180" y2="32745"/>
+                        <a14:foregroundMark x1="48459" y1="33333" x2="48940" y2="32941"/>
+                        <a14:foregroundMark x1="45093" y1="36078" x2="46535" y2="34902"/>
+                        <a14:foregroundMark x1="44611" y1="36471" x2="45093" y2="36078"/>
+                        <a14:foregroundMark x1="44371" y1="36667" x2="44611" y2="36471"/>
+                        <a14:foregroundMark x1="43365" y1="37487" x2="44371" y2="36667"/>
+                        <a14:foregroundMark x1="41726" y1="38824" x2="42021" y2="38583"/>
+                        <a14:foregroundMark x1="40524" y1="39804" x2="41726" y2="38824"/>
+                        <a14:foregroundMark x1="39137" y1="40935" x2="39610" y2="40550"/>
+                        <a14:foregroundMark x1="37399" y1="42353" x2="39030" y2="41023"/>
+                        <a14:foregroundMark x1="37159" y1="42549" x2="37399" y2="42353"/>
+                        <a14:foregroundMark x1="36918" y1="42745" x2="37159" y2="42549"/>
+                        <a14:foregroundMark x1="36678" y1="42941" x2="36918" y2="42745"/>
+                        <a14:foregroundMark x1="35717" y1="43725" x2="36678" y2="42941"/>
+                        <a14:foregroundMark x1="34754" y1="44510" x2="35717" y2="43725"/>
+                        <a14:foregroundMark x1="60740" y1="30980" x2="61823" y2="30815"/>
+                        <a14:foregroundMark x1="59456" y1="31176" x2="60740" y2="30980"/>
+                        <a14:foregroundMark x1="58166" y1="31373" x2="59456" y2="31176"/>
+                        <a14:foregroundMark x1="56882" y1="31569" x2="58166" y2="31373"/>
+                        <a14:foregroundMark x1="55599" y1="31765" x2="56882" y2="31569"/>
+                        <a14:foregroundMark x1="54315" y1="31961" x2="55599" y2="31765"/>
+                        <a14:foregroundMark x1="53032" y1="32157" x2="54315" y2="31961"/>
+                        <a14:foregroundMark x1="51748" y1="32353" x2="53032" y2="32157"/>
+                        <a14:foregroundMark x1="50464" y1="32549" x2="51748" y2="32353"/>
+                        <a14:foregroundMark x1="49180" y1="32745" x2="50464" y2="32549"/>
+                        <a14:foregroundMark x1="65902" y1="30196" x2="65902" y2="29216"/>
+                        <a14:foregroundMark x1="65902" y1="30784" x2="65902" y2="30196"/>
+                        <a14:foregroundMark x1="65902" y1="31961" x2="65902" y2="30784"/>
+                        <a14:foregroundMark x1="37377" y1="40980" x2="37377" y2="40980"/>
+                        <a14:foregroundMark x1="40656" y1="38235" x2="40656" y2="38235"/>
+                        <a14:foregroundMark x1="38197" y1="40588" x2="38197" y2="40588"/>
+                        <a14:foregroundMark x1="47869" y1="35490" x2="47869" y2="35490"/>
+                        <a14:foregroundMark x1="48197" y1="34706" x2="48197" y2="34706"/>
+                        <a14:foregroundMark x1="54262" y1="32745" x2="54262" y2="32745"/>
+                        <a14:foregroundMark x1="53770" y1="32549" x2="53770" y2="32549"/>
+                        <a14:foregroundMark x1="53607" y1="32549" x2="53607" y2="32549"/>
+                        <a14:foregroundMark x1="53607" y1="32549" x2="53607" y2="32549"/>
+                        <a14:foregroundMark x1="53934" y1="32353" x2="53934" y2="32353"/>
+                        <a14:foregroundMark x1="53607" y1="32353" x2="53607" y2="32353"/>
+                        <a14:foregroundMark x1="53607" y1="32549" x2="53607" y2="32549"/>
+                        <a14:foregroundMark x1="53607" y1="32353" x2="53607" y2="32353"/>
+                        <a14:foregroundMark x1="53934" y1="32157" x2="53934" y2="32157"/>
+                        <a14:foregroundMark x1="53443" y1="32745" x2="53934" y2="32353"/>
+                        <a14:foregroundMark x1="47444" y1="35267" x2="48361" y2="34902"/>
+                        <a14:foregroundMark x1="25246" y1="21765" x2="33115" y2="15294"/>
+                        <a14:foregroundMark x1="53279" y1="32745" x2="53607" y2="32745"/>
+                        <a14:backgroundMark x1="40000" y1="39804" x2="40000" y2="39804"/>
+                        <a14:backgroundMark x1="39672" y1="40588" x2="39672" y2="40196"/>
+                        <a14:backgroundMark x1="39672" y1="40784" x2="39672" y2="40588"/>
+                        <a14:backgroundMark x1="40000" y1="40588" x2="40164" y2="40392"/>
+                        <a14:backgroundMark x1="39672" y1="40980" x2="40000" y2="40588"/>
+                        <a14:backgroundMark x1="39508" y1="41176" x2="39672" y2="40980"/>
+                        <a14:backgroundMark x1="42623" y1="39020" x2="43115" y2="38235"/>
+                        <a14:backgroundMark x1="43279" y1="39216" x2="42131" y2="38235"/>
+                        <a14:backgroundMark x1="42459" y1="38039" x2="42951" y2="37647"/>
+                        <a14:backgroundMark x1="43552" y1="38235" x2="43279" y2="37255"/>
+                        <a14:backgroundMark x1="43607" y1="38431" x2="43552" y2="38235"/>
+                        <a14:backgroundMark x1="42623" y1="39216" x2="41967" y2="38431"/>
+                        <a14:backgroundMark x1="39344" y1="41569" x2="39016" y2="40980"/>
+                        <a14:backgroundMark x1="37377" y1="43333" x2="37541" y2="43725"/>
+                        <a14:backgroundMark x1="37049" y1="42549" x2="37049" y2="42549"/>
+                        <a14:backgroundMark x1="37049" y1="42941" x2="37049" y2="42941"/>
+                        <a14:backgroundMark x1="37377" y1="42353" x2="37377" y2="42353"/>
+                        <a14:backgroundMark x1="37705" y1="42353" x2="37705" y2="42353"/>
+                        <a14:backgroundMark x1="36393" y1="42549" x2="36393" y2="42549"/>
+                        <a14:backgroundMark x1="36557" y1="42745" x2="36557" y2="42745"/>
+                        <a14:backgroundMark x1="35082" y1="43725" x2="35082" y2="43725"/>
+                        <a14:backgroundMark x1="44918" y1="36667" x2="44918" y2="36667"/>
+                        <a14:backgroundMark x1="44918" y1="36471" x2="44918" y2="36471"/>
+                        <a14:backgroundMark x1="44918" y1="36078" x2="44918" y2="36078"/>
+                        <a14:backgroundMark x1="45246" y1="36078" x2="45246" y2="36078"/>
+                        <a14:backgroundMark x1="45082" y1="36667" x2="45082" y2="36667"/>
+                        <a14:backgroundMark x1="45082" y1="36471" x2="45082" y2="36471"/>
+                        <a14:backgroundMark x1="41967" y1="38824" x2="41967" y2="38824"/>
+                        <a14:backgroundMark x1="39344" y1="40392" x2="39344" y2="40392"/>
+                        <a14:backgroundMark x1="39180" y1="40784" x2="39180" y2="40784"/>
+                        <a14:backgroundMark x1="38525" y1="41176" x2="38525" y2="41176"/>
+                        <a14:backgroundMark x1="40492" y1="40000" x2="40492" y2="40000"/>
+                        <a14:backgroundMark x1="50656" y1="32549" x2="50656" y2="32549"/>
+                        <a14:backgroundMark x1="50492" y1="32549" x2="50492" y2="32549"/>
+                        <a14:backgroundMark x1="50328" y1="32549" x2="50328" y2="32549"/>
+                        <a14:backgroundMark x1="50820" y1="32745" x2="50820" y2="32745"/>
+                        <a14:backgroundMark x1="50984" y1="32353" x2="50984" y2="32353"/>
+                        <a14:backgroundMark x1="53607" y1="31373" x2="53607" y2="31373"/>
+                        <a14:backgroundMark x1="52951" y1="31765" x2="52951" y2="31765"/>
+                        <a14:backgroundMark x1="52951" y1="31961" x2="52951" y2="31961"/>
+                        <a14:backgroundMark x1="54918" y1="32157" x2="54918" y2="32157"/>
+                        <a14:backgroundMark x1="56393" y1="31569" x2="56393" y2="31569"/>
+                        <a14:backgroundMark x1="56557" y1="30588" x2="56557" y2="30588"/>
+                        <a14:backgroundMark x1="56885" y1="32157" x2="56885" y2="32157"/>
+                        <a14:backgroundMark x1="57049" y1="31373" x2="57049" y2="31373"/>
+                        <a14:backgroundMark x1="57213" y1="31765" x2="57213" y2="31765"/>
+                        <a14:backgroundMark x1="56557" y1="31961" x2="56557" y2="31961"/>
+                        <a14:backgroundMark x1="56885" y1="31961" x2="56885" y2="31961"/>
+                        <a14:backgroundMark x1="56557" y1="31765" x2="56557" y2="31765"/>
+                        <a14:backgroundMark x1="56885" y1="31569" x2="56885" y2="31569"/>
+                        <a14:backgroundMark x1="54754" y1="31961" x2="54754" y2="31961"/>
+                        <a14:backgroundMark x1="52623" y1="31961" x2="52623" y2="31961"/>
+                        <a14:backgroundMark x1="54426" y1="32157" x2="54426" y2="32157"/>
+                        <a14:backgroundMark x1="54754" y1="31569" x2="54754" y2="31569"/>
+                        <a14:backgroundMark x1="54918" y1="31765" x2="54918" y2="31765"/>
+                        <a14:backgroundMark x1="59180" y1="30980" x2="59180" y2="30980"/>
+                        <a14:backgroundMark x1="59508" y1="31569" x2="59508" y2="31569"/>
+                        <a14:backgroundMark x1="59672" y1="31176" x2="59672" y2="31176"/>
+                        <a14:backgroundMark x1="59508" y1="31569" x2="59508" y2="31569"/>
+                        <a14:backgroundMark x1="60000" y1="31176" x2="60000" y2="31176"/>
+                        <a14:backgroundMark x1="62131" y1="30784" x2="62131" y2="30784"/>
+                        <a14:backgroundMark x1="62623" y1="30784" x2="62623" y2="30784"/>
+                        <a14:backgroundMark x1="62951" y1="30980" x2="62951" y2="30980"/>
+                        <a14:backgroundMark x1="64262" y1="30784" x2="64262" y2="30784"/>
+                        <a14:backgroundMark x1="64262" y1="30196" x2="64262" y2="30196"/>
+                        <a14:backgroundMark x1="62951" y1="30000" x2="63770" y2="30392"/>
+                        <a14:backgroundMark x1="64262" y1="30000" x2="61803" y2="30784"/>
+                        <a14:backgroundMark x1="61967" y1="31176" x2="61967" y2="31176"/>
+                        <a14:backgroundMark x1="48361" y1="34314" x2="48361" y2="34314"/>
+                        <a14:backgroundMark x1="47705" y1="34118" x2="47705" y2="34118"/>
+                        <a14:backgroundMark x1="46885" y1="34314" x2="46885" y2="34314"/>
+                        <a14:backgroundMark x1="48525" y1="33333" x2="48525" y2="33333"/>
+                        <a14:backgroundMark x1="48033" y1="33529" x2="48033" y2="33529"/>
+                        <a14:backgroundMark x1="47377" y1="34314" x2="47377" y2="34314"/>
+                        <a14:backgroundMark x1="48033" y1="33725" x2="48033" y2="33725"/>
+                        <a14:backgroundMark x1="47049" y1="33922" x2="48197" y2="33725"/>
+                        <a14:backgroundMark x1="48033" y1="32941" x2="48525" y2="32941"/>
+                        <a14:backgroundMark x1="23934" y1="23137" x2="23934" y2="23137"/>
+                        <a14:backgroundMark x1="23443" y1="23137" x2="23443" y2="23137"/>
+                        <a14:backgroundMark x1="18197" y1="58431" x2="18197" y2="58431"/>
+                        <a14:backgroundMark x1="16885" y1="58431" x2="20492" y2="58627"/>
+                        <a14:backgroundMark x1="23770" y1="22941" x2="24426" y2="22549"/>
+                        <a14:backgroundMark x1="25246" y1="20784" x2="25789" y2="20351"/>
+                      </a14:backgroundRemoval>
+                    </a14:imgEffect>
+                  </a14:imgLayer>
+                </a14:imgProps>
+              </a:ext>
+              <a:ext uri="{28A0092B-C50C-407E-A947-70E740481C1C}">
+                <a14:useLocalDpi xmlns:a14="http://schemas.microsoft.com/office/drawing/2010/main" val="0"/>
+              </a:ext>
+            </a:extLst>
+          </a:blip>
+          <a:stretch>
+            <a:fillRect/>
+          </a:stretch>
+        </p:blipFill>
+        <p:spPr>
+          <a:xfrm>
+            <a:off x="9468465" y="4638096"/>
+            <a:ext cx="2723535" cy="2277054"/>
+          </a:xfrm>
+          <a:prstGeom prst="rect">
+            <a:avLst/>
+          </a:prstGeom>
+        </p:spPr>
+      </p:pic>
+    </p:spTree>
+    <p:extLst>
+      <p:ext uri="{BB962C8B-B14F-4D97-AF65-F5344CB8AC3E}">
+        <p14:creationId xmlns:p14="http://schemas.microsoft.com/office/powerpoint/2010/main" val="3698962761"/>
+      </p:ext>
+    </p:extLst>
+  </p:cSld>
+  <p:clrMapOvr>
+    <a:masterClrMapping/>
+  </p:clrMapOvr>
+</p:sld>
+</file>
+
+<file path=ppt/slides/slide7.xml><?xml version="1.0" encoding="utf-8"?>
+<p:sld xmlns:a="http://schemas.openxmlformats.org/drawingml/2006/main" xmlns:r="http://schemas.openxmlformats.org/officeDocument/2006/relationships" xmlns:p="http://schemas.openxmlformats.org/presentationml/2006/main">
+  <p:cSld>
+    <p:spTree>
+      <p:nvGrpSpPr>
+        <p:cNvPr id="1" name=""/>
+        <p:cNvGrpSpPr/>
+        <p:nvPr/>
+      </p:nvGrpSpPr>
+      <p:grpSpPr>
+        <a:xfrm>
+          <a:off x="0" y="0"/>
+          <a:ext cx="0" cy="0"/>
+          <a:chOff x="0" y="0"/>
+          <a:chExt cx="0" cy="0"/>
+        </a:xfrm>
+      </p:grpSpPr>
+      <p:pic>
+        <p:nvPicPr>
+          <p:cNvPr id="8" name="Segnaposto contenuto 7">
             <a:extLst>
               <a:ext uri="{FF2B5EF4-FFF2-40B4-BE49-F238E27FC236}">
-                <a16:creationId xmlns:a16="http://schemas.microsoft.com/office/drawing/2014/main" id="{8109BC33-AC46-FE2A-D372-590709CE509B}"/>
+                <a16:creationId xmlns:a16="http://schemas.microsoft.com/office/drawing/2014/main" id="{A7C13BFC-DD85-C7DD-FEED-F82387CC4D0F}"/>
               </a:ext>
             </a:extLst>
           </p:cNvPr>
-          <p:cNvSpPr>
-            <a:spLocks noGrp="1"/>
-          </p:cNvSpPr>
-          <p:nvPr>
-            <p:ph type="body" sz="quarter" idx="3"/>
-          </p:nvPr>
-        </p:nvSpPr>
-        <p:spPr/>
-        <p:txBody>
-          <a:bodyPr/>
-          <a:lstStyle/>
-          <a:p>
-            <a:pPr algn="ctr"/>
-            <a:r>
-              <a:rPr lang="it-IT" dirty="0"/>
-              <a:t>CONTRO</a:t>
-            </a:r>
-          </a:p>
-        </p:txBody>
-      </p:sp>
-      <p:sp>
-        <p:nvSpPr>
-          <p:cNvPr id="6" name="Segnaposto contenuto 5">
+          <p:cNvPicPr>
+            <a:picLocks noGrp="1" noChangeAspect="1"/>
+          </p:cNvPicPr>
+          <p:nvPr>
+            <p:ph idx="1"/>
+          </p:nvPr>
+        </p:nvPicPr>
+        <p:blipFill rotWithShape="1">
+          <a:blip r:embed="rId3"/>
+          <a:srcRect l="327" t="198" r="331" b="513"/>
+          <a:stretch/>
+        </p:blipFill>
+        <p:spPr>
+          <a:xfrm>
+            <a:off x="1485750" y="137824"/>
+            <a:ext cx="9720000" cy="6582351"/>
+          </a:xfrm>
+        </p:spPr>
+      </p:pic>
+      <p:grpSp>
+        <p:nvGrpSpPr>
+          <p:cNvPr id="17" name="Gruppo 16">
             <a:extLst>
               <a:ext uri="{FF2B5EF4-FFF2-40B4-BE49-F238E27FC236}">
-                <a16:creationId xmlns:a16="http://schemas.microsoft.com/office/drawing/2014/main" id="{51D42AD6-2069-1CD3-288F-B9DA875498E3}"/>
+                <a16:creationId xmlns:a16="http://schemas.microsoft.com/office/drawing/2014/main" id="{781F6D37-4487-3AD1-032A-C1DB1CBA592E}"/>
               </a:ext>
             </a:extLst>
           </p:cNvPr>
-          <p:cNvSpPr>
-            <a:spLocks noGrp="1"/>
-          </p:cNvSpPr>
-          <p:nvPr>
-            <p:ph sz="quarter" idx="4"/>
-          </p:nvPr>
-        </p:nvSpPr>
-        <p:spPr/>
-        <p:txBody>
-          <a:bodyPr/>
+          <p:cNvGrpSpPr/>
+          <p:nvPr/>
+        </p:nvGrpSpPr>
+        <p:grpSpPr>
+          <a:xfrm>
+            <a:off x="1581000" y="366296"/>
+            <a:ext cx="3192024" cy="523220"/>
+            <a:chOff x="1568300" y="366296"/>
+            <a:chExt cx="3192024" cy="523220"/>
+          </a:xfrm>
+        </p:grpSpPr>
+        <p:sp>
+          <p:nvSpPr>
+            <p:cNvPr id="2" name="Ovale 1">
+              <a:extLst>
+                <a:ext uri="{FF2B5EF4-FFF2-40B4-BE49-F238E27FC236}">
+                  <a16:creationId xmlns:a16="http://schemas.microsoft.com/office/drawing/2014/main" id="{537104B4-E7CE-1B4C-1046-AC0DB288C35B}"/>
+                </a:ext>
+              </a:extLst>
+            </p:cNvPr>
+            <p:cNvSpPr/>
+            <p:nvPr/>
+          </p:nvSpPr>
+          <p:spPr>
+            <a:xfrm>
+              <a:off x="1568300" y="526815"/>
+              <a:ext cx="654200" cy="293914"/>
+            </a:xfrm>
+            <a:prstGeom prst="ellipse">
+              <a:avLst/>
+            </a:prstGeom>
+            <a:noFill/>
+            <a:ln w="12700"/>
+          </p:spPr>
+          <p:style>
+            <a:lnRef idx="2">
+              <a:schemeClr val="accent1">
+                <a:shade val="15000"/>
+              </a:schemeClr>
+            </a:lnRef>
+            <a:fillRef idx="1">
+              <a:schemeClr val="accent1"/>
+            </a:fillRef>
+            <a:effectRef idx="0">
+              <a:schemeClr val="accent1"/>
+            </a:effectRef>
+            <a:fontRef idx="minor">
+              <a:schemeClr val="lt1"/>
+            </a:fontRef>
+          </p:style>
+          <p:txBody>
+            <a:bodyPr rtlCol="0" anchor="ctr"/>
+            <a:lstStyle/>
+            <a:p>
+              <a:pPr algn="ctr"/>
+              <a:endParaRPr lang="it-IT"/>
+            </a:p>
+          </p:txBody>
+        </p:sp>
+        <p:cxnSp>
+          <p:nvCxnSpPr>
+            <p:cNvPr id="4" name="Connettore 2 3">
+              <a:extLst>
+                <a:ext uri="{FF2B5EF4-FFF2-40B4-BE49-F238E27FC236}">
+                  <a16:creationId xmlns:a16="http://schemas.microsoft.com/office/drawing/2014/main" id="{A8C0440D-2489-269B-DE46-82EA5FD7D39C}"/>
+                </a:ext>
+              </a:extLst>
+            </p:cNvPr>
+            <p:cNvCxnSpPr>
+              <a:cxnSpLocks/>
+              <a:stCxn id="2" idx="6"/>
+            </p:cNvCxnSpPr>
+            <p:nvPr/>
+          </p:nvCxnSpPr>
+          <p:spPr>
+            <a:xfrm>
+              <a:off x="2222500" y="673772"/>
+              <a:ext cx="831850" cy="0"/>
+            </a:xfrm>
+            <a:prstGeom prst="straightConnector1">
+              <a:avLst/>
+            </a:prstGeom>
+            <a:ln w="12700">
+              <a:solidFill>
+                <a:schemeClr val="tx2"/>
+              </a:solidFill>
+              <a:tailEnd type="triangle"/>
+            </a:ln>
+          </p:spPr>
+          <p:style>
+            <a:lnRef idx="1">
+              <a:schemeClr val="dk1"/>
+            </a:lnRef>
+            <a:fillRef idx="0">
+              <a:schemeClr val="dk1"/>
+            </a:fillRef>
+            <a:effectRef idx="0">
+              <a:schemeClr val="dk1"/>
+            </a:effectRef>
+            <a:fontRef idx="minor">
+              <a:schemeClr val="tx1"/>
+            </a:fontRef>
+          </p:style>
+        </p:cxnSp>
+        <p:sp>
+          <p:nvSpPr>
+            <p:cNvPr id="5" name="CasellaDiTesto 4">
+              <a:extLst>
+                <a:ext uri="{FF2B5EF4-FFF2-40B4-BE49-F238E27FC236}">
+                  <a16:creationId xmlns:a16="http://schemas.microsoft.com/office/drawing/2014/main" id="{356A2AC1-45E6-D7B0-5D6A-7B5EA16F5C44}"/>
+                </a:ext>
+              </a:extLst>
+            </p:cNvPr>
+            <p:cNvSpPr txBox="1"/>
+            <p:nvPr/>
+          </p:nvSpPr>
+          <p:spPr>
+            <a:xfrm>
+              <a:off x="2987675" y="366296"/>
+              <a:ext cx="1772649" cy="523220"/>
+            </a:xfrm>
+            <a:prstGeom prst="rect">
+              <a:avLst/>
+            </a:prstGeom>
+            <a:noFill/>
+            <a:ln>
+              <a:noFill/>
+            </a:ln>
+          </p:spPr>
+          <p:txBody>
+            <a:bodyPr wrap="square" rtlCol="0">
+              <a:spAutoFit/>
+            </a:bodyPr>
+            <a:lstStyle/>
+            <a:p>
+              <a:r>
+                <a:rPr lang="it-IT" sz="1400" dirty="0"/>
+                <a:t>Riga : colonna del cursore nel box http</a:t>
+              </a:r>
+            </a:p>
+          </p:txBody>
+        </p:sp>
+      </p:grpSp>
+      <p:sp>
+        <p:nvSpPr>
+          <p:cNvPr id="6" name="CasellaDiTesto 5">
+            <a:extLst>
+              <a:ext uri="{FF2B5EF4-FFF2-40B4-BE49-F238E27FC236}">
+                <a16:creationId xmlns:a16="http://schemas.microsoft.com/office/drawing/2014/main" id="{96E1F290-1F8F-51C2-1CB8-454AA1D7F1E7}"/>
+              </a:ext>
+            </a:extLst>
+          </p:cNvPr>
+          <p:cNvSpPr txBox="1"/>
+          <p:nvPr/>
+        </p:nvSpPr>
+        <p:spPr>
+          <a:xfrm>
+            <a:off x="3485926" y="2032000"/>
+            <a:ext cx="2682145" cy="369332"/>
+          </a:xfrm>
+          <a:prstGeom prst="rect">
+            <a:avLst/>
+          </a:prstGeom>
+          <a:noFill/>
+        </p:spPr>
+        <p:txBody>
+          <a:bodyPr wrap="none" rtlCol="0">
+            <a:spAutoFit/>
+          </a:bodyPr>
           <a:lstStyle/>
           <a:p>
             <a:r>
               <a:rPr lang="it-IT" dirty="0"/>
-              <a:t>1</a:t>
-            </a:r>
-          </a:p>
+              <a:t>Richiesta http da tradurre</a:t>
+            </a:r>
+          </a:p>
+        </p:txBody>
+      </p:sp>
+      <p:sp>
+        <p:nvSpPr>
+          <p:cNvPr id="7" name="CasellaDiTesto 6">
+            <a:extLst>
+              <a:ext uri="{FF2B5EF4-FFF2-40B4-BE49-F238E27FC236}">
+                <a16:creationId xmlns:a16="http://schemas.microsoft.com/office/drawing/2014/main" id="{BCB2E14A-0A0D-2E73-D6BF-64244145279A}"/>
+              </a:ext>
+            </a:extLst>
+          </p:cNvPr>
+          <p:cNvSpPr txBox="1"/>
+          <p:nvPr/>
+        </p:nvSpPr>
+        <p:spPr>
+          <a:xfrm>
+            <a:off x="3485925" y="4686300"/>
+            <a:ext cx="3083152" cy="369332"/>
+          </a:xfrm>
+          <a:prstGeom prst="rect">
+            <a:avLst/>
+          </a:prstGeom>
+          <a:noFill/>
+        </p:spPr>
+        <p:txBody>
+          <a:bodyPr wrap="none" rtlCol="0">
+            <a:spAutoFit/>
+          </a:bodyPr>
+          <a:lstStyle/>
           <a:p>
             <a:r>
               <a:rPr lang="it-IT" dirty="0"/>
-              <a:t>2</a:t>
-            </a:r>
-          </a:p>
-          <a:p>
-            <a:r>
-              <a:rPr lang="it-IT" dirty="0"/>
-              <a:t>3</a:t>
-            </a:r>
-          </a:p>
-        </p:txBody>
-      </p:sp>
+              <a:t>Richiesta http tradotta in Java</a:t>
+            </a:r>
+          </a:p>
+        </p:txBody>
+      </p:sp>
+      <p:sp>
+        <p:nvSpPr>
+          <p:cNvPr id="9" name="CasellaDiTesto 8">
+            <a:extLst>
+              <a:ext uri="{FF2B5EF4-FFF2-40B4-BE49-F238E27FC236}">
+                <a16:creationId xmlns:a16="http://schemas.microsoft.com/office/drawing/2014/main" id="{AC99C7A3-6FF1-DB27-4B2C-90C210817F21}"/>
+              </a:ext>
+            </a:extLst>
+          </p:cNvPr>
+          <p:cNvSpPr txBox="1"/>
+          <p:nvPr/>
+        </p:nvSpPr>
+        <p:spPr>
+          <a:xfrm>
+            <a:off x="9010426" y="2032000"/>
+            <a:ext cx="1459695" cy="369332"/>
+          </a:xfrm>
+          <a:prstGeom prst="rect">
+            <a:avLst/>
+          </a:prstGeom>
+          <a:noFill/>
+        </p:spPr>
+        <p:txBody>
+          <a:bodyPr wrap="none" rtlCol="0">
+            <a:spAutoFit/>
+          </a:bodyPr>
+          <a:lstStyle/>
+          <a:p>
+            <a:r>
+              <a:rPr lang="it-IT" dirty="0">
+                <a:solidFill>
+                  <a:srgbClr val="FF0000"/>
+                </a:solidFill>
+              </a:rPr>
+              <a:t>Lista di errori</a:t>
+            </a:r>
+          </a:p>
+        </p:txBody>
+      </p:sp>
+      <p:sp>
+        <p:nvSpPr>
+          <p:cNvPr id="10" name="CasellaDiTesto 9">
+            <a:extLst>
+              <a:ext uri="{FF2B5EF4-FFF2-40B4-BE49-F238E27FC236}">
+                <a16:creationId xmlns:a16="http://schemas.microsoft.com/office/drawing/2014/main" id="{D4C215EB-E7B7-F086-FA0B-6D4DA8740B3C}"/>
+              </a:ext>
+            </a:extLst>
+          </p:cNvPr>
+          <p:cNvSpPr txBox="1"/>
+          <p:nvPr/>
+        </p:nvSpPr>
+        <p:spPr>
+          <a:xfrm>
+            <a:off x="8876998" y="4386707"/>
+            <a:ext cx="1709763" cy="369332"/>
+          </a:xfrm>
+          <a:prstGeom prst="rect">
+            <a:avLst/>
+          </a:prstGeom>
+          <a:noFill/>
+        </p:spPr>
+        <p:txBody>
+          <a:bodyPr wrap="none" rtlCol="0">
+            <a:spAutoFit/>
+          </a:bodyPr>
+          <a:lstStyle/>
+          <a:p>
+            <a:r>
+              <a:rPr lang="it-IT" dirty="0">
+                <a:solidFill>
+                  <a:schemeClr val="accent2">
+                    <a:lumMod val="75000"/>
+                  </a:schemeClr>
+                </a:solidFill>
+              </a:rPr>
+              <a:t>Lista di warning</a:t>
+            </a:r>
+          </a:p>
+        </p:txBody>
+      </p:sp>
+      <p:grpSp>
+        <p:nvGrpSpPr>
+          <p:cNvPr id="18" name="Gruppo 17">
+            <a:extLst>
+              <a:ext uri="{FF2B5EF4-FFF2-40B4-BE49-F238E27FC236}">
+                <a16:creationId xmlns:a16="http://schemas.microsoft.com/office/drawing/2014/main" id="{80C75272-8DCD-296F-B168-AC16E8DBB8B8}"/>
+              </a:ext>
+            </a:extLst>
+          </p:cNvPr>
+          <p:cNvGrpSpPr/>
+          <p:nvPr/>
+        </p:nvGrpSpPr>
+        <p:grpSpPr>
+          <a:xfrm>
+            <a:off x="3115299" y="5800923"/>
+            <a:ext cx="1863101" cy="600549"/>
+            <a:chOff x="3115299" y="5800923"/>
+            <a:chExt cx="1863101" cy="600549"/>
+          </a:xfrm>
+        </p:grpSpPr>
+        <p:cxnSp>
+          <p:nvCxnSpPr>
+            <p:cNvPr id="13" name="Connettore 2 12">
+              <a:extLst>
+                <a:ext uri="{FF2B5EF4-FFF2-40B4-BE49-F238E27FC236}">
+                  <a16:creationId xmlns:a16="http://schemas.microsoft.com/office/drawing/2014/main" id="{92B74B1B-F2E8-53ED-F6CE-543D0320DCAC}"/>
+                </a:ext>
+              </a:extLst>
+            </p:cNvPr>
+            <p:cNvCxnSpPr>
+              <a:cxnSpLocks/>
+            </p:cNvCxnSpPr>
+            <p:nvPr/>
+          </p:nvCxnSpPr>
+          <p:spPr>
+            <a:xfrm flipV="1">
+              <a:off x="4032025" y="6083300"/>
+              <a:ext cx="0" cy="318172"/>
+            </a:xfrm>
+            <a:prstGeom prst="straightConnector1">
+              <a:avLst/>
+            </a:prstGeom>
+            <a:ln w="12700">
+              <a:solidFill>
+                <a:schemeClr val="tx2"/>
+              </a:solidFill>
+              <a:tailEnd type="triangle"/>
+            </a:ln>
+          </p:spPr>
+          <p:style>
+            <a:lnRef idx="1">
+              <a:schemeClr val="dk1"/>
+            </a:lnRef>
+            <a:fillRef idx="0">
+              <a:schemeClr val="dk1"/>
+            </a:fillRef>
+            <a:effectRef idx="0">
+              <a:schemeClr val="dk1"/>
+            </a:effectRef>
+            <a:fontRef idx="minor">
+              <a:schemeClr val="tx1"/>
+            </a:fontRef>
+          </p:style>
+        </p:cxnSp>
+        <p:sp>
+          <p:nvSpPr>
+            <p:cNvPr id="16" name="CasellaDiTesto 15">
+              <a:extLst>
+                <a:ext uri="{FF2B5EF4-FFF2-40B4-BE49-F238E27FC236}">
+                  <a16:creationId xmlns:a16="http://schemas.microsoft.com/office/drawing/2014/main" id="{C9924EF9-1C28-DD7D-6A5B-9E7A9C5E04A1}"/>
+                </a:ext>
+              </a:extLst>
+            </p:cNvPr>
+            <p:cNvSpPr txBox="1"/>
+            <p:nvPr/>
+          </p:nvSpPr>
+          <p:spPr>
+            <a:xfrm>
+              <a:off x="3115299" y="5800923"/>
+              <a:ext cx="1863101" cy="307777"/>
+            </a:xfrm>
+            <a:prstGeom prst="rect">
+              <a:avLst/>
+            </a:prstGeom>
+            <a:noFill/>
+            <a:ln>
+              <a:noFill/>
+            </a:ln>
+          </p:spPr>
+          <p:txBody>
+            <a:bodyPr wrap="square" rtlCol="0">
+              <a:spAutoFit/>
+            </a:bodyPr>
+            <a:lstStyle/>
+            <a:p>
+              <a:r>
+                <a:rPr lang="it-IT" sz="1400" dirty="0" err="1"/>
+                <a:t>Path</a:t>
+              </a:r>
+              <a:r>
+                <a:rPr lang="it-IT" sz="1400" dirty="0"/>
+                <a:t> del file importato</a:t>
+              </a:r>
+            </a:p>
+          </p:txBody>
+        </p:sp>
+      </p:grpSp>
+      <p:grpSp>
+        <p:nvGrpSpPr>
+          <p:cNvPr id="19" name="Gruppo 18">
+            <a:extLst>
+              <a:ext uri="{FF2B5EF4-FFF2-40B4-BE49-F238E27FC236}">
+                <a16:creationId xmlns:a16="http://schemas.microsoft.com/office/drawing/2014/main" id="{DA13767D-4BF0-6E5D-A9F3-B0BD6EDE1C94}"/>
+              </a:ext>
+            </a:extLst>
+          </p:cNvPr>
+          <p:cNvGrpSpPr/>
+          <p:nvPr/>
+        </p:nvGrpSpPr>
+        <p:grpSpPr>
+          <a:xfrm>
+            <a:off x="6345750" y="5636016"/>
+            <a:ext cx="1863101" cy="765456"/>
+            <a:chOff x="3232076" y="5636016"/>
+            <a:chExt cx="1863101" cy="765456"/>
+          </a:xfrm>
+        </p:grpSpPr>
+        <p:cxnSp>
+          <p:nvCxnSpPr>
+            <p:cNvPr id="20" name="Connettore 2 19">
+              <a:extLst>
+                <a:ext uri="{FF2B5EF4-FFF2-40B4-BE49-F238E27FC236}">
+                  <a16:creationId xmlns:a16="http://schemas.microsoft.com/office/drawing/2014/main" id="{61665B59-6045-DC55-D289-99623D93DD64}"/>
+                </a:ext>
+              </a:extLst>
+            </p:cNvPr>
+            <p:cNvCxnSpPr>
+              <a:cxnSpLocks/>
+            </p:cNvCxnSpPr>
+            <p:nvPr/>
+          </p:nvCxnSpPr>
+          <p:spPr>
+            <a:xfrm flipV="1">
+              <a:off x="4032025" y="6083300"/>
+              <a:ext cx="0" cy="318172"/>
+            </a:xfrm>
+            <a:prstGeom prst="straightConnector1">
+              <a:avLst/>
+            </a:prstGeom>
+            <a:ln w="12700">
+              <a:solidFill>
+                <a:schemeClr val="tx2"/>
+              </a:solidFill>
+              <a:tailEnd type="triangle"/>
+            </a:ln>
+          </p:spPr>
+          <p:style>
+            <a:lnRef idx="1">
+              <a:schemeClr val="dk1"/>
+            </a:lnRef>
+            <a:fillRef idx="0">
+              <a:schemeClr val="dk1"/>
+            </a:fillRef>
+            <a:effectRef idx="0">
+              <a:schemeClr val="dk1"/>
+            </a:effectRef>
+            <a:fontRef idx="minor">
+              <a:schemeClr val="tx1"/>
+            </a:fontRef>
+          </p:style>
+        </p:cxnSp>
+        <p:sp>
+          <p:nvSpPr>
+            <p:cNvPr id="21" name="CasellaDiTesto 20">
+              <a:extLst>
+                <a:ext uri="{FF2B5EF4-FFF2-40B4-BE49-F238E27FC236}">
+                  <a16:creationId xmlns:a16="http://schemas.microsoft.com/office/drawing/2014/main" id="{6D93DE83-66A2-BD84-FC49-3621B2A8BAA2}"/>
+                </a:ext>
+              </a:extLst>
+            </p:cNvPr>
+            <p:cNvSpPr txBox="1"/>
+            <p:nvPr/>
+          </p:nvSpPr>
+          <p:spPr>
+            <a:xfrm>
+              <a:off x="3232076" y="5636016"/>
+              <a:ext cx="1863101" cy="523220"/>
+            </a:xfrm>
+            <a:prstGeom prst="rect">
+              <a:avLst/>
+            </a:prstGeom>
+            <a:noFill/>
+            <a:ln>
+              <a:noFill/>
+            </a:ln>
+          </p:spPr>
+          <p:txBody>
+            <a:bodyPr wrap="square" rtlCol="0">
+              <a:spAutoFit/>
+            </a:bodyPr>
+            <a:lstStyle/>
+            <a:p>
+              <a:r>
+                <a:rPr lang="it-IT" sz="1400" dirty="0"/>
+                <a:t>Abilita/disabilita modifica box http</a:t>
+              </a:r>
+            </a:p>
+          </p:txBody>
+        </p:sp>
+      </p:grpSp>
+      <p:grpSp>
+        <p:nvGrpSpPr>
+          <p:cNvPr id="22" name="Gruppo 21">
+            <a:extLst>
+              <a:ext uri="{FF2B5EF4-FFF2-40B4-BE49-F238E27FC236}">
+                <a16:creationId xmlns:a16="http://schemas.microsoft.com/office/drawing/2014/main" id="{190B4DF4-293C-C749-8D8D-E6497FF8C030}"/>
+              </a:ext>
+            </a:extLst>
+          </p:cNvPr>
+          <p:cNvGrpSpPr/>
+          <p:nvPr/>
+        </p:nvGrpSpPr>
+        <p:grpSpPr>
+          <a:xfrm>
+            <a:off x="1669900" y="1098314"/>
+            <a:ext cx="1943025" cy="2343385"/>
+            <a:chOff x="1657200" y="539514"/>
+            <a:chExt cx="1943025" cy="2343385"/>
+          </a:xfrm>
+        </p:grpSpPr>
+        <p:sp>
+          <p:nvSpPr>
+            <p:cNvPr id="23" name="Ovale 22">
+              <a:extLst>
+                <a:ext uri="{FF2B5EF4-FFF2-40B4-BE49-F238E27FC236}">
+                  <a16:creationId xmlns:a16="http://schemas.microsoft.com/office/drawing/2014/main" id="{AF7A1ABA-A1FA-3D93-6F67-1AC300705C23}"/>
+                </a:ext>
+              </a:extLst>
+            </p:cNvPr>
+            <p:cNvSpPr/>
+            <p:nvPr/>
+          </p:nvSpPr>
+          <p:spPr>
+            <a:xfrm>
+              <a:off x="1657200" y="539514"/>
+              <a:ext cx="489100" cy="2343385"/>
+            </a:xfrm>
+            <a:prstGeom prst="ellipse">
+              <a:avLst/>
+            </a:prstGeom>
+            <a:noFill/>
+            <a:ln w="12700"/>
+          </p:spPr>
+          <p:style>
+            <a:lnRef idx="2">
+              <a:schemeClr val="accent1">
+                <a:shade val="15000"/>
+              </a:schemeClr>
+            </a:lnRef>
+            <a:fillRef idx="1">
+              <a:schemeClr val="accent1"/>
+            </a:fillRef>
+            <a:effectRef idx="0">
+              <a:schemeClr val="accent1"/>
+            </a:effectRef>
+            <a:fontRef idx="minor">
+              <a:schemeClr val="lt1"/>
+            </a:fontRef>
+          </p:style>
+          <p:txBody>
+            <a:bodyPr rtlCol="0" anchor="ctr"/>
+            <a:lstStyle/>
+            <a:p>
+              <a:pPr algn="ctr"/>
+              <a:endParaRPr lang="it-IT" dirty="0"/>
+            </a:p>
+          </p:txBody>
+        </p:sp>
+        <p:cxnSp>
+          <p:nvCxnSpPr>
+            <p:cNvPr id="24" name="Connettore 2 23">
+              <a:extLst>
+                <a:ext uri="{FF2B5EF4-FFF2-40B4-BE49-F238E27FC236}">
+                  <a16:creationId xmlns:a16="http://schemas.microsoft.com/office/drawing/2014/main" id="{05DE9763-EEEC-DDA2-3DC9-3CC746B6939C}"/>
+                </a:ext>
+              </a:extLst>
+            </p:cNvPr>
+            <p:cNvCxnSpPr>
+              <a:cxnSpLocks/>
+              <a:stCxn id="23" idx="7"/>
+              <a:endCxn id="25" idx="1"/>
+            </p:cNvCxnSpPr>
+            <p:nvPr/>
+          </p:nvCxnSpPr>
+          <p:spPr>
+            <a:xfrm flipV="1">
+              <a:off x="2074673" y="731224"/>
+              <a:ext cx="255777" cy="151471"/>
+            </a:xfrm>
+            <a:prstGeom prst="straightConnector1">
+              <a:avLst/>
+            </a:prstGeom>
+            <a:ln w="12700">
+              <a:solidFill>
+                <a:schemeClr val="tx2"/>
+              </a:solidFill>
+              <a:tailEnd type="triangle"/>
+            </a:ln>
+          </p:spPr>
+          <p:style>
+            <a:lnRef idx="1">
+              <a:schemeClr val="dk1"/>
+            </a:lnRef>
+            <a:fillRef idx="0">
+              <a:schemeClr val="dk1"/>
+            </a:fillRef>
+            <a:effectRef idx="0">
+              <a:schemeClr val="dk1"/>
+            </a:effectRef>
+            <a:fontRef idx="minor">
+              <a:schemeClr val="tx1"/>
+            </a:fontRef>
+          </p:style>
+        </p:cxnSp>
+        <p:sp>
+          <p:nvSpPr>
+            <p:cNvPr id="25" name="CasellaDiTesto 24">
+              <a:extLst>
+                <a:ext uri="{FF2B5EF4-FFF2-40B4-BE49-F238E27FC236}">
+                  <a16:creationId xmlns:a16="http://schemas.microsoft.com/office/drawing/2014/main" id="{8EA9BDBD-1C36-F5E0-C6E9-024688A14E57}"/>
+                </a:ext>
+              </a:extLst>
+            </p:cNvPr>
+            <p:cNvSpPr txBox="1"/>
+            <p:nvPr/>
+          </p:nvSpPr>
+          <p:spPr>
+            <a:xfrm>
+              <a:off x="2330450" y="577335"/>
+              <a:ext cx="1269775" cy="307777"/>
+            </a:xfrm>
+            <a:prstGeom prst="rect">
+              <a:avLst/>
+            </a:prstGeom>
+            <a:noFill/>
+            <a:ln>
+              <a:noFill/>
+            </a:ln>
+          </p:spPr>
+          <p:txBody>
+            <a:bodyPr wrap="square" rtlCol="0">
+              <a:spAutoFit/>
+            </a:bodyPr>
+            <a:lstStyle/>
+            <a:p>
+              <a:r>
+                <a:rPr lang="it-IT" sz="1400" dirty="0"/>
+                <a:t>Numeri di riga</a:t>
+              </a:r>
+            </a:p>
+          </p:txBody>
+        </p:sp>
+      </p:grpSp>
+      <p:grpSp>
+        <p:nvGrpSpPr>
+          <p:cNvPr id="31" name="Gruppo 30">
+            <a:extLst>
+              <a:ext uri="{FF2B5EF4-FFF2-40B4-BE49-F238E27FC236}">
+                <a16:creationId xmlns:a16="http://schemas.microsoft.com/office/drawing/2014/main" id="{86F79E65-C7FD-652B-9ADE-33CB935DF099}"/>
+              </a:ext>
+            </a:extLst>
+          </p:cNvPr>
+          <p:cNvGrpSpPr/>
+          <p:nvPr/>
+        </p:nvGrpSpPr>
+        <p:grpSpPr>
+          <a:xfrm>
+            <a:off x="10592513" y="5636016"/>
+            <a:ext cx="1576364" cy="765456"/>
+            <a:chOff x="3856654" y="5636016"/>
+            <a:chExt cx="1576364" cy="765456"/>
+          </a:xfrm>
+        </p:grpSpPr>
+        <p:cxnSp>
+          <p:nvCxnSpPr>
+            <p:cNvPr id="32" name="Connettore 2 31">
+              <a:extLst>
+                <a:ext uri="{FF2B5EF4-FFF2-40B4-BE49-F238E27FC236}">
+                  <a16:creationId xmlns:a16="http://schemas.microsoft.com/office/drawing/2014/main" id="{A5DFD75E-046E-EFAB-5FBE-4FF6AEC2CCCE}"/>
+                </a:ext>
+              </a:extLst>
+            </p:cNvPr>
+            <p:cNvCxnSpPr>
+              <a:cxnSpLocks/>
+            </p:cNvCxnSpPr>
+            <p:nvPr/>
+          </p:nvCxnSpPr>
+          <p:spPr>
+            <a:xfrm flipV="1">
+              <a:off x="4032025" y="6108700"/>
+              <a:ext cx="154116" cy="292772"/>
+            </a:xfrm>
+            <a:prstGeom prst="straightConnector1">
+              <a:avLst/>
+            </a:prstGeom>
+            <a:ln w="12700">
+              <a:solidFill>
+                <a:schemeClr val="tx2"/>
+              </a:solidFill>
+              <a:tailEnd type="triangle"/>
+            </a:ln>
+          </p:spPr>
+          <p:style>
+            <a:lnRef idx="1">
+              <a:schemeClr val="dk1"/>
+            </a:lnRef>
+            <a:fillRef idx="0">
+              <a:schemeClr val="dk1"/>
+            </a:fillRef>
+            <a:effectRef idx="0">
+              <a:schemeClr val="dk1"/>
+            </a:effectRef>
+            <a:fontRef idx="minor">
+              <a:schemeClr val="tx1"/>
+            </a:fontRef>
+          </p:style>
+        </p:cxnSp>
+        <p:sp>
+          <p:nvSpPr>
+            <p:cNvPr id="33" name="CasellaDiTesto 32">
+              <a:extLst>
+                <a:ext uri="{FF2B5EF4-FFF2-40B4-BE49-F238E27FC236}">
+                  <a16:creationId xmlns:a16="http://schemas.microsoft.com/office/drawing/2014/main" id="{483068D2-1305-FAB6-30F5-5225BECCB004}"/>
+                </a:ext>
+              </a:extLst>
+            </p:cNvPr>
+            <p:cNvSpPr txBox="1"/>
+            <p:nvPr/>
+          </p:nvSpPr>
+          <p:spPr>
+            <a:xfrm>
+              <a:off x="3856654" y="5636016"/>
+              <a:ext cx="1576364" cy="523220"/>
+            </a:xfrm>
+            <a:prstGeom prst="rect">
+              <a:avLst/>
+            </a:prstGeom>
+            <a:noFill/>
+            <a:ln>
+              <a:noFill/>
+            </a:ln>
+          </p:spPr>
+          <p:txBody>
+            <a:bodyPr wrap="square" rtlCol="0">
+              <a:spAutoFit/>
+            </a:bodyPr>
+            <a:lstStyle/>
+            <a:p>
+              <a:r>
+                <a:rPr lang="it-IT" sz="1400" dirty="0"/>
+                <a:t>Copia codice Java nella clipboard</a:t>
+              </a:r>
+            </a:p>
+          </p:txBody>
+        </p:sp>
+      </p:grpSp>
+      <p:grpSp>
+        <p:nvGrpSpPr>
+          <p:cNvPr id="36" name="Gruppo 35">
+            <a:extLst>
+              <a:ext uri="{FF2B5EF4-FFF2-40B4-BE49-F238E27FC236}">
+                <a16:creationId xmlns:a16="http://schemas.microsoft.com/office/drawing/2014/main" id="{1DC8F451-4BCE-ED5C-962A-15547FE9E879}"/>
+              </a:ext>
+            </a:extLst>
+          </p:cNvPr>
+          <p:cNvGrpSpPr/>
+          <p:nvPr/>
+        </p:nvGrpSpPr>
+        <p:grpSpPr>
+          <a:xfrm>
+            <a:off x="8445662" y="4934323"/>
+            <a:ext cx="1863101" cy="1467149"/>
+            <a:chOff x="3880860" y="5187793"/>
+            <a:chExt cx="1863101" cy="1467149"/>
+          </a:xfrm>
+        </p:grpSpPr>
+        <p:cxnSp>
+          <p:nvCxnSpPr>
+            <p:cNvPr id="37" name="Connettore 2 36">
+              <a:extLst>
+                <a:ext uri="{FF2B5EF4-FFF2-40B4-BE49-F238E27FC236}">
+                  <a16:creationId xmlns:a16="http://schemas.microsoft.com/office/drawing/2014/main" id="{22B67EA0-F057-2C06-AA2A-17AEA0C7E4A6}"/>
+                </a:ext>
+              </a:extLst>
+            </p:cNvPr>
+            <p:cNvCxnSpPr>
+              <a:cxnSpLocks/>
+            </p:cNvCxnSpPr>
+            <p:nvPr/>
+          </p:nvCxnSpPr>
+          <p:spPr>
+            <a:xfrm flipV="1">
+              <a:off x="4003707" y="5636016"/>
+              <a:ext cx="272128" cy="1018926"/>
+            </a:xfrm>
+            <a:prstGeom prst="straightConnector1">
+              <a:avLst/>
+            </a:prstGeom>
+            <a:ln w="12700">
+              <a:solidFill>
+                <a:schemeClr val="tx2"/>
+              </a:solidFill>
+              <a:tailEnd type="triangle"/>
+            </a:ln>
+          </p:spPr>
+          <p:style>
+            <a:lnRef idx="1">
+              <a:schemeClr val="dk1"/>
+            </a:lnRef>
+            <a:fillRef idx="0">
+              <a:schemeClr val="dk1"/>
+            </a:fillRef>
+            <a:effectRef idx="0">
+              <a:schemeClr val="dk1"/>
+            </a:effectRef>
+            <a:fontRef idx="minor">
+              <a:schemeClr val="tx1"/>
+            </a:fontRef>
+          </p:style>
+        </p:cxnSp>
+        <p:sp>
+          <p:nvSpPr>
+            <p:cNvPr id="38" name="CasellaDiTesto 37">
+              <a:extLst>
+                <a:ext uri="{FF2B5EF4-FFF2-40B4-BE49-F238E27FC236}">
+                  <a16:creationId xmlns:a16="http://schemas.microsoft.com/office/drawing/2014/main" id="{69FB439B-1615-5DD1-9338-A253039EA8AD}"/>
+                </a:ext>
+              </a:extLst>
+            </p:cNvPr>
+            <p:cNvSpPr txBox="1"/>
+            <p:nvPr/>
+          </p:nvSpPr>
+          <p:spPr>
+            <a:xfrm>
+              <a:off x="3880860" y="5187793"/>
+              <a:ext cx="1863101" cy="523220"/>
+            </a:xfrm>
+            <a:prstGeom prst="rect">
+              <a:avLst/>
+            </a:prstGeom>
+            <a:noFill/>
+            <a:ln>
+              <a:noFill/>
+            </a:ln>
+          </p:spPr>
+          <p:txBody>
+            <a:bodyPr wrap="square" rtlCol="0">
+              <a:spAutoFit/>
+            </a:bodyPr>
+            <a:lstStyle/>
+            <a:p>
+              <a:r>
+                <a:rPr lang="it-IT" sz="1400" dirty="0"/>
+                <a:t>Importa richiesta http da file di testo</a:t>
+              </a:r>
+            </a:p>
+          </p:txBody>
+        </p:sp>
+      </p:grpSp>
+      <p:grpSp>
+        <p:nvGrpSpPr>
+          <p:cNvPr id="40" name="Gruppo 39">
+            <a:extLst>
+              <a:ext uri="{FF2B5EF4-FFF2-40B4-BE49-F238E27FC236}">
+                <a16:creationId xmlns:a16="http://schemas.microsoft.com/office/drawing/2014/main" id="{59CE925E-B4E0-5EB8-40E9-67E95867FEFC}"/>
+              </a:ext>
+            </a:extLst>
+          </p:cNvPr>
+          <p:cNvGrpSpPr/>
+          <p:nvPr/>
+        </p:nvGrpSpPr>
+        <p:grpSpPr>
+          <a:xfrm>
+            <a:off x="8930015" y="5594147"/>
+            <a:ext cx="1661400" cy="790638"/>
+            <a:chOff x="3230160" y="5610834"/>
+            <a:chExt cx="1661400" cy="790638"/>
+          </a:xfrm>
+        </p:grpSpPr>
+        <p:cxnSp>
+          <p:nvCxnSpPr>
+            <p:cNvPr id="41" name="Connettore 2 40">
+              <a:extLst>
+                <a:ext uri="{FF2B5EF4-FFF2-40B4-BE49-F238E27FC236}">
+                  <a16:creationId xmlns:a16="http://schemas.microsoft.com/office/drawing/2014/main" id="{389727A2-A0AD-7CAB-61E7-5AE426813E60}"/>
+                </a:ext>
+              </a:extLst>
+            </p:cNvPr>
+            <p:cNvCxnSpPr>
+              <a:cxnSpLocks/>
+            </p:cNvCxnSpPr>
+            <p:nvPr/>
+          </p:nvCxnSpPr>
+          <p:spPr>
+            <a:xfrm flipV="1">
+              <a:off x="4032025" y="6083300"/>
+              <a:ext cx="0" cy="318172"/>
+            </a:xfrm>
+            <a:prstGeom prst="straightConnector1">
+              <a:avLst/>
+            </a:prstGeom>
+            <a:ln w="12700">
+              <a:solidFill>
+                <a:schemeClr val="tx2"/>
+              </a:solidFill>
+              <a:tailEnd type="triangle"/>
+            </a:ln>
+          </p:spPr>
+          <p:style>
+            <a:lnRef idx="1">
+              <a:schemeClr val="dk1"/>
+            </a:lnRef>
+            <a:fillRef idx="0">
+              <a:schemeClr val="dk1"/>
+            </a:fillRef>
+            <a:effectRef idx="0">
+              <a:schemeClr val="dk1"/>
+            </a:effectRef>
+            <a:fontRef idx="minor">
+              <a:schemeClr val="tx1"/>
+            </a:fontRef>
+          </p:style>
+        </p:cxnSp>
+        <p:sp>
+          <p:nvSpPr>
+            <p:cNvPr id="42" name="CasellaDiTesto 41">
+              <a:extLst>
+                <a:ext uri="{FF2B5EF4-FFF2-40B4-BE49-F238E27FC236}">
+                  <a16:creationId xmlns:a16="http://schemas.microsoft.com/office/drawing/2014/main" id="{54DC2259-5E97-D7F3-341D-2559B1FA67D8}"/>
+                </a:ext>
+              </a:extLst>
+            </p:cNvPr>
+            <p:cNvSpPr txBox="1"/>
+            <p:nvPr/>
+          </p:nvSpPr>
+          <p:spPr>
+            <a:xfrm>
+              <a:off x="3230160" y="5610834"/>
+              <a:ext cx="1661400" cy="523220"/>
+            </a:xfrm>
+            <a:prstGeom prst="rect">
+              <a:avLst/>
+            </a:prstGeom>
+            <a:noFill/>
+            <a:ln>
+              <a:noFill/>
+            </a:ln>
+          </p:spPr>
+          <p:txBody>
+            <a:bodyPr wrap="square" rtlCol="0">
+              <a:spAutoFit/>
+            </a:bodyPr>
+            <a:lstStyle/>
+            <a:p>
+              <a:r>
+                <a:rPr lang="it-IT" sz="1400" dirty="0"/>
+                <a:t>Traduce richiesta http in codice Java</a:t>
+              </a:r>
+            </a:p>
+          </p:txBody>
+        </p:sp>
+      </p:grpSp>
     </p:spTree>
     <p:extLst>
       <p:ext uri="{BB962C8B-B14F-4D97-AF65-F5344CB8AC3E}">
-        <p14:creationId xmlns:p14="http://schemas.microsoft.com/office/powerpoint/2010/main" val="1500940750"/>
+        <p14:creationId xmlns:p14="http://schemas.microsoft.com/office/powerpoint/2010/main" val="2719456098"/>
+      </p:ext>
+    </p:extLst>
+  </p:cSld>
+  <p:clrMapOvr>
+    <a:masterClrMapping/>
+  </p:clrMapOvr>
+</p:sld>
+</file>
+
+<file path=ppt/slides/slide8.xml><?xml version="1.0" encoding="utf-8"?>
+<p:sld xmlns:a="http://schemas.openxmlformats.org/drawingml/2006/main" xmlns:r="http://schemas.openxmlformats.org/officeDocument/2006/relationships" xmlns:p="http://schemas.openxmlformats.org/presentationml/2006/main">
+  <p:cSld>
+    <p:spTree>
+      <p:nvGrpSpPr>
+        <p:cNvPr id="1" name=""/>
+        <p:cNvGrpSpPr/>
+        <p:nvPr/>
+      </p:nvGrpSpPr>
+      <p:grpSpPr>
+        <a:xfrm>
+          <a:off x="0" y="0"/>
+          <a:ext cx="0" cy="0"/>
+          <a:chOff x="0" y="0"/>
+          <a:chExt cx="0" cy="0"/>
+        </a:xfrm>
+      </p:grpSpPr>
+      <p:pic>
+        <p:nvPicPr>
+          <p:cNvPr id="8" name="Segnaposto contenuto 7">
+            <a:extLst>
+              <a:ext uri="{FF2B5EF4-FFF2-40B4-BE49-F238E27FC236}">
+                <a16:creationId xmlns:a16="http://schemas.microsoft.com/office/drawing/2014/main" id="{A7C13BFC-DD85-C7DD-FEED-F82387CC4D0F}"/>
+              </a:ext>
+            </a:extLst>
+          </p:cNvPr>
+          <p:cNvPicPr>
+            <a:picLocks noGrp="1" noChangeAspect="1"/>
+          </p:cNvPicPr>
+          <p:nvPr>
+            <p:ph idx="1"/>
+          </p:nvPr>
+        </p:nvPicPr>
+        <p:blipFill rotWithShape="1">
+          <a:blip r:embed="rId3"/>
+          <a:srcRect l="327" t="198" r="331" b="513"/>
+          <a:stretch/>
+        </p:blipFill>
+        <p:spPr>
+          <a:xfrm>
+            <a:off x="1475741" y="137824"/>
+            <a:ext cx="9720000" cy="6582351"/>
+          </a:xfrm>
+        </p:spPr>
+      </p:pic>
+      <p:pic>
+        <p:nvPicPr>
+          <p:cNvPr id="12" name="Immagine 11">
+            <a:extLst>
+              <a:ext uri="{FF2B5EF4-FFF2-40B4-BE49-F238E27FC236}">
+                <a16:creationId xmlns:a16="http://schemas.microsoft.com/office/drawing/2014/main" id="{35583488-8DBB-FE30-4ECC-70E4248F30C9}"/>
+              </a:ext>
+            </a:extLst>
+          </p:cNvPr>
+          <p:cNvPicPr>
+            <a:picLocks noChangeAspect="1"/>
+          </p:cNvPicPr>
+          <p:nvPr/>
+        </p:nvPicPr>
+        <p:blipFill>
+          <a:blip r:embed="rId4"/>
+          <a:stretch>
+            <a:fillRect/>
+          </a:stretch>
+        </p:blipFill>
+        <p:spPr>
+          <a:xfrm>
+            <a:off x="3940730" y="1711446"/>
+            <a:ext cx="4781550" cy="3429000"/>
+          </a:xfrm>
+          <a:prstGeom prst="rect">
+            <a:avLst/>
+          </a:prstGeom>
+        </p:spPr>
+      </p:pic>
+    </p:spTree>
+    <p:extLst>
+      <p:ext uri="{BB962C8B-B14F-4D97-AF65-F5344CB8AC3E}">
+        <p14:creationId xmlns:p14="http://schemas.microsoft.com/office/powerpoint/2010/main" val="3182150018"/>
+      </p:ext>
+    </p:extLst>
+  </p:cSld>
+  <p:clrMapOvr>
+    <a:masterClrMapping/>
+  </p:clrMapOvr>
+</p:sld>
+</file>
+
+<file path=ppt/slides/slide9.xml><?xml version="1.0" encoding="utf-8"?>
+<p:sld xmlns:a="http://schemas.openxmlformats.org/drawingml/2006/main" xmlns:r="http://schemas.openxmlformats.org/officeDocument/2006/relationships" xmlns:p="http://schemas.openxmlformats.org/presentationml/2006/main">
+  <p:cSld>
+    <p:spTree>
+      <p:nvGrpSpPr>
+        <p:cNvPr id="1" name=""/>
+        <p:cNvGrpSpPr/>
+        <p:nvPr/>
+      </p:nvGrpSpPr>
+      <p:grpSpPr>
+        <a:xfrm>
+          <a:off x="0" y="0"/>
+          <a:ext cx="0" cy="0"/>
+          <a:chOff x="0" y="0"/>
+          <a:chExt cx="0" cy="0"/>
+        </a:xfrm>
+      </p:grpSpPr>
+      <p:pic>
+        <p:nvPicPr>
+          <p:cNvPr id="8" name="Segnaposto contenuto 7">
+            <a:extLst>
+              <a:ext uri="{FF2B5EF4-FFF2-40B4-BE49-F238E27FC236}">
+                <a16:creationId xmlns:a16="http://schemas.microsoft.com/office/drawing/2014/main" id="{A7C13BFC-DD85-C7DD-FEED-F82387CC4D0F}"/>
+              </a:ext>
+            </a:extLst>
+          </p:cNvPr>
+          <p:cNvPicPr>
+            <a:picLocks noGrp="1" noChangeAspect="1"/>
+          </p:cNvPicPr>
+          <p:nvPr>
+            <p:ph idx="1"/>
+          </p:nvPr>
+        </p:nvPicPr>
+        <p:blipFill rotWithShape="1">
+          <a:blip r:embed="rId3"/>
+          <a:srcRect l="327" t="198" r="331" b="513"/>
+          <a:stretch/>
+        </p:blipFill>
+        <p:spPr>
+          <a:xfrm>
+            <a:off x="1475741" y="137824"/>
+            <a:ext cx="9720000" cy="6582351"/>
+          </a:xfrm>
+        </p:spPr>
+      </p:pic>
+      <p:pic>
+        <p:nvPicPr>
+          <p:cNvPr id="2" name="Immagine 1">
+            <a:extLst>
+              <a:ext uri="{FF2B5EF4-FFF2-40B4-BE49-F238E27FC236}">
+                <a16:creationId xmlns:a16="http://schemas.microsoft.com/office/drawing/2014/main" id="{3530A862-0B51-8A91-FE66-DF95ADA064D4}"/>
+              </a:ext>
+            </a:extLst>
+          </p:cNvPr>
+          <p:cNvPicPr>
+            <a:picLocks noChangeAspect="1"/>
+          </p:cNvPicPr>
+          <p:nvPr/>
+        </p:nvPicPr>
+        <p:blipFill>
+          <a:blip r:embed="rId4"/>
+          <a:stretch>
+            <a:fillRect/>
+          </a:stretch>
+        </p:blipFill>
+        <p:spPr>
+          <a:xfrm>
+            <a:off x="3951964" y="1724025"/>
+            <a:ext cx="4781550" cy="3409950"/>
+          </a:xfrm>
+          <a:prstGeom prst="rect">
+            <a:avLst/>
+          </a:prstGeom>
+        </p:spPr>
+      </p:pic>
+    </p:spTree>
+    <p:extLst>
+      <p:ext uri="{BB962C8B-B14F-4D97-AF65-F5344CB8AC3E}">
+        <p14:creationId xmlns:p14="http://schemas.microsoft.com/office/powerpoint/2010/main" val="484025361"/>
       </p:ext>
     </p:extLst>
   </p:cSld>
@@ -4688,4 +9059,299 @@
     </a:ext>
   </a:extLst>
 </a:theme>
+</file>
+
+<file path=ppt/theme/theme2.xml><?xml version="1.0" encoding="utf-8"?>
+<a:theme xmlns:a="http://schemas.openxmlformats.org/drawingml/2006/main" name="Tema di Office">
+  <a:themeElements>
+    <a:clrScheme name="Office">
+      <a:dk1>
+        <a:sysClr val="windowText" lastClr="000000"/>
+      </a:dk1>
+      <a:lt1>
+        <a:sysClr val="window" lastClr="FFFFFF"/>
+      </a:lt1>
+      <a:dk2>
+        <a:srgbClr val="44546A"/>
+      </a:dk2>
+      <a:lt2>
+        <a:srgbClr val="E7E6E6"/>
+      </a:lt2>
+      <a:accent1>
+        <a:srgbClr val="4472C4"/>
+      </a:accent1>
+      <a:accent2>
+        <a:srgbClr val="ED7D31"/>
+      </a:accent2>
+      <a:accent3>
+        <a:srgbClr val="A5A5A5"/>
+      </a:accent3>
+      <a:accent4>
+        <a:srgbClr val="FFC000"/>
+      </a:accent4>
+      <a:accent5>
+        <a:srgbClr val="5B9BD5"/>
+      </a:accent5>
+      <a:accent6>
+        <a:srgbClr val="70AD47"/>
+      </a:accent6>
+      <a:hlink>
+        <a:srgbClr val="0563C1"/>
+      </a:hlink>
+      <a:folHlink>
+        <a:srgbClr val="954F72"/>
+      </a:folHlink>
+    </a:clrScheme>
+    <a:fontScheme name="Office">
+      <a:majorFont>
+        <a:latin typeface="Calibri Light" panose="020F0302020204030204"/>
+        <a:ea typeface=""/>
+        <a:cs typeface=""/>
+        <a:font script="Jpan" typeface="游ゴシック Light"/>
+        <a:font script="Hang" typeface="맑은 고딕"/>
+        <a:font script="Hans" typeface="等线 Light"/>
+        <a:font script="Hant" typeface="新細明體"/>
+        <a:font script="Arab" typeface="Times New Roman"/>
+        <a:font script="Hebr" typeface="Times New Roman"/>
+        <a:font script="Thai" typeface="Angsana New"/>
+        <a:font script="Ethi" typeface="Nyala"/>
+        <a:font script="Beng" typeface="Vrinda"/>
+        <a:font script="Gujr" typeface="Shruti"/>
+        <a:font script="Khmr" typeface="MoolBoran"/>
+        <a:font script="Knda" typeface="Tunga"/>
+        <a:font script="Guru" typeface="Raavi"/>
+        <a:font script="Cans" typeface="Euphemia"/>
+        <a:font script="Cher" typeface="Plantagenet Cherokee"/>
+        <a:font script="Yiii" typeface="Microsoft Yi Baiti"/>
+        <a:font script="Tibt" typeface="Microsoft Himalaya"/>
+        <a:font script="Thaa" typeface="MV Boli"/>
+        <a:font script="Deva" typeface="Mangal"/>
+        <a:font script="Telu" typeface="Gautami"/>
+        <a:font script="Taml" typeface="Latha"/>
+        <a:font script="Syrc" typeface="Estrangelo Edessa"/>
+        <a:font script="Orya" typeface="Kalinga"/>
+        <a:font script="Mlym" typeface="Kartika"/>
+        <a:font script="Laoo" typeface="DokChampa"/>
+        <a:font script="Sinh" typeface="Iskoola Pota"/>
+        <a:font script="Mong" typeface="Mongolian Baiti"/>
+        <a:font script="Viet" typeface="Times New Roman"/>
+        <a:font script="Uigh" typeface="Microsoft Uighur"/>
+        <a:font script="Geor" typeface="Sylfaen"/>
+        <a:font script="Armn" typeface="Arial"/>
+        <a:font script="Bugi" typeface="Leelawadee UI"/>
+        <a:font script="Bopo" typeface="Microsoft JhengHei"/>
+        <a:font script="Java" typeface="Javanese Text"/>
+        <a:font script="Lisu" typeface="Segoe UI"/>
+        <a:font script="Mymr" typeface="Myanmar Text"/>
+        <a:font script="Nkoo" typeface="Ebrima"/>
+        <a:font script="Olck" typeface="Nirmala UI"/>
+        <a:font script="Osma" typeface="Ebrima"/>
+        <a:font script="Phag" typeface="Phagspa"/>
+        <a:font script="Syrn" typeface="Estrangelo Edessa"/>
+        <a:font script="Syrj" typeface="Estrangelo Edessa"/>
+        <a:font script="Syre" typeface="Estrangelo Edessa"/>
+        <a:font script="Sora" typeface="Nirmala UI"/>
+        <a:font script="Tale" typeface="Microsoft Tai Le"/>
+        <a:font script="Talu" typeface="Microsoft New Tai Lue"/>
+        <a:font script="Tfng" typeface="Ebrima"/>
+      </a:majorFont>
+      <a:minorFont>
+        <a:latin typeface="Calibri" panose="020F0502020204030204"/>
+        <a:ea typeface=""/>
+        <a:cs typeface=""/>
+        <a:font script="Jpan" typeface="游ゴシック"/>
+        <a:font script="Hang" typeface="맑은 고딕"/>
+        <a:font script="Hans" typeface="等线"/>
+        <a:font script="Hant" typeface="新細明體"/>
+        <a:font script="Arab" typeface="Arial"/>
+        <a:font script="Hebr" typeface="Arial"/>
+        <a:font script="Thai" typeface="Cordia New"/>
+        <a:font script="Ethi" typeface="Nyala"/>
+        <a:font script="Beng" typeface="Vrinda"/>
+        <a:font script="Gujr" typeface="Shruti"/>
+        <a:font script="Khmr" typeface="DaunPenh"/>
+        <a:font script="Knda" typeface="Tunga"/>
+        <a:font script="Guru" typeface="Raavi"/>
+        <a:font script="Cans" typeface="Euphemia"/>
+        <a:font script="Cher" typeface="Plantagenet Cherokee"/>
+        <a:font script="Yiii" typeface="Microsoft Yi Baiti"/>
+        <a:font script="Tibt" typeface="Microsoft Himalaya"/>
+        <a:font script="Thaa" typeface="MV Boli"/>
+        <a:font script="Deva" typeface="Mangal"/>
+        <a:font script="Telu" typeface="Gautami"/>
+        <a:font script="Taml" typeface="Latha"/>
+        <a:font script="Syrc" typeface="Estrangelo Edessa"/>
+        <a:font script="Orya" typeface="Kalinga"/>
+        <a:font script="Mlym" typeface="Kartika"/>
+        <a:font script="Laoo" typeface="DokChampa"/>
+        <a:font script="Sinh" typeface="Iskoola Pota"/>
+        <a:font script="Mong" typeface="Mongolian Baiti"/>
+        <a:font script="Viet" typeface="Arial"/>
+        <a:font script="Uigh" typeface="Microsoft Uighur"/>
+        <a:font script="Geor" typeface="Sylfaen"/>
+        <a:font script="Armn" typeface="Arial"/>
+        <a:font script="Bugi" typeface="Leelawadee UI"/>
+        <a:font script="Bopo" typeface="Microsoft JhengHei"/>
+        <a:font script="Java" typeface="Javanese Text"/>
+        <a:font script="Lisu" typeface="Segoe UI"/>
+        <a:font script="Mymr" typeface="Myanmar Text"/>
+        <a:font script="Nkoo" typeface="Ebrima"/>
+        <a:font script="Olck" typeface="Nirmala UI"/>
+        <a:font script="Osma" typeface="Ebrima"/>
+        <a:font script="Phag" typeface="Phagspa"/>
+        <a:font script="Syrn" typeface="Estrangelo Edessa"/>
+        <a:font script="Syrj" typeface="Estrangelo Edessa"/>
+        <a:font script="Syre" typeface="Estrangelo Edessa"/>
+        <a:font script="Sora" typeface="Nirmala UI"/>
+        <a:font script="Tale" typeface="Microsoft Tai Le"/>
+        <a:font script="Talu" typeface="Microsoft New Tai Lue"/>
+        <a:font script="Tfng" typeface="Ebrima"/>
+      </a:minorFont>
+    </a:fontScheme>
+    <a:fmtScheme name="Office">
+      <a:fillStyleLst>
+        <a:solidFill>
+          <a:schemeClr val="phClr"/>
+        </a:solidFill>
+        <a:gradFill rotWithShape="1">
+          <a:gsLst>
+            <a:gs pos="0">
+              <a:schemeClr val="phClr">
+                <a:lumMod val="110000"/>
+                <a:satMod val="105000"/>
+                <a:tint val="67000"/>
+              </a:schemeClr>
+            </a:gs>
+            <a:gs pos="50000">
+              <a:schemeClr val="phClr">
+                <a:lumMod val="105000"/>
+                <a:satMod val="103000"/>
+                <a:tint val="73000"/>
+              </a:schemeClr>
+            </a:gs>
+            <a:gs pos="100000">
+              <a:schemeClr val="phClr">
+                <a:lumMod val="105000"/>
+                <a:satMod val="109000"/>
+                <a:tint val="81000"/>
+              </a:schemeClr>
+            </a:gs>
+          </a:gsLst>
+          <a:lin ang="5400000" scaled="0"/>
+        </a:gradFill>
+        <a:gradFill rotWithShape="1">
+          <a:gsLst>
+            <a:gs pos="0">
+              <a:schemeClr val="phClr">
+                <a:satMod val="103000"/>
+                <a:lumMod val="102000"/>
+                <a:tint val="94000"/>
+              </a:schemeClr>
+            </a:gs>
+            <a:gs pos="50000">
+              <a:schemeClr val="phClr">
+                <a:satMod val="110000"/>
+                <a:lumMod val="100000"/>
+                <a:shade val="100000"/>
+              </a:schemeClr>
+            </a:gs>
+            <a:gs pos="100000">
+              <a:schemeClr val="phClr">
+                <a:lumMod val="99000"/>
+                <a:satMod val="120000"/>
+                <a:shade val="78000"/>
+              </a:schemeClr>
+            </a:gs>
+          </a:gsLst>
+          <a:lin ang="5400000" scaled="0"/>
+        </a:gradFill>
+      </a:fillStyleLst>
+      <a:lnStyleLst>
+        <a:ln w="6350" cap="flat" cmpd="sng" algn="ctr">
+          <a:solidFill>
+            <a:schemeClr val="phClr"/>
+          </a:solidFill>
+          <a:prstDash val="solid"/>
+          <a:miter lim="800000"/>
+        </a:ln>
+        <a:ln w="12700" cap="flat" cmpd="sng" algn="ctr">
+          <a:solidFill>
+            <a:schemeClr val="phClr"/>
+          </a:solidFill>
+          <a:prstDash val="solid"/>
+          <a:miter lim="800000"/>
+        </a:ln>
+        <a:ln w="19050" cap="flat" cmpd="sng" algn="ctr">
+          <a:solidFill>
+            <a:schemeClr val="phClr"/>
+          </a:solidFill>
+          <a:prstDash val="solid"/>
+          <a:miter lim="800000"/>
+        </a:ln>
+      </a:lnStyleLst>
+      <a:effectStyleLst>
+        <a:effectStyle>
+          <a:effectLst/>
+        </a:effectStyle>
+        <a:effectStyle>
+          <a:effectLst/>
+        </a:effectStyle>
+        <a:effectStyle>
+          <a:effectLst>
+            <a:outerShdw blurRad="57150" dist="19050" dir="5400000" algn="ctr" rotWithShape="0">
+              <a:srgbClr val="000000">
+                <a:alpha val="63000"/>
+              </a:srgbClr>
+            </a:outerShdw>
+          </a:effectLst>
+        </a:effectStyle>
+      </a:effectStyleLst>
+      <a:bgFillStyleLst>
+        <a:solidFill>
+          <a:schemeClr val="phClr"/>
+        </a:solidFill>
+        <a:solidFill>
+          <a:schemeClr val="phClr">
+            <a:tint val="95000"/>
+            <a:satMod val="170000"/>
+          </a:schemeClr>
+        </a:solidFill>
+        <a:gradFill rotWithShape="1">
+          <a:gsLst>
+            <a:gs pos="0">
+              <a:schemeClr val="phClr">
+                <a:tint val="93000"/>
+                <a:satMod val="150000"/>
+                <a:shade val="98000"/>
+                <a:lumMod val="102000"/>
+              </a:schemeClr>
+            </a:gs>
+            <a:gs pos="50000">
+              <a:schemeClr val="phClr">
+                <a:tint val="98000"/>
+                <a:satMod val="130000"/>
+                <a:shade val="90000"/>
+                <a:lumMod val="103000"/>
+              </a:schemeClr>
+            </a:gs>
+            <a:gs pos="100000">
+              <a:schemeClr val="phClr">
+                <a:shade val="63000"/>
+                <a:satMod val="120000"/>
+              </a:schemeClr>
+            </a:gs>
+          </a:gsLst>
+          <a:lin ang="5400000" scaled="0"/>
+        </a:gradFill>
+      </a:bgFillStyleLst>
+    </a:fmtScheme>
+  </a:themeElements>
+  <a:objectDefaults/>
+  <a:extraClrSchemeLst/>
+  <a:extLst>
+    <a:ext uri="{05A4C25C-085E-4340-85A3-A5531E510DB2}">
+      <thm15:themeFamily xmlns:thm15="http://schemas.microsoft.com/office/thememl/2012/main" name="Office Theme" id="{62F939B6-93AF-4DB8-9C6B-D6C7DFDC589F}" vid="{4A3C46E8-61CC-4603-A589-7422A47A8E4A}"/>
+    </a:ext>
+  </a:extLst>
+</a:theme>
 </file>
--- a/Documentazione/Presentazione.pptx
+++ b/Documentazione/Presentazione.pptx
@@ -210,7 +210,7 @@
           <a:p>
             <a:fld id="{BE0F7DE1-FC91-4113-A85F-1F7208607959}" type="datetimeFigureOut">
               <a:rPr lang="it-IT" smtClean="0"/>
-              <a:t>26/01/2024</a:t>
+              <a:t>30/01/2024</a:t>
             </a:fld>
             <a:endParaRPr lang="it-IT"/>
           </a:p>
@@ -1234,7 +1234,7 @@
           <a:p>
             <a:fld id="{37535506-E4D8-4B37-B844-6EB28F68A436}" type="datetimeFigureOut">
               <a:rPr lang="en-GB" smtClean="0"/>
-              <a:t>26/01/2024</a:t>
+              <a:t>30/01/2024</a:t>
             </a:fld>
             <a:endParaRPr lang="en-GB"/>
           </a:p>
@@ -1564,7 +1564,7 @@
           <a:p>
             <a:fld id="{37535506-E4D8-4B37-B844-6EB28F68A436}" type="datetimeFigureOut">
               <a:rPr lang="en-GB" smtClean="0"/>
-              <a:t>26/01/2024</a:t>
+              <a:t>30/01/2024</a:t>
             </a:fld>
             <a:endParaRPr lang="en-GB"/>
           </a:p>
@@ -1744,7 +1744,7 @@
           <a:p>
             <a:fld id="{37535506-E4D8-4B37-B844-6EB28F68A436}" type="datetimeFigureOut">
               <a:rPr lang="en-GB" smtClean="0"/>
-              <a:t>26/01/2024</a:t>
+              <a:t>30/01/2024</a:t>
             </a:fld>
             <a:endParaRPr lang="en-GB"/>
           </a:p>
@@ -1914,7 +1914,7 @@
           <a:p>
             <a:fld id="{37535506-E4D8-4B37-B844-6EB28F68A436}" type="datetimeFigureOut">
               <a:rPr lang="en-GB" smtClean="0"/>
-              <a:t>26/01/2024</a:t>
+              <a:t>30/01/2024</a:t>
             </a:fld>
             <a:endParaRPr lang="en-GB"/>
           </a:p>
@@ -2191,7 +2191,7 @@
           <a:p>
             <a:fld id="{37535506-E4D8-4B37-B844-6EB28F68A436}" type="datetimeFigureOut">
               <a:rPr lang="en-GB" smtClean="0"/>
-              <a:t>26/01/2024</a:t>
+              <a:t>30/01/2024</a:t>
             </a:fld>
             <a:endParaRPr lang="en-GB"/>
           </a:p>
@@ -2585,7 +2585,7 @@
           <a:p>
             <a:fld id="{37535506-E4D8-4B37-B844-6EB28F68A436}" type="datetimeFigureOut">
               <a:rPr lang="en-GB" smtClean="0"/>
-              <a:t>26/01/2024</a:t>
+              <a:t>30/01/2024</a:t>
             </a:fld>
             <a:endParaRPr lang="en-GB"/>
           </a:p>
@@ -3062,7 +3062,7 @@
           <a:p>
             <a:fld id="{37535506-E4D8-4B37-B844-6EB28F68A436}" type="datetimeFigureOut">
               <a:rPr lang="en-GB" smtClean="0"/>
-              <a:t>26/01/2024</a:t>
+              <a:t>30/01/2024</a:t>
             </a:fld>
             <a:endParaRPr lang="en-GB"/>
           </a:p>
@@ -3180,7 +3180,7 @@
           <a:p>
             <a:fld id="{37535506-E4D8-4B37-B844-6EB28F68A436}" type="datetimeFigureOut">
               <a:rPr lang="en-GB" smtClean="0"/>
-              <a:t>26/01/2024</a:t>
+              <a:t>30/01/2024</a:t>
             </a:fld>
             <a:endParaRPr lang="en-GB"/>
           </a:p>
@@ -3275,7 +3275,7 @@
           <a:p>
             <a:fld id="{37535506-E4D8-4B37-B844-6EB28F68A436}" type="datetimeFigureOut">
               <a:rPr lang="en-GB" smtClean="0"/>
-              <a:t>26/01/2024</a:t>
+              <a:t>30/01/2024</a:t>
             </a:fld>
             <a:endParaRPr lang="en-GB"/>
           </a:p>
@@ -3621,7 +3621,7 @@
           <a:p>
             <a:fld id="{37535506-E4D8-4B37-B844-6EB28F68A436}" type="datetimeFigureOut">
               <a:rPr lang="en-GB" smtClean="0"/>
-              <a:t>26/01/2024</a:t>
+              <a:t>30/01/2024</a:t>
             </a:fld>
             <a:endParaRPr lang="en-GB"/>
           </a:p>
@@ -4009,7 +4009,7 @@
           <a:p>
             <a:fld id="{37535506-E4D8-4B37-B844-6EB28F68A436}" type="datetimeFigureOut">
               <a:rPr lang="en-GB" smtClean="0"/>
-              <a:t>26/01/2024</a:t>
+              <a:t>30/01/2024</a:t>
             </a:fld>
             <a:endParaRPr lang="en-GB"/>
           </a:p>
@@ -4287,7 +4287,7 @@
           <a:p>
             <a:fld id="{37535506-E4D8-4B37-B844-6EB28F68A436}" type="datetimeFigureOut">
               <a:rPr lang="en-GB" smtClean="0"/>
-              <a:t>26/01/2024</a:t>
+              <a:t>30/01/2024</a:t>
             </a:fld>
             <a:endParaRPr lang="en-GB"/>
           </a:p>
@@ -8063,10 +8063,10 @@
         </p:nvGrpSpPr>
         <p:grpSpPr>
           <a:xfrm>
-            <a:off x="6345750" y="5636016"/>
-            <a:ext cx="1863101" cy="765456"/>
-            <a:chOff x="3232076" y="5636016"/>
-            <a:chExt cx="1863101" cy="765456"/>
+            <a:off x="5705062" y="5154593"/>
+            <a:ext cx="2545397" cy="1246879"/>
+            <a:chOff x="2591388" y="5154593"/>
+            <a:chExt cx="2545397" cy="1246879"/>
           </a:xfrm>
         </p:grpSpPr>
         <p:cxnSp>
@@ -8127,8 +8127,8 @@
           </p:nvSpPr>
           <p:spPr>
             <a:xfrm>
-              <a:off x="3232076" y="5636016"/>
-              <a:ext cx="1863101" cy="523220"/>
+              <a:off x="2591388" y="5154593"/>
+              <a:ext cx="2545397" cy="954107"/>
             </a:xfrm>
             <a:prstGeom prst="rect">
               <a:avLst/>
@@ -8144,10 +8144,24 @@
             </a:bodyPr>
             <a:lstStyle/>
             <a:p>
+              <a:pPr algn="just"/>
               <a:r>
                 <a:rPr lang="it-IT" sz="1400" dirty="0"/>
-                <a:t>Abilita/disabilita modifica box http</a:t>
+                <a:t>Seleziona l’elemento usato come input tra il file indicato nel </a:t>
               </a:r>
+              <a:r>
+                <a:rPr lang="it-IT" sz="1400" dirty="0" err="1"/>
+                <a:t>path</a:t>
+              </a:r>
+              <a:r>
+                <a:rPr lang="it-IT" sz="1400" dirty="0"/>
+                <a:t> e la stringa nel box HTTP </a:t>
+              </a:r>
+              <a:r>
+                <a:rPr lang="it-IT" sz="1400" dirty="0" err="1"/>
+                <a:t>request</a:t>
+              </a:r>
+              <a:endParaRPr lang="it-IT" sz="1400" dirty="0"/>
             </a:p>
           </p:txBody>
         </p:sp>

--- a/Documentazione/Presentazione.pptx
+++ b/Documentazione/Presentazione.pptx
@@ -5180,7 +5180,7 @@
         </p:nvSpPr>
         <p:spPr>
           <a:xfrm>
-            <a:off x="4279478" y="615924"/>
+            <a:off x="4279478" y="517449"/>
             <a:ext cx="3633043" cy="720882"/>
           </a:xfrm>
         </p:spPr>
@@ -5214,8 +5214,8 @@
         </p:nvSpPr>
         <p:spPr>
           <a:xfrm>
-            <a:off x="1483085" y="2521571"/>
-            <a:ext cx="4443984" cy="3832945"/>
+            <a:off x="1483085" y="2212082"/>
+            <a:ext cx="4443984" cy="4540410"/>
           </a:xfrm>
         </p:spPr>
         <p:txBody>
@@ -5245,6 +5245,18 @@
             <a:r>
               <a:rPr lang="it-IT" dirty="0"/>
               <a:t>Possibilità di importare richieste http da file esterni.</a:t>
+            </a:r>
+          </a:p>
+          <a:p>
+            <a:r>
+              <a:rPr lang="it-IT" dirty="0"/>
+              <a:t>Multipiattaforma.</a:t>
+            </a:r>
+          </a:p>
+          <a:p>
+            <a:r>
+              <a:rPr lang="it-IT" dirty="0"/>
+              <a:t>Basso spazio di archiviazione richiesto.</a:t>
             </a:r>
           </a:p>
         </p:txBody>
@@ -5267,7 +5279,7 @@
         </p:nvSpPr>
         <p:spPr>
           <a:xfrm>
-            <a:off x="6394800" y="2521572"/>
+            <a:off x="6394800" y="2212083"/>
             <a:ext cx="4443984" cy="3980828"/>
           </a:xfrm>
         </p:spPr>
@@ -5322,7 +5334,7 @@
         </p:nvGrpSpPr>
         <p:grpSpPr>
           <a:xfrm>
-            <a:off x="2770111" y="1662957"/>
+            <a:off x="2770111" y="1353468"/>
             <a:ext cx="1646961" cy="720882"/>
             <a:chOff x="2174674" y="1725852"/>
             <a:chExt cx="1646961" cy="720882"/>
@@ -5642,7 +5654,7 @@
         </p:nvGrpSpPr>
         <p:grpSpPr>
           <a:xfrm>
-            <a:off x="7774930" y="1662957"/>
+            <a:off x="7774930" y="1353468"/>
             <a:ext cx="2284297" cy="720882"/>
             <a:chOff x="6938672" y="1725852"/>
             <a:chExt cx="2284297" cy="720882"/>

--- a/Documentazione/Presentazione.pptx
+++ b/Documentazione/Presentazione.pptx
@@ -210,7 +210,7 @@
           <a:p>
             <a:fld id="{BE0F7DE1-FC91-4113-A85F-1F7208607959}" type="datetimeFigureOut">
               <a:rPr lang="it-IT" smtClean="0"/>
-              <a:t>30/01/2024</a:t>
+              <a:t>09/02/2024</a:t>
             </a:fld>
             <a:endParaRPr lang="it-IT"/>
           </a:p>
@@ -1234,7 +1234,7 @@
           <a:p>
             <a:fld id="{37535506-E4D8-4B37-B844-6EB28F68A436}" type="datetimeFigureOut">
               <a:rPr lang="en-GB" smtClean="0"/>
-              <a:t>30/01/2024</a:t>
+              <a:t>09/02/2024</a:t>
             </a:fld>
             <a:endParaRPr lang="en-GB"/>
           </a:p>
@@ -1564,7 +1564,7 @@
           <a:p>
             <a:fld id="{37535506-E4D8-4B37-B844-6EB28F68A436}" type="datetimeFigureOut">
               <a:rPr lang="en-GB" smtClean="0"/>
-              <a:t>30/01/2024</a:t>
+              <a:t>09/02/2024</a:t>
             </a:fld>
             <a:endParaRPr lang="en-GB"/>
           </a:p>
@@ -1744,7 +1744,7 @@
           <a:p>
             <a:fld id="{37535506-E4D8-4B37-B844-6EB28F68A436}" type="datetimeFigureOut">
               <a:rPr lang="en-GB" smtClean="0"/>
-              <a:t>30/01/2024</a:t>
+              <a:t>09/02/2024</a:t>
             </a:fld>
             <a:endParaRPr lang="en-GB"/>
           </a:p>
@@ -1914,7 +1914,7 @@
           <a:p>
             <a:fld id="{37535506-E4D8-4B37-B844-6EB28F68A436}" type="datetimeFigureOut">
               <a:rPr lang="en-GB" smtClean="0"/>
-              <a:t>30/01/2024</a:t>
+              <a:t>09/02/2024</a:t>
             </a:fld>
             <a:endParaRPr lang="en-GB"/>
           </a:p>
@@ -2191,7 +2191,7 @@
           <a:p>
             <a:fld id="{37535506-E4D8-4B37-B844-6EB28F68A436}" type="datetimeFigureOut">
               <a:rPr lang="en-GB" smtClean="0"/>
-              <a:t>30/01/2024</a:t>
+              <a:t>09/02/2024</a:t>
             </a:fld>
             <a:endParaRPr lang="en-GB"/>
           </a:p>
@@ -2585,7 +2585,7 @@
           <a:p>
             <a:fld id="{37535506-E4D8-4B37-B844-6EB28F68A436}" type="datetimeFigureOut">
               <a:rPr lang="en-GB" smtClean="0"/>
-              <a:t>30/01/2024</a:t>
+              <a:t>09/02/2024</a:t>
             </a:fld>
             <a:endParaRPr lang="en-GB"/>
           </a:p>
@@ -3062,7 +3062,7 @@
           <a:p>
             <a:fld id="{37535506-E4D8-4B37-B844-6EB28F68A436}" type="datetimeFigureOut">
               <a:rPr lang="en-GB" smtClean="0"/>
-              <a:t>30/01/2024</a:t>
+              <a:t>09/02/2024</a:t>
             </a:fld>
             <a:endParaRPr lang="en-GB"/>
           </a:p>
@@ -3180,7 +3180,7 @@
           <a:p>
             <a:fld id="{37535506-E4D8-4B37-B844-6EB28F68A436}" type="datetimeFigureOut">
               <a:rPr lang="en-GB" smtClean="0"/>
-              <a:t>30/01/2024</a:t>
+              <a:t>09/02/2024</a:t>
             </a:fld>
             <a:endParaRPr lang="en-GB"/>
           </a:p>
@@ -3275,7 +3275,7 @@
           <a:p>
             <a:fld id="{37535506-E4D8-4B37-B844-6EB28F68A436}" type="datetimeFigureOut">
               <a:rPr lang="en-GB" smtClean="0"/>
-              <a:t>30/01/2024</a:t>
+              <a:t>09/02/2024</a:t>
             </a:fld>
             <a:endParaRPr lang="en-GB"/>
           </a:p>
@@ -3621,7 +3621,7 @@
           <a:p>
             <a:fld id="{37535506-E4D8-4B37-B844-6EB28F68A436}" type="datetimeFigureOut">
               <a:rPr lang="en-GB" smtClean="0"/>
-              <a:t>30/01/2024</a:t>
+              <a:t>09/02/2024</a:t>
             </a:fld>
             <a:endParaRPr lang="en-GB"/>
           </a:p>
@@ -4009,7 +4009,7 @@
           <a:p>
             <a:fld id="{37535506-E4D8-4B37-B844-6EB28F68A436}" type="datetimeFigureOut">
               <a:rPr lang="en-GB" smtClean="0"/>
-              <a:t>30/01/2024</a:t>
+              <a:t>09/02/2024</a:t>
             </a:fld>
             <a:endParaRPr lang="en-GB"/>
           </a:p>
@@ -4287,7 +4287,7 @@
           <a:p>
             <a:fld id="{37535506-E4D8-4B37-B844-6EB28F68A436}" type="datetimeFigureOut">
               <a:rPr lang="en-GB" smtClean="0"/>
-              <a:t>30/01/2024</a:t>
+              <a:t>09/02/2024</a:t>
             </a:fld>
             <a:endParaRPr lang="en-GB"/>
           </a:p>
@@ -7015,15 +7015,22 @@
                       <a:schemeClr val="tx2"/>
                     </a:solidFill>
                   </a:rPr>
-                  <a:t>Settiamo due </a:t>
+                  <a:t>Settiamo due volte </a:t>
                 </a:r>
+                <a:br>
+                  <a:rPr lang="it-IT" b="1" dirty="0">
+                    <a:solidFill>
+                      <a:schemeClr val="tx2"/>
+                    </a:solidFill>
+                  </a:rPr>
+                </a:br>
                 <a:r>
                   <a:rPr lang="it-IT" b="1" dirty="0" err="1">
                     <a:solidFill>
                       <a:schemeClr val="tx2"/>
                     </a:solidFill>
                   </a:rPr>
-                  <a:t>voltre</a:t>
+                  <a:t>Accept-Encoding</a:t>
                 </a:r>
                 <a:r>
                   <a:rPr lang="it-IT" b="1" dirty="0">
@@ -7031,23 +7038,7 @@
                       <a:schemeClr val="tx2"/>
                     </a:solidFill>
                   </a:rPr>
-                  <a:t> </a:t>
-                </a:r>
-                <a:r>
-                  <a:rPr lang="it-IT" b="1" dirty="0" err="1">
-                    <a:solidFill>
-                      <a:schemeClr val="tx2"/>
-                    </a:solidFill>
-                  </a:rPr>
-                  <a:t>Accept</a:t>
-                </a:r>
-                <a:r>
-                  <a:rPr lang="it-IT" b="1" dirty="0">
-                    <a:solidFill>
-                      <a:schemeClr val="tx2"/>
-                    </a:solidFill>
-                  </a:rPr>
-                  <a:t>-Language, quale verrà inviato?</a:t>
+                  <a:t>, quale verrà inviato?</a:t>
                 </a:r>
               </a:p>
             </p:txBody>
